--- a/slides/Chapter6.pptx
+++ b/slides/Chapter6.pptx
@@ -220,7 +220,7 @@
           <a:p>
             <a:fld id="{D2A48B96-639E-45A3-A0BA-2464DFDB1FAA}" type="datetimeFigureOut">
               <a:rPr lang="zh-CN" altLang="en-US" smtClean="0"/>
-              <a:t>2023/1/7</a:t>
+              <a:t>2023/1/28</a:t>
             </a:fld>
             <a:endParaRPr lang="zh-CN" altLang="en-US"/>
           </a:p>
@@ -1457,7 +1457,7 @@
           <a:p>
             <a:fld id="{D997B5FA-0921-464F-AAE1-844C04324D75}" type="datetimeFigureOut">
               <a:rPr lang="zh-CN" altLang="en-US" smtClean="0"/>
-              <a:t>2023/1/7</a:t>
+              <a:t>2023/1/28</a:t>
             </a:fld>
             <a:endParaRPr lang="zh-CN" altLang="en-US"/>
           </a:p>
@@ -1620,7 +1620,7 @@
           <a:p>
             <a:fld id="{D997B5FA-0921-464F-AAE1-844C04324D75}" type="datetimeFigureOut">
               <a:rPr lang="zh-CN" altLang="en-US" smtClean="0"/>
-              <a:t>2023/1/7</a:t>
+              <a:t>2023/1/28</a:t>
             </a:fld>
             <a:endParaRPr lang="zh-CN" altLang="en-US"/>
           </a:p>
@@ -1793,7 +1793,7 @@
           <a:p>
             <a:fld id="{D997B5FA-0921-464F-AAE1-844C04324D75}" type="datetimeFigureOut">
               <a:rPr lang="zh-CN" altLang="en-US" smtClean="0"/>
-              <a:t>2023/1/7</a:t>
+              <a:t>2023/1/28</a:t>
             </a:fld>
             <a:endParaRPr lang="zh-CN" altLang="en-US"/>
           </a:p>
@@ -2467,7 +2467,7 @@
           <a:p>
             <a:fld id="{760FBDFE-C587-4B4C-A407-44438C67B59E}" type="datetimeFigureOut">
               <a:rPr lang="zh-CN" altLang="en-US" smtClean="0"/>
-              <a:t>2023/1/7</a:t>
+              <a:t>2023/1/28</a:t>
             </a:fld>
             <a:endParaRPr lang="zh-CN" altLang="en-US"/>
           </a:p>
@@ -3335,7 +3335,7 @@
           <a:p>
             <a:fld id="{760FBDFE-C587-4B4C-A407-44438C67B59E}" type="datetimeFigureOut">
               <a:rPr lang="zh-CN" altLang="en-US" smtClean="0"/>
-              <a:t>2023/1/7</a:t>
+              <a:t>2023/1/28</a:t>
             </a:fld>
             <a:endParaRPr lang="zh-CN" altLang="en-US"/>
           </a:p>
@@ -4143,7 +4143,7 @@
           <a:p>
             <a:fld id="{760FBDFE-C587-4B4C-A407-44438C67B59E}" type="datetimeFigureOut">
               <a:rPr lang="zh-CN" altLang="en-US" smtClean="0"/>
-              <a:t>2023/1/7</a:t>
+              <a:t>2023/1/28</a:t>
             </a:fld>
             <a:endParaRPr lang="zh-CN" altLang="en-US"/>
           </a:p>
@@ -4880,7 +4880,7 @@
           <a:p>
             <a:fld id="{760FBDFE-C587-4B4C-A407-44438C67B59E}" type="datetimeFigureOut">
               <a:rPr lang="zh-CN" altLang="en-US" smtClean="0"/>
-              <a:t>2023/1/7</a:t>
+              <a:t>2023/1/28</a:t>
             </a:fld>
             <a:endParaRPr lang="zh-CN" altLang="en-US"/>
           </a:p>
@@ -5861,7 +5861,7 @@
           <a:p>
             <a:fld id="{760FBDFE-C587-4B4C-A407-44438C67B59E}" type="datetimeFigureOut">
               <a:rPr lang="zh-CN" altLang="en-US" smtClean="0"/>
-              <a:t>2023/1/7</a:t>
+              <a:t>2023/1/28</a:t>
             </a:fld>
             <a:endParaRPr lang="zh-CN" altLang="en-US"/>
           </a:p>
@@ -6484,7 +6484,7 @@
           <a:p>
             <a:fld id="{760FBDFE-C587-4B4C-A407-44438C67B59E}" type="datetimeFigureOut">
               <a:rPr lang="zh-CN" altLang="en-US" smtClean="0"/>
-              <a:t>2023/1/7</a:t>
+              <a:t>2023/1/28</a:t>
             </a:fld>
             <a:endParaRPr lang="zh-CN" altLang="en-US"/>
           </a:p>
@@ -6591,7 +6591,7 @@
           <a:p>
             <a:fld id="{760FBDFE-C587-4B4C-A407-44438C67B59E}" type="datetimeFigureOut">
               <a:rPr lang="zh-CN" altLang="en-US" smtClean="0"/>
-              <a:t>2023/1/7</a:t>
+              <a:t>2023/1/28</a:t>
             </a:fld>
             <a:endParaRPr lang="zh-CN" altLang="en-US"/>
           </a:p>
@@ -7217,7 +7217,7 @@
           <a:p>
             <a:fld id="{9EFD9D74-47D9-4702-A33C-335B63B48DBF}" type="datetimeFigureOut">
               <a:rPr lang="zh-CN" altLang="en-US" smtClean="0"/>
-              <a:t>2023/1/7</a:t>
+              <a:t>2023/1/28</a:t>
             </a:fld>
             <a:endParaRPr lang="zh-CN" altLang="en-US" dirty="0"/>
           </a:p>
@@ -7412,7 +7412,7 @@
           <a:p>
             <a:fld id="{D997B5FA-0921-464F-AAE1-844C04324D75}" type="datetimeFigureOut">
               <a:rPr lang="zh-CN" altLang="en-US" smtClean="0"/>
-              <a:t>2023/1/7</a:t>
+              <a:t>2023/1/28</a:t>
             </a:fld>
             <a:endParaRPr lang="zh-CN" altLang="en-US"/>
           </a:p>
@@ -8094,7 +8094,7 @@
           <a:p>
             <a:fld id="{760FBDFE-C587-4B4C-A407-44438C67B59E}" type="datetimeFigureOut">
               <a:rPr lang="zh-CN" altLang="en-US" smtClean="0"/>
-              <a:t>2023/1/7</a:t>
+              <a:t>2023/1/28</a:t>
             </a:fld>
             <a:endParaRPr lang="zh-CN" altLang="en-US"/>
           </a:p>
@@ -8630,7 +8630,7 @@
           <a:p>
             <a:fld id="{760FBDFE-C587-4B4C-A407-44438C67B59E}" type="datetimeFigureOut">
               <a:rPr lang="zh-CN" altLang="en-US" smtClean="0"/>
-              <a:t>2023/1/7</a:t>
+              <a:t>2023/1/28</a:t>
             </a:fld>
             <a:endParaRPr lang="zh-CN" altLang="en-US"/>
           </a:p>
@@ -9397,7 +9397,7 @@
           <a:p>
             <a:fld id="{760FBDFE-C587-4B4C-A407-44438C67B59E}" type="datetimeFigureOut">
               <a:rPr lang="zh-CN" altLang="en-US" smtClean="0"/>
-              <a:t>2023/1/7</a:t>
+              <a:t>2023/1/28</a:t>
             </a:fld>
             <a:endParaRPr lang="zh-CN" altLang="en-US"/>
           </a:p>
@@ -9863,7 +9863,7 @@
           <a:p>
             <a:fld id="{760FBDFE-C587-4B4C-A407-44438C67B59E}" type="datetimeFigureOut">
               <a:rPr lang="zh-CN" altLang="en-US" smtClean="0"/>
-              <a:t>2023/1/7</a:t>
+              <a:t>2023/1/28</a:t>
             </a:fld>
             <a:endParaRPr lang="zh-CN" altLang="en-US"/>
           </a:p>
@@ -10553,7 +10553,7 @@
           <a:p>
             <a:fld id="{760FBDFE-C587-4B4C-A407-44438C67B59E}" type="datetimeFigureOut">
               <a:rPr lang="zh-CN" altLang="en-US" smtClean="0"/>
-              <a:t>2023/1/7</a:t>
+              <a:t>2023/1/28</a:t>
             </a:fld>
             <a:endParaRPr lang="zh-CN" altLang="en-US"/>
           </a:p>
@@ -11027,7 +11027,7 @@
           <a:p>
             <a:fld id="{760FBDFE-C587-4B4C-A407-44438C67B59E}" type="datetimeFigureOut">
               <a:rPr lang="zh-CN" altLang="en-US" smtClean="0"/>
-              <a:t>2023/1/7</a:t>
+              <a:t>2023/1/28</a:t>
             </a:fld>
             <a:endParaRPr lang="zh-CN" altLang="en-US" dirty="0"/>
           </a:p>
@@ -11753,7 +11753,7 @@
           <a:p>
             <a:fld id="{760FBDFE-C587-4B4C-A407-44438C67B59E}" type="datetimeFigureOut">
               <a:rPr lang="zh-CN" altLang="en-US" smtClean="0"/>
-              <a:t>2023/1/7</a:t>
+              <a:t>2023/1/28</a:t>
             </a:fld>
             <a:endParaRPr lang="zh-CN" altLang="en-US"/>
           </a:p>
@@ -12393,7 +12393,7 @@
           <a:p>
             <a:fld id="{760FBDFE-C587-4B4C-A407-44438C67B59E}" type="datetimeFigureOut">
               <a:rPr lang="zh-CN" altLang="en-US" smtClean="0"/>
-              <a:t>2023/1/7</a:t>
+              <a:t>2023/1/28</a:t>
             </a:fld>
             <a:endParaRPr lang="zh-CN" altLang="en-US"/>
           </a:p>
@@ -12820,7 +12820,7 @@
           <a:p>
             <a:fld id="{760FBDFE-C587-4B4C-A407-44438C67B59E}" type="datetimeFigureOut">
               <a:rPr lang="zh-CN" altLang="en-US" smtClean="0"/>
-              <a:t>2023/1/7</a:t>
+              <a:t>2023/1/28</a:t>
             </a:fld>
             <a:endParaRPr lang="zh-CN" altLang="en-US"/>
           </a:p>
@@ -14020,7 +14020,7 @@
           <a:p>
             <a:fld id="{760FBDFE-C587-4B4C-A407-44438C67B59E}" type="datetimeFigureOut">
               <a:rPr lang="zh-CN" altLang="en-US" smtClean="0"/>
-              <a:t>2023/1/7</a:t>
+              <a:t>2023/1/28</a:t>
             </a:fld>
             <a:endParaRPr lang="zh-CN" altLang="en-US"/>
           </a:p>
@@ -14339,7 +14339,7 @@
           <a:p>
             <a:fld id="{D997B5FA-0921-464F-AAE1-844C04324D75}" type="datetimeFigureOut">
               <a:rPr lang="zh-CN" altLang="en-US" smtClean="0"/>
-              <a:t>2023/1/7</a:t>
+              <a:t>2023/1/28</a:t>
             </a:fld>
             <a:endParaRPr lang="zh-CN" altLang="en-US"/>
           </a:p>
@@ -14563,7 +14563,7 @@
           <a:p>
             <a:fld id="{D997B5FA-0921-464F-AAE1-844C04324D75}" type="datetimeFigureOut">
               <a:rPr lang="zh-CN" altLang="en-US" smtClean="0"/>
-              <a:t>2023/1/7</a:t>
+              <a:t>2023/1/28</a:t>
             </a:fld>
             <a:endParaRPr lang="zh-CN" altLang="en-US"/>
           </a:p>
@@ -14922,7 +14922,7 @@
           <a:p>
             <a:fld id="{D997B5FA-0921-464F-AAE1-844C04324D75}" type="datetimeFigureOut">
               <a:rPr lang="zh-CN" altLang="en-US" smtClean="0"/>
-              <a:t>2023/1/7</a:t>
+              <a:t>2023/1/28</a:t>
             </a:fld>
             <a:endParaRPr lang="zh-CN" altLang="en-US"/>
           </a:p>
@@ -15034,7 +15034,7 @@
           <a:p>
             <a:fld id="{D997B5FA-0921-464F-AAE1-844C04324D75}" type="datetimeFigureOut">
               <a:rPr lang="zh-CN" altLang="en-US" smtClean="0"/>
-              <a:t>2023/1/7</a:t>
+              <a:t>2023/1/28</a:t>
             </a:fld>
             <a:endParaRPr lang="zh-CN" altLang="en-US"/>
           </a:p>
@@ -15124,7 +15124,7 @@
           <a:p>
             <a:fld id="{D997B5FA-0921-464F-AAE1-844C04324D75}" type="datetimeFigureOut">
               <a:rPr lang="zh-CN" altLang="en-US" smtClean="0"/>
-              <a:t>2023/1/7</a:t>
+              <a:t>2023/1/28</a:t>
             </a:fld>
             <a:endParaRPr lang="zh-CN" altLang="en-US"/>
           </a:p>
@@ -15394,7 +15394,7 @@
           <a:p>
             <a:fld id="{D997B5FA-0921-464F-AAE1-844C04324D75}" type="datetimeFigureOut">
               <a:rPr lang="zh-CN" altLang="en-US" smtClean="0"/>
-              <a:t>2023/1/7</a:t>
+              <a:t>2023/1/28</a:t>
             </a:fld>
             <a:endParaRPr lang="zh-CN" altLang="en-US"/>
           </a:p>
@@ -15641,7 +15641,7 @@
           <a:p>
             <a:fld id="{D997B5FA-0921-464F-AAE1-844C04324D75}" type="datetimeFigureOut">
               <a:rPr lang="zh-CN" altLang="en-US" smtClean="0"/>
-              <a:t>2023/1/7</a:t>
+              <a:t>2023/1/28</a:t>
             </a:fld>
             <a:endParaRPr lang="zh-CN" altLang="en-US"/>
           </a:p>
@@ -15847,7 +15847,7 @@
           <a:p>
             <a:fld id="{D997B5FA-0921-464F-AAE1-844C04324D75}" type="datetimeFigureOut">
               <a:rPr lang="zh-CN" altLang="en-US" smtClean="0"/>
-              <a:t>2023/1/7</a:t>
+              <a:t>2023/1/28</a:t>
             </a:fld>
             <a:endParaRPr lang="zh-CN" altLang="en-US"/>
           </a:p>
@@ -16394,7 +16394,7 @@
           <a:p>
             <a:fld id="{760FBDFE-C587-4B4C-A407-44438C67B59E}" type="datetimeFigureOut">
               <a:rPr lang="zh-CN" altLang="en-US" smtClean="0"/>
-              <a:t>2023/1/7</a:t>
+              <a:t>2023/1/28</a:t>
             </a:fld>
             <a:endParaRPr lang="zh-CN" altLang="en-US"/>
           </a:p>
@@ -17554,7 +17554,7 @@
         <p:spPr>
           <a:xfrm>
             <a:off x="789305" y="1253490"/>
-            <a:ext cx="1456690" cy="443865"/>
+            <a:ext cx="1738742" cy="443865"/>
           </a:xfrm>
         </p:spPr>
         <p:style>
@@ -17580,7 +17580,7 @@
             <a:pPr algn="ctr"/>
             <a:r>
               <a:rPr lang="en-US" b="1"/>
-              <a:t>geometry.c</a:t>
+              <a:t>geometry.cpp</a:t>
             </a:r>
           </a:p>
         </p:txBody>
@@ -18407,7 +18407,7 @@
             <a:pPr algn="ctr"/>
             <a:r>
               <a:rPr lang="en-US" b="1"/>
-              <a:t>area.c</a:t>
+              <a:t>area.cpp</a:t>
             </a:r>
           </a:p>
         </p:txBody>
@@ -18420,8 +18420,8 @@
         </p:nvSpPr>
         <p:spPr>
           <a:xfrm>
-            <a:off x="789304" y="2271395"/>
-            <a:ext cx="8094719" cy="2306955"/>
+            <a:off x="789305" y="2020383"/>
+            <a:ext cx="10075920" cy="4247317"/>
           </a:xfrm>
           <a:prstGeom prst="rect">
             <a:avLst/>
@@ -18437,516 +18437,1188 @@
           </a:bodyPr>
           <a:lstStyle/>
           <a:p>
-            <a:pPr indent="0"/>
-            <a:r>
-              <a:rPr lang="en-US" b="0">
+            <a:pPr algn="l"/>
+            <a:r>
+              <a:rPr lang="en-US" altLang="zh-CN" sz="1800" kern="0">
                 <a:solidFill>
                   <a:srgbClr val="804000"/>
                 </a:solidFill>
-                <a:highlight>
-                  <a:srgbClr val="FFFFFF"/>
-                </a:highlight>
-                <a:latin typeface="Consolas" panose="020B0609020204030204" charset="0"/>
-                <a:ea typeface="宋体" panose="02010600030101010101" pitchFamily="2" charset="-122"/>
-              </a:rPr>
-              <a:t>#include &lt;stdio.h&gt;</a:t>
-            </a:r>
-          </a:p>
-          <a:p>
-            <a:pPr indent="0"/>
-            <a:r>
-              <a:rPr lang="en-US" b="0">
+                <a:effectLst/>
+                <a:highlight>
+                  <a:srgbClr val="FFFFFF"/>
+                </a:highlight>
+                <a:latin typeface="Consolas" panose="020B0609020204030204" pitchFamily="49" charset="0"/>
+                <a:ea typeface="等线" panose="02010600030101010101" pitchFamily="2" charset="-122"/>
+                <a:cs typeface="Courier New" panose="02070309020205020404" pitchFamily="49" charset="0"/>
+              </a:rPr>
+              <a:t>#include &lt;iostream&gt;</a:t>
+            </a:r>
+            <a:endParaRPr lang="zh-CN" altLang="zh-CN" sz="1800" kern="100">
+              <a:effectLst/>
+              <a:latin typeface="等线" panose="02010600030101010101" pitchFamily="2" charset="-122"/>
+              <a:ea typeface="等线" panose="02010600030101010101" pitchFamily="2" charset="-122"/>
+              <a:cs typeface="Times New Roman" panose="02020603050405020304" pitchFamily="18" charset="0"/>
+            </a:endParaRPr>
+          </a:p>
+          <a:p>
+            <a:pPr algn="l"/>
+            <a:r>
+              <a:rPr lang="en-US" altLang="zh-CN" sz="1800" kern="0">
                 <a:solidFill>
                   <a:srgbClr val="804000"/>
                 </a:solidFill>
-                <a:highlight>
-                  <a:srgbClr val="FFFFFF"/>
-                </a:highlight>
-                <a:latin typeface="Consolas" panose="020B0609020204030204" charset="0"/>
-                <a:ea typeface="宋体" panose="02010600030101010101" pitchFamily="2" charset="-122"/>
+                <a:effectLst/>
+                <a:highlight>
+                  <a:srgbClr val="FFFFFF"/>
+                </a:highlight>
+                <a:latin typeface="Consolas" panose="020B0609020204030204" pitchFamily="49" charset="0"/>
+                <a:ea typeface="等线" panose="02010600030101010101" pitchFamily="2" charset="-122"/>
+                <a:cs typeface="Courier New" panose="02070309020205020404" pitchFamily="49" charset="0"/>
+              </a:rPr>
+              <a:t>#include &lt;iomanip&gt;</a:t>
+            </a:r>
+            <a:endParaRPr lang="zh-CN" altLang="zh-CN" sz="1800" kern="100">
+              <a:effectLst/>
+              <a:latin typeface="等线" panose="02010600030101010101" pitchFamily="2" charset="-122"/>
+              <a:ea typeface="等线" panose="02010600030101010101" pitchFamily="2" charset="-122"/>
+              <a:cs typeface="Times New Roman" panose="02020603050405020304" pitchFamily="18" charset="0"/>
+            </a:endParaRPr>
+          </a:p>
+          <a:p>
+            <a:pPr algn="l"/>
+            <a:r>
+              <a:rPr lang="en-US" altLang="zh-CN" sz="1800" kern="0">
+                <a:solidFill>
+                  <a:srgbClr val="804000"/>
+                </a:solidFill>
+                <a:effectLst/>
+                <a:highlight>
+                  <a:srgbClr val="FFFFFF"/>
+                </a:highlight>
+                <a:latin typeface="Consolas" panose="020B0609020204030204" pitchFamily="49" charset="0"/>
+                <a:ea typeface="等线" panose="02010600030101010101" pitchFamily="2" charset="-122"/>
+                <a:cs typeface="Courier New" panose="02070309020205020404" pitchFamily="49" charset="0"/>
               </a:rPr>
               <a:t>#include "geometry.h"</a:t>
             </a:r>
-            <a:endParaRPr lang="en-US" b="0">
-              <a:solidFill>
-                <a:srgbClr val="000000"/>
-              </a:solidFill>
-              <a:highlight>
-                <a:srgbClr val="FFFFFF"/>
-              </a:highlight>
-              <a:latin typeface="Consolas" panose="020B0609020204030204" charset="0"/>
-              <a:ea typeface="宋体" panose="02010600030101010101" pitchFamily="2" charset="-122"/>
+            <a:endParaRPr lang="zh-CN" altLang="zh-CN" sz="1800" kern="100">
+              <a:effectLst/>
+              <a:latin typeface="等线" panose="02010600030101010101" pitchFamily="2" charset="-122"/>
+              <a:ea typeface="等线" panose="02010600030101010101" pitchFamily="2" charset="-122"/>
+              <a:cs typeface="Times New Roman" panose="02020603050405020304" pitchFamily="18" charset="0"/>
             </a:endParaRPr>
           </a:p>
           <a:p>
-            <a:pPr indent="0"/>
-            <a:r>
-              <a:rPr lang="en-US" b="0">
+            <a:pPr algn="l"/>
+            <a:r>
+              <a:rPr lang="en-US" altLang="zh-CN" sz="1800" kern="0">
                 <a:solidFill>
                   <a:srgbClr val="000000"/>
                 </a:solidFill>
-                <a:highlight>
-                  <a:srgbClr val="FFFFFF"/>
-                </a:highlight>
-                <a:latin typeface="Consolas" panose="020B0609020204030204" charset="0"/>
-                <a:ea typeface="宋体" panose="02010600030101010101" pitchFamily="2" charset="-122"/>
+                <a:effectLst/>
+                <a:highlight>
+                  <a:srgbClr val="FFFFFF"/>
+                </a:highlight>
+                <a:latin typeface="Consolas" panose="020B0609020204030204" pitchFamily="49" charset="0"/>
+                <a:ea typeface="等线" panose="02010600030101010101" pitchFamily="2" charset="-122"/>
+                <a:cs typeface="Courier New" panose="02070309020205020404" pitchFamily="49" charset="0"/>
+              </a:rPr>
+              <a:t> </a:t>
+            </a:r>
+            <a:endParaRPr lang="zh-CN" altLang="zh-CN" sz="1800" kern="100">
+              <a:effectLst/>
+              <a:latin typeface="等线" panose="02010600030101010101" pitchFamily="2" charset="-122"/>
+              <a:ea typeface="等线" panose="02010600030101010101" pitchFamily="2" charset="-122"/>
+              <a:cs typeface="Times New Roman" panose="02020603050405020304" pitchFamily="18" charset="0"/>
+            </a:endParaRPr>
+          </a:p>
+          <a:p>
+            <a:pPr algn="l"/>
+            <a:r>
+              <a:rPr lang="en-US" altLang="zh-CN" sz="1800" b="1" kern="0">
+                <a:solidFill>
+                  <a:srgbClr val="0000FF"/>
+                </a:solidFill>
+                <a:effectLst/>
+                <a:highlight>
+                  <a:srgbClr val="FFFFFF"/>
+                </a:highlight>
+                <a:latin typeface="Consolas" panose="020B0609020204030204" pitchFamily="49" charset="0"/>
+                <a:ea typeface="等线" panose="02010600030101010101" pitchFamily="2" charset="-122"/>
+                <a:cs typeface="Courier New" panose="02070309020205020404" pitchFamily="49" charset="0"/>
+              </a:rPr>
+              <a:t>using</a:t>
+            </a:r>
+            <a:r>
+              <a:rPr lang="en-US" altLang="zh-CN" sz="1800" kern="0">
+                <a:solidFill>
+                  <a:srgbClr val="000000"/>
+                </a:solidFill>
+                <a:effectLst/>
+                <a:highlight>
+                  <a:srgbClr val="FFFFFF"/>
+                </a:highlight>
+                <a:latin typeface="Consolas" panose="020B0609020204030204" pitchFamily="49" charset="0"/>
+                <a:ea typeface="等线" panose="02010600030101010101" pitchFamily="2" charset="-122"/>
+                <a:cs typeface="Courier New" panose="02070309020205020404" pitchFamily="49" charset="0"/>
               </a:rPr>
               <a:t> </a:t>
             </a:r>
-            <a:endParaRPr lang="en-US" b="0">
-              <a:solidFill>
-                <a:srgbClr val="8000FF"/>
-              </a:solidFill>
-              <a:highlight>
-                <a:srgbClr val="FFFFFF"/>
-              </a:highlight>
-              <a:latin typeface="Consolas" panose="020B0609020204030204" charset="0"/>
-              <a:ea typeface="宋体" panose="02010600030101010101" pitchFamily="2" charset="-122"/>
+            <a:r>
+              <a:rPr lang="en-US" altLang="zh-CN" sz="1800" b="1" kern="0">
+                <a:solidFill>
+                  <a:srgbClr val="0000FF"/>
+                </a:solidFill>
+                <a:effectLst/>
+                <a:highlight>
+                  <a:srgbClr val="FFFFFF"/>
+                </a:highlight>
+                <a:latin typeface="Consolas" panose="020B0609020204030204" pitchFamily="49" charset="0"/>
+                <a:ea typeface="等线" panose="02010600030101010101" pitchFamily="2" charset="-122"/>
+                <a:cs typeface="Courier New" panose="02070309020205020404" pitchFamily="49" charset="0"/>
+              </a:rPr>
+              <a:t>namespace</a:t>
+            </a:r>
+            <a:r>
+              <a:rPr lang="en-US" altLang="zh-CN" sz="1800" kern="0">
+                <a:solidFill>
+                  <a:srgbClr val="000000"/>
+                </a:solidFill>
+                <a:effectLst/>
+                <a:highlight>
+                  <a:srgbClr val="FFFFFF"/>
+                </a:highlight>
+                <a:latin typeface="Consolas" panose="020B0609020204030204" pitchFamily="49" charset="0"/>
+                <a:ea typeface="等线" panose="02010600030101010101" pitchFamily="2" charset="-122"/>
+                <a:cs typeface="Courier New" panose="02070309020205020404" pitchFamily="49" charset="0"/>
+              </a:rPr>
+              <a:t> std</a:t>
+            </a:r>
+            <a:r>
+              <a:rPr lang="en-US" altLang="zh-CN" sz="1800" b="1" kern="0">
+                <a:solidFill>
+                  <a:srgbClr val="000080"/>
+                </a:solidFill>
+                <a:effectLst/>
+                <a:highlight>
+                  <a:srgbClr val="FFFFFF"/>
+                </a:highlight>
+                <a:latin typeface="Consolas" panose="020B0609020204030204" pitchFamily="49" charset="0"/>
+                <a:ea typeface="等线" panose="02010600030101010101" pitchFamily="2" charset="-122"/>
+                <a:cs typeface="Courier New" panose="02070309020205020404" pitchFamily="49" charset="0"/>
+              </a:rPr>
+              <a:t>;</a:t>
+            </a:r>
+            <a:endParaRPr lang="zh-CN" altLang="zh-CN" sz="1800" kern="100">
+              <a:effectLst/>
+              <a:latin typeface="等线" panose="02010600030101010101" pitchFamily="2" charset="-122"/>
+              <a:ea typeface="等线" panose="02010600030101010101" pitchFamily="2" charset="-122"/>
+              <a:cs typeface="Times New Roman" panose="02020603050405020304" pitchFamily="18" charset="0"/>
             </a:endParaRPr>
           </a:p>
           <a:p>
-            <a:pPr indent="0"/>
-            <a:r>
-              <a:rPr lang="en-US" b="0">
+            <a:pPr algn="l"/>
+            <a:r>
+              <a:rPr lang="en-US" altLang="zh-CN" sz="1800" kern="0">
+                <a:solidFill>
+                  <a:srgbClr val="000000"/>
+                </a:solidFill>
+                <a:effectLst/>
+                <a:highlight>
+                  <a:srgbClr val="FFFFFF"/>
+                </a:highlight>
+                <a:latin typeface="Consolas" panose="020B0609020204030204" pitchFamily="49" charset="0"/>
+                <a:ea typeface="等线" panose="02010600030101010101" pitchFamily="2" charset="-122"/>
+                <a:cs typeface="Courier New" panose="02070309020205020404" pitchFamily="49" charset="0"/>
+              </a:rPr>
+              <a:t> </a:t>
+            </a:r>
+            <a:endParaRPr lang="zh-CN" altLang="zh-CN" sz="1800" kern="100">
+              <a:effectLst/>
+              <a:latin typeface="等线" panose="02010600030101010101" pitchFamily="2" charset="-122"/>
+              <a:ea typeface="等线" panose="02010600030101010101" pitchFamily="2" charset="-122"/>
+              <a:cs typeface="Times New Roman" panose="02020603050405020304" pitchFamily="18" charset="0"/>
+            </a:endParaRPr>
+          </a:p>
+          <a:p>
+            <a:pPr algn="l"/>
+            <a:r>
+              <a:rPr lang="en-US" altLang="zh-CN" sz="1800" kern="0">
                 <a:solidFill>
                   <a:srgbClr val="8000FF"/>
                 </a:solidFill>
-                <a:highlight>
-                  <a:srgbClr val="FFFFFF"/>
-                </a:highlight>
-                <a:latin typeface="Consolas" panose="020B0609020204030204" charset="0"/>
-                <a:ea typeface="宋体" panose="02010600030101010101" pitchFamily="2" charset="-122"/>
+                <a:effectLst/>
+                <a:highlight>
+                  <a:srgbClr val="FFFFFF"/>
+                </a:highlight>
+                <a:latin typeface="Consolas" panose="020B0609020204030204" pitchFamily="49" charset="0"/>
+                <a:ea typeface="等线" panose="02010600030101010101" pitchFamily="2" charset="-122"/>
+                <a:cs typeface="Courier New" panose="02070309020205020404" pitchFamily="49" charset="0"/>
               </a:rPr>
               <a:t>int</a:t>
             </a:r>
             <a:r>
-              <a:rPr lang="en-US" b="0">
+              <a:rPr lang="en-US" altLang="zh-CN" sz="1800" kern="0">
                 <a:solidFill>
                   <a:srgbClr val="000000"/>
                 </a:solidFill>
-                <a:highlight>
-                  <a:srgbClr val="FFFFFF"/>
-                </a:highlight>
-                <a:latin typeface="Consolas" panose="020B0609020204030204" charset="0"/>
-                <a:ea typeface="宋体" panose="02010600030101010101" pitchFamily="2" charset="-122"/>
+                <a:effectLst/>
+                <a:highlight>
+                  <a:srgbClr val="FFFFFF"/>
+                </a:highlight>
+                <a:latin typeface="Consolas" panose="020B0609020204030204" pitchFamily="49" charset="0"/>
+                <a:ea typeface="等线" panose="02010600030101010101" pitchFamily="2" charset="-122"/>
+                <a:cs typeface="Courier New" panose="02070309020205020404" pitchFamily="49" charset="0"/>
               </a:rPr>
               <a:t> main</a:t>
             </a:r>
             <a:r>
-              <a:rPr lang="en-US" b="1">
+              <a:rPr lang="en-US" altLang="zh-CN" sz="1800" b="1" kern="0">
                 <a:solidFill>
                   <a:srgbClr val="000080"/>
                 </a:solidFill>
-                <a:highlight>
-                  <a:srgbClr val="FFFFFF"/>
-                </a:highlight>
-                <a:latin typeface="Consolas" panose="020B0609020204030204" charset="0"/>
-                <a:ea typeface="宋体" panose="02010600030101010101" pitchFamily="2" charset="-122"/>
+                <a:effectLst/>
+                <a:highlight>
+                  <a:srgbClr val="FFFFFF"/>
+                </a:highlight>
+                <a:latin typeface="Consolas" panose="020B0609020204030204" pitchFamily="49" charset="0"/>
+                <a:ea typeface="等线" panose="02010600030101010101" pitchFamily="2" charset="-122"/>
+                <a:cs typeface="Courier New" panose="02070309020205020404" pitchFamily="49" charset="0"/>
               </a:rPr>
               <a:t>()</a:t>
             </a:r>
             <a:r>
-              <a:rPr lang="en-US" b="0">
+              <a:rPr lang="en-US" altLang="zh-CN" sz="1800" kern="0">
                 <a:solidFill>
                   <a:srgbClr val="000000"/>
                 </a:solidFill>
-                <a:highlight>
-                  <a:srgbClr val="FFFFFF"/>
-                </a:highlight>
-                <a:latin typeface="Consolas" panose="020B0609020204030204" charset="0"/>
-                <a:ea typeface="宋体" panose="02010600030101010101" pitchFamily="2" charset="-122"/>
+                <a:effectLst/>
+                <a:highlight>
+                  <a:srgbClr val="FFFFFF"/>
+                </a:highlight>
+                <a:latin typeface="Consolas" panose="020B0609020204030204" pitchFamily="49" charset="0"/>
+                <a:ea typeface="等线" panose="02010600030101010101" pitchFamily="2" charset="-122"/>
+                <a:cs typeface="Courier New" panose="02070309020205020404" pitchFamily="49" charset="0"/>
               </a:rPr>
               <a:t> </a:t>
             </a:r>
             <a:r>
-              <a:rPr lang="en-US" b="1">
+              <a:rPr lang="en-US" altLang="zh-CN" sz="1800" b="1" kern="0">
                 <a:solidFill>
                   <a:srgbClr val="000080"/>
                 </a:solidFill>
-                <a:highlight>
-                  <a:srgbClr val="FFFFFF"/>
-                </a:highlight>
-                <a:latin typeface="Consolas" panose="020B0609020204030204" charset="0"/>
-                <a:ea typeface="宋体" panose="02010600030101010101" pitchFamily="2" charset="-122"/>
+                <a:effectLst/>
+                <a:highlight>
+                  <a:srgbClr val="FFFFFF"/>
+                </a:highlight>
+                <a:latin typeface="Consolas" panose="020B0609020204030204" pitchFamily="49" charset="0"/>
+                <a:ea typeface="等线" panose="02010600030101010101" pitchFamily="2" charset="-122"/>
+                <a:cs typeface="Courier New" panose="02070309020205020404" pitchFamily="49" charset="0"/>
               </a:rPr>
               <a:t>{</a:t>
             </a:r>
-            <a:endParaRPr lang="en-US" b="0">
-              <a:solidFill>
-                <a:srgbClr val="000000"/>
-              </a:solidFill>
-              <a:highlight>
-                <a:srgbClr val="FFFFFF"/>
-              </a:highlight>
-              <a:latin typeface="Consolas" panose="020B0609020204030204" charset="0"/>
-              <a:ea typeface="宋体" panose="02010600030101010101" pitchFamily="2" charset="-122"/>
+            <a:endParaRPr lang="zh-CN" altLang="zh-CN" sz="1800" kern="100">
+              <a:effectLst/>
+              <a:latin typeface="等线" panose="02010600030101010101" pitchFamily="2" charset="-122"/>
+              <a:ea typeface="等线" panose="02010600030101010101" pitchFamily="2" charset="-122"/>
+              <a:cs typeface="Times New Roman" panose="02020603050405020304" pitchFamily="18" charset="0"/>
             </a:endParaRPr>
           </a:p>
           <a:p>
-            <a:pPr indent="0"/>
-            <a:r>
-              <a:rPr lang="en-US" b="0">
+            <a:pPr algn="l"/>
+            <a:r>
+              <a:rPr lang="en-US" altLang="zh-CN" sz="1800" kern="0">
                 <a:solidFill>
                   <a:srgbClr val="000000"/>
                 </a:solidFill>
-                <a:highlight>
-                  <a:srgbClr val="FFFFFF"/>
-                </a:highlight>
-                <a:latin typeface="Consolas" panose="020B0609020204030204" charset="0"/>
-                <a:ea typeface="宋体" panose="02010600030101010101" pitchFamily="2" charset="-122"/>
-              </a:rPr>
-              <a:t>    printf</a:t>
-            </a:r>
-            <a:r>
-              <a:rPr lang="en-US" b="1">
+                <a:effectLst/>
+                <a:highlight>
+                  <a:srgbClr val="FFFFFF"/>
+                </a:highlight>
+                <a:latin typeface="Consolas" panose="020B0609020204030204" pitchFamily="49" charset="0"/>
+                <a:ea typeface="等线" panose="02010600030101010101" pitchFamily="2" charset="-122"/>
+                <a:cs typeface="Courier New" panose="02070309020205020404" pitchFamily="49" charset="0"/>
+              </a:rPr>
+              <a:t>    cout </a:t>
+            </a:r>
+            <a:r>
+              <a:rPr lang="en-US" altLang="zh-CN" sz="1800" b="1" kern="0">
                 <a:solidFill>
                   <a:srgbClr val="000080"/>
                 </a:solidFill>
-                <a:highlight>
-                  <a:srgbClr val="FFFFFF"/>
-                </a:highlight>
-                <a:latin typeface="Consolas" panose="020B0609020204030204" charset="0"/>
-                <a:ea typeface="宋体" panose="02010600030101010101" pitchFamily="2" charset="-122"/>
+                <a:effectLst/>
+                <a:highlight>
+                  <a:srgbClr val="FFFFFF"/>
+                </a:highlight>
+                <a:latin typeface="Consolas" panose="020B0609020204030204" pitchFamily="49" charset="0"/>
+                <a:ea typeface="等线" panose="02010600030101010101" pitchFamily="2" charset="-122"/>
+                <a:cs typeface="Courier New" panose="02070309020205020404" pitchFamily="49" charset="0"/>
+              </a:rPr>
+              <a:t>&lt;&lt;</a:t>
+            </a:r>
+            <a:r>
+              <a:rPr lang="en-US" altLang="zh-CN" sz="1800" kern="0">
+                <a:solidFill>
+                  <a:srgbClr val="000000"/>
+                </a:solidFill>
+                <a:effectLst/>
+                <a:highlight>
+                  <a:srgbClr val="FFFFFF"/>
+                </a:highlight>
+                <a:latin typeface="Consolas" panose="020B0609020204030204" pitchFamily="49" charset="0"/>
+                <a:ea typeface="等线" panose="02010600030101010101" pitchFamily="2" charset="-122"/>
+                <a:cs typeface="Courier New" panose="02070309020205020404" pitchFamily="49" charset="0"/>
+              </a:rPr>
+              <a:t> </a:t>
+            </a:r>
+            <a:r>
+              <a:rPr lang="en-US" altLang="zh-CN" sz="1800" kern="0">
+                <a:solidFill>
+                  <a:srgbClr val="808080"/>
+                </a:solidFill>
+                <a:effectLst/>
+                <a:highlight>
+                  <a:srgbClr val="FFFFFF"/>
+                </a:highlight>
+                <a:latin typeface="Consolas" panose="020B0609020204030204" pitchFamily="49" charset="0"/>
+                <a:ea typeface="等线" panose="02010600030101010101" pitchFamily="2" charset="-122"/>
+                <a:cs typeface="Courier New" panose="02070309020205020404" pitchFamily="49" charset="0"/>
+              </a:rPr>
+              <a:t>"Area of circle: "</a:t>
+            </a:r>
+            <a:endParaRPr lang="zh-CN" altLang="zh-CN" sz="1800" kern="100">
+              <a:effectLst/>
+              <a:latin typeface="等线" panose="02010600030101010101" pitchFamily="2" charset="-122"/>
+              <a:ea typeface="等线" panose="02010600030101010101" pitchFamily="2" charset="-122"/>
+              <a:cs typeface="Times New Roman" panose="02020603050405020304" pitchFamily="18" charset="0"/>
+            </a:endParaRPr>
+          </a:p>
+          <a:p>
+            <a:pPr algn="l"/>
+            <a:r>
+              <a:rPr lang="en-US" altLang="zh-CN" sz="1800" kern="0">
+                <a:solidFill>
+                  <a:srgbClr val="000000"/>
+                </a:solidFill>
+                <a:effectLst/>
+                <a:highlight>
+                  <a:srgbClr val="FFFFFF"/>
+                </a:highlight>
+                <a:latin typeface="Consolas" panose="020B0609020204030204" pitchFamily="49" charset="0"/>
+                <a:ea typeface="等线" panose="02010600030101010101" pitchFamily="2" charset="-122"/>
+                <a:cs typeface="Courier New" panose="02070309020205020404" pitchFamily="49" charset="0"/>
+              </a:rPr>
+              <a:t>         </a:t>
+            </a:r>
+            <a:r>
+              <a:rPr lang="en-US" altLang="zh-CN" sz="1800" b="1" kern="0">
+                <a:solidFill>
+                  <a:srgbClr val="000080"/>
+                </a:solidFill>
+                <a:effectLst/>
+                <a:highlight>
+                  <a:srgbClr val="FFFFFF"/>
+                </a:highlight>
+                <a:latin typeface="Consolas" panose="020B0609020204030204" pitchFamily="49" charset="0"/>
+                <a:ea typeface="等线" panose="02010600030101010101" pitchFamily="2" charset="-122"/>
+                <a:cs typeface="Courier New" panose="02070309020205020404" pitchFamily="49" charset="0"/>
+              </a:rPr>
+              <a:t>&lt;&lt;</a:t>
+            </a:r>
+            <a:r>
+              <a:rPr lang="en-US" altLang="zh-CN" sz="1800" kern="0">
+                <a:solidFill>
+                  <a:srgbClr val="000000"/>
+                </a:solidFill>
+                <a:effectLst/>
+                <a:highlight>
+                  <a:srgbClr val="FFFFFF"/>
+                </a:highlight>
+                <a:latin typeface="Consolas" panose="020B0609020204030204" pitchFamily="49" charset="0"/>
+                <a:ea typeface="等线" panose="02010600030101010101" pitchFamily="2" charset="-122"/>
+                <a:cs typeface="Courier New" panose="02070309020205020404" pitchFamily="49" charset="0"/>
+              </a:rPr>
+              <a:t> fixed </a:t>
+            </a:r>
+            <a:r>
+              <a:rPr lang="en-US" altLang="zh-CN" sz="1800" b="1" kern="0">
+                <a:solidFill>
+                  <a:srgbClr val="000080"/>
+                </a:solidFill>
+                <a:effectLst/>
+                <a:highlight>
+                  <a:srgbClr val="FFFFFF"/>
+                </a:highlight>
+                <a:latin typeface="Consolas" panose="020B0609020204030204" pitchFamily="49" charset="0"/>
+                <a:ea typeface="等线" panose="02010600030101010101" pitchFamily="2" charset="-122"/>
+                <a:cs typeface="Courier New" panose="02070309020205020404" pitchFamily="49" charset="0"/>
+              </a:rPr>
+              <a:t>&lt;&lt;</a:t>
+            </a:r>
+            <a:r>
+              <a:rPr lang="en-US" altLang="zh-CN" sz="1800" kern="0">
+                <a:solidFill>
+                  <a:srgbClr val="000000"/>
+                </a:solidFill>
+                <a:effectLst/>
+                <a:highlight>
+                  <a:srgbClr val="FFFFFF"/>
+                </a:highlight>
+                <a:latin typeface="Consolas" panose="020B0609020204030204" pitchFamily="49" charset="0"/>
+                <a:ea typeface="等线" panose="02010600030101010101" pitchFamily="2" charset="-122"/>
+                <a:cs typeface="Courier New" panose="02070309020205020404" pitchFamily="49" charset="0"/>
+              </a:rPr>
+              <a:t> setprecision</a:t>
+            </a:r>
+            <a:r>
+              <a:rPr lang="en-US" altLang="zh-CN" sz="1800" b="1" kern="0">
+                <a:solidFill>
+                  <a:srgbClr val="000080"/>
+                </a:solidFill>
+                <a:effectLst/>
+                <a:highlight>
+                  <a:srgbClr val="FFFFFF"/>
+                </a:highlight>
+                <a:latin typeface="Consolas" panose="020B0609020204030204" pitchFamily="49" charset="0"/>
+                <a:ea typeface="等线" panose="02010600030101010101" pitchFamily="2" charset="-122"/>
+                <a:cs typeface="Courier New" panose="02070309020205020404" pitchFamily="49" charset="0"/>
               </a:rPr>
               <a:t>(</a:t>
             </a:r>
             <a:r>
-              <a:rPr lang="en-US" b="0">
+              <a:rPr lang="en-US" altLang="zh-CN" sz="1800" kern="0">
+                <a:solidFill>
+                  <a:srgbClr val="FF8000"/>
+                </a:solidFill>
+                <a:effectLst/>
+                <a:highlight>
+                  <a:srgbClr val="FFFFFF"/>
+                </a:highlight>
+                <a:latin typeface="Consolas" panose="020B0609020204030204" pitchFamily="49" charset="0"/>
+                <a:ea typeface="等线" panose="02010600030101010101" pitchFamily="2" charset="-122"/>
+                <a:cs typeface="Courier New" panose="02070309020205020404" pitchFamily="49" charset="0"/>
+              </a:rPr>
+              <a:t>2</a:t>
+            </a:r>
+            <a:r>
+              <a:rPr lang="en-US" altLang="zh-CN" sz="1800" b="1" kern="0">
+                <a:solidFill>
+                  <a:srgbClr val="000080"/>
+                </a:solidFill>
+                <a:effectLst/>
+                <a:highlight>
+                  <a:srgbClr val="FFFFFF"/>
+                </a:highlight>
+                <a:latin typeface="Consolas" panose="020B0609020204030204" pitchFamily="49" charset="0"/>
+                <a:ea typeface="等线" panose="02010600030101010101" pitchFamily="2" charset="-122"/>
+                <a:cs typeface="Courier New" panose="02070309020205020404" pitchFamily="49" charset="0"/>
+              </a:rPr>
+              <a:t>)</a:t>
+            </a:r>
+            <a:r>
+              <a:rPr lang="en-US" altLang="zh-CN" sz="1800" kern="0">
+                <a:solidFill>
+                  <a:srgbClr val="000000"/>
+                </a:solidFill>
+                <a:effectLst/>
+                <a:highlight>
+                  <a:srgbClr val="FFFFFF"/>
+                </a:highlight>
+                <a:latin typeface="Consolas" panose="020B0609020204030204" pitchFamily="49" charset="0"/>
+                <a:ea typeface="等线" panose="02010600030101010101" pitchFamily="2" charset="-122"/>
+                <a:cs typeface="Courier New" panose="02070309020205020404" pitchFamily="49" charset="0"/>
+              </a:rPr>
+              <a:t> </a:t>
+            </a:r>
+            <a:r>
+              <a:rPr lang="en-US" altLang="zh-CN" sz="1800" b="1" kern="0">
+                <a:solidFill>
+                  <a:srgbClr val="000080"/>
+                </a:solidFill>
+                <a:effectLst/>
+                <a:highlight>
+                  <a:srgbClr val="FFFFFF"/>
+                </a:highlight>
+                <a:latin typeface="Consolas" panose="020B0609020204030204" pitchFamily="49" charset="0"/>
+                <a:ea typeface="等线" panose="02010600030101010101" pitchFamily="2" charset="-122"/>
+                <a:cs typeface="Courier New" panose="02070309020205020404" pitchFamily="49" charset="0"/>
+              </a:rPr>
+              <a:t>&lt;&lt;</a:t>
+            </a:r>
+            <a:r>
+              <a:rPr lang="en-US" altLang="zh-CN" sz="1800" kern="0">
+                <a:solidFill>
+                  <a:srgbClr val="000000"/>
+                </a:solidFill>
+                <a:effectLst/>
+                <a:highlight>
+                  <a:srgbClr val="FFFFFF"/>
+                </a:highlight>
+                <a:latin typeface="Consolas" panose="020B0609020204030204" pitchFamily="49" charset="0"/>
+                <a:ea typeface="等线" panose="02010600030101010101" pitchFamily="2" charset="-122"/>
+                <a:cs typeface="Courier New" panose="02070309020205020404" pitchFamily="49" charset="0"/>
+              </a:rPr>
+              <a:t> circle_area</a:t>
+            </a:r>
+            <a:r>
+              <a:rPr lang="en-US" altLang="zh-CN" sz="1800" b="1" kern="0">
+                <a:solidFill>
+                  <a:srgbClr val="000080"/>
+                </a:solidFill>
+                <a:effectLst/>
+                <a:highlight>
+                  <a:srgbClr val="FFFFFF"/>
+                </a:highlight>
+                <a:latin typeface="Consolas" panose="020B0609020204030204" pitchFamily="49" charset="0"/>
+                <a:ea typeface="等线" panose="02010600030101010101" pitchFamily="2" charset="-122"/>
+                <a:cs typeface="Courier New" panose="02070309020205020404" pitchFamily="49" charset="0"/>
+              </a:rPr>
+              <a:t>(</a:t>
+            </a:r>
+            <a:r>
+              <a:rPr lang="en-US" altLang="zh-CN" sz="1800" kern="0">
+                <a:solidFill>
+                  <a:srgbClr val="FF8000"/>
+                </a:solidFill>
+                <a:effectLst/>
+                <a:highlight>
+                  <a:srgbClr val="FFFFFF"/>
+                </a:highlight>
+                <a:latin typeface="Consolas" panose="020B0609020204030204" pitchFamily="49" charset="0"/>
+                <a:ea typeface="等线" panose="02010600030101010101" pitchFamily="2" charset="-122"/>
+                <a:cs typeface="Courier New" panose="02070309020205020404" pitchFamily="49" charset="0"/>
+              </a:rPr>
+              <a:t>5</a:t>
+            </a:r>
+            <a:r>
+              <a:rPr lang="en-US" altLang="zh-CN" sz="1800" b="1" kern="0">
+                <a:solidFill>
+                  <a:srgbClr val="000080"/>
+                </a:solidFill>
+                <a:effectLst/>
+                <a:highlight>
+                  <a:srgbClr val="FFFFFF"/>
+                </a:highlight>
+                <a:latin typeface="Consolas" panose="020B0609020204030204" pitchFamily="49" charset="0"/>
+                <a:ea typeface="等线" panose="02010600030101010101" pitchFamily="2" charset="-122"/>
+                <a:cs typeface="Courier New" panose="02070309020205020404" pitchFamily="49" charset="0"/>
+              </a:rPr>
+              <a:t>)</a:t>
+            </a:r>
+            <a:r>
+              <a:rPr lang="en-US" altLang="zh-CN" sz="1800" kern="0">
+                <a:solidFill>
+                  <a:srgbClr val="000000"/>
+                </a:solidFill>
+                <a:effectLst/>
+                <a:highlight>
+                  <a:srgbClr val="FFFFFF"/>
+                </a:highlight>
+                <a:latin typeface="Consolas" panose="020B0609020204030204" pitchFamily="49" charset="0"/>
+                <a:ea typeface="等线" panose="02010600030101010101" pitchFamily="2" charset="-122"/>
+                <a:cs typeface="Courier New" panose="02070309020205020404" pitchFamily="49" charset="0"/>
+              </a:rPr>
+              <a:t> </a:t>
+            </a:r>
+            <a:r>
+              <a:rPr lang="en-US" altLang="zh-CN" sz="1800" b="1" kern="0">
+                <a:solidFill>
+                  <a:srgbClr val="000080"/>
+                </a:solidFill>
+                <a:effectLst/>
+                <a:highlight>
+                  <a:srgbClr val="FFFFFF"/>
+                </a:highlight>
+                <a:latin typeface="Consolas" panose="020B0609020204030204" pitchFamily="49" charset="0"/>
+                <a:ea typeface="等线" panose="02010600030101010101" pitchFamily="2" charset="-122"/>
+                <a:cs typeface="Courier New" panose="02070309020205020404" pitchFamily="49" charset="0"/>
+              </a:rPr>
+              <a:t>&lt;&lt;</a:t>
+            </a:r>
+            <a:r>
+              <a:rPr lang="en-US" altLang="zh-CN" sz="1800" kern="0">
+                <a:solidFill>
+                  <a:srgbClr val="000000"/>
+                </a:solidFill>
+                <a:effectLst/>
+                <a:highlight>
+                  <a:srgbClr val="FFFFFF"/>
+                </a:highlight>
+                <a:latin typeface="Consolas" panose="020B0609020204030204" pitchFamily="49" charset="0"/>
+                <a:ea typeface="等线" panose="02010600030101010101" pitchFamily="2" charset="-122"/>
+                <a:cs typeface="Courier New" panose="02070309020205020404" pitchFamily="49" charset="0"/>
+              </a:rPr>
+              <a:t> endl</a:t>
+            </a:r>
+            <a:r>
+              <a:rPr lang="en-US" altLang="zh-CN" sz="1800" b="1" kern="0">
+                <a:solidFill>
+                  <a:srgbClr val="000080"/>
+                </a:solidFill>
+                <a:effectLst/>
+                <a:highlight>
+                  <a:srgbClr val="FFFFFF"/>
+                </a:highlight>
+                <a:latin typeface="Consolas" panose="020B0609020204030204" pitchFamily="49" charset="0"/>
+                <a:ea typeface="等线" panose="02010600030101010101" pitchFamily="2" charset="-122"/>
+                <a:cs typeface="Courier New" panose="02070309020205020404" pitchFamily="49" charset="0"/>
+              </a:rPr>
+              <a:t>;</a:t>
+            </a:r>
+            <a:endParaRPr lang="zh-CN" altLang="zh-CN" sz="1800" kern="100">
+              <a:effectLst/>
+              <a:latin typeface="等线" panose="02010600030101010101" pitchFamily="2" charset="-122"/>
+              <a:ea typeface="等线" panose="02010600030101010101" pitchFamily="2" charset="-122"/>
+              <a:cs typeface="Times New Roman" panose="02020603050405020304" pitchFamily="18" charset="0"/>
+            </a:endParaRPr>
+          </a:p>
+          <a:p>
+            <a:pPr algn="l"/>
+            <a:r>
+              <a:rPr lang="en-US" altLang="zh-CN" sz="1800" kern="0">
+                <a:solidFill>
+                  <a:srgbClr val="000000"/>
+                </a:solidFill>
+                <a:effectLst/>
+                <a:highlight>
+                  <a:srgbClr val="FFFFFF"/>
+                </a:highlight>
+                <a:latin typeface="Consolas" panose="020B0609020204030204" pitchFamily="49" charset="0"/>
+                <a:ea typeface="等线" panose="02010600030101010101" pitchFamily="2" charset="-122"/>
+                <a:cs typeface="Courier New" panose="02070309020205020404" pitchFamily="49" charset="0"/>
+              </a:rPr>
+              <a:t>    </a:t>
+            </a:r>
+            <a:endParaRPr lang="zh-CN" altLang="zh-CN" sz="1800" kern="100">
+              <a:effectLst/>
+              <a:latin typeface="等线" panose="02010600030101010101" pitchFamily="2" charset="-122"/>
+              <a:ea typeface="等线" panose="02010600030101010101" pitchFamily="2" charset="-122"/>
+              <a:cs typeface="Times New Roman" panose="02020603050405020304" pitchFamily="18" charset="0"/>
+            </a:endParaRPr>
+          </a:p>
+          <a:p>
+            <a:pPr algn="l"/>
+            <a:r>
+              <a:rPr lang="en-US" altLang="zh-CN" sz="1800" kern="0">
+                <a:solidFill>
+                  <a:srgbClr val="000000"/>
+                </a:solidFill>
+                <a:effectLst/>
+                <a:highlight>
+                  <a:srgbClr val="FFFFFF"/>
+                </a:highlight>
+                <a:latin typeface="Consolas" panose="020B0609020204030204" pitchFamily="49" charset="0"/>
+                <a:ea typeface="等线" panose="02010600030101010101" pitchFamily="2" charset="-122"/>
+                <a:cs typeface="Courier New" panose="02070309020205020404" pitchFamily="49" charset="0"/>
+              </a:rPr>
+              <a:t>    cout </a:t>
+            </a:r>
+            <a:r>
+              <a:rPr lang="en-US" altLang="zh-CN" sz="1800" b="1" kern="0">
+                <a:solidFill>
+                  <a:srgbClr val="000080"/>
+                </a:solidFill>
+                <a:effectLst/>
+                <a:highlight>
+                  <a:srgbClr val="FFFFFF"/>
+                </a:highlight>
+                <a:latin typeface="Consolas" panose="020B0609020204030204" pitchFamily="49" charset="0"/>
+                <a:ea typeface="等线" panose="02010600030101010101" pitchFamily="2" charset="-122"/>
+                <a:cs typeface="Courier New" panose="02070309020205020404" pitchFamily="49" charset="0"/>
+              </a:rPr>
+              <a:t>&lt;&lt;</a:t>
+            </a:r>
+            <a:r>
+              <a:rPr lang="en-US" altLang="zh-CN" sz="1800" kern="0">
+                <a:solidFill>
+                  <a:srgbClr val="000000"/>
+                </a:solidFill>
+                <a:effectLst/>
+                <a:highlight>
+                  <a:srgbClr val="FFFFFF"/>
+                </a:highlight>
+                <a:latin typeface="Consolas" panose="020B0609020204030204" pitchFamily="49" charset="0"/>
+                <a:ea typeface="等线" panose="02010600030101010101" pitchFamily="2" charset="-122"/>
+                <a:cs typeface="Courier New" panose="02070309020205020404" pitchFamily="49" charset="0"/>
+              </a:rPr>
+              <a:t> </a:t>
+            </a:r>
+            <a:r>
+              <a:rPr lang="en-US" altLang="zh-CN" sz="1800" kern="0">
                 <a:solidFill>
                   <a:srgbClr val="808080"/>
                 </a:solidFill>
-                <a:highlight>
-                  <a:srgbClr val="FFFFFF"/>
-                </a:highlight>
-                <a:latin typeface="Consolas" panose="020B0609020204030204" charset="0"/>
-                <a:ea typeface="宋体" panose="02010600030101010101" pitchFamily="2" charset="-122"/>
-              </a:rPr>
-              <a:t>"Area of circle: %.2f\n"</a:t>
-            </a:r>
-            <a:r>
-              <a:rPr lang="en-US" b="1">
+                <a:effectLst/>
+                <a:highlight>
+                  <a:srgbClr val="FFFFFF"/>
+                </a:highlight>
+                <a:latin typeface="Consolas" panose="020B0609020204030204" pitchFamily="49" charset="0"/>
+                <a:ea typeface="等线" panose="02010600030101010101" pitchFamily="2" charset="-122"/>
+                <a:cs typeface="Courier New" panose="02070309020205020404" pitchFamily="49" charset="0"/>
+              </a:rPr>
+              <a:t>"Area of triangle: "</a:t>
+            </a:r>
+            <a:endParaRPr lang="zh-CN" altLang="zh-CN" sz="1800" kern="100">
+              <a:effectLst/>
+              <a:latin typeface="等线" panose="02010600030101010101" pitchFamily="2" charset="-122"/>
+              <a:ea typeface="等线" panose="02010600030101010101" pitchFamily="2" charset="-122"/>
+              <a:cs typeface="Times New Roman" panose="02020603050405020304" pitchFamily="18" charset="0"/>
+            </a:endParaRPr>
+          </a:p>
+          <a:p>
+            <a:pPr algn="l"/>
+            <a:r>
+              <a:rPr lang="en-US" altLang="zh-CN" sz="1800" kern="0">
+                <a:solidFill>
+                  <a:srgbClr val="000000"/>
+                </a:solidFill>
+                <a:effectLst/>
+                <a:highlight>
+                  <a:srgbClr val="FFFFFF"/>
+                </a:highlight>
+                <a:latin typeface="Consolas" panose="020B0609020204030204" pitchFamily="49" charset="0"/>
+                <a:ea typeface="等线" panose="02010600030101010101" pitchFamily="2" charset="-122"/>
+                <a:cs typeface="Courier New" panose="02070309020205020404" pitchFamily="49" charset="0"/>
+              </a:rPr>
+              <a:t>         </a:t>
+            </a:r>
+            <a:r>
+              <a:rPr lang="en-US" altLang="zh-CN" sz="1800" b="1" kern="0">
                 <a:solidFill>
                   <a:srgbClr val="000080"/>
                 </a:solidFill>
-                <a:highlight>
-                  <a:srgbClr val="FFFFFF"/>
-                </a:highlight>
-                <a:latin typeface="Consolas" panose="020B0609020204030204" charset="0"/>
-                <a:ea typeface="宋体" panose="02010600030101010101" pitchFamily="2" charset="-122"/>
+                <a:effectLst/>
+                <a:highlight>
+                  <a:srgbClr val="FFFFFF"/>
+                </a:highlight>
+                <a:latin typeface="Consolas" panose="020B0609020204030204" pitchFamily="49" charset="0"/>
+                <a:ea typeface="等线" panose="02010600030101010101" pitchFamily="2" charset="-122"/>
+                <a:cs typeface="Courier New" panose="02070309020205020404" pitchFamily="49" charset="0"/>
+              </a:rPr>
+              <a:t>&lt;&lt;</a:t>
+            </a:r>
+            <a:r>
+              <a:rPr lang="en-US" altLang="zh-CN" sz="1800" kern="0">
+                <a:solidFill>
+                  <a:srgbClr val="000000"/>
+                </a:solidFill>
+                <a:effectLst/>
+                <a:highlight>
+                  <a:srgbClr val="FFFFFF"/>
+                </a:highlight>
+                <a:latin typeface="Consolas" panose="020B0609020204030204" pitchFamily="49" charset="0"/>
+                <a:ea typeface="等线" panose="02010600030101010101" pitchFamily="2" charset="-122"/>
+                <a:cs typeface="Courier New" panose="02070309020205020404" pitchFamily="49" charset="0"/>
+              </a:rPr>
+              <a:t> fixed </a:t>
+            </a:r>
+            <a:r>
+              <a:rPr lang="en-US" altLang="zh-CN" sz="1800" b="1" kern="0">
+                <a:solidFill>
+                  <a:srgbClr val="000080"/>
+                </a:solidFill>
+                <a:effectLst/>
+                <a:highlight>
+                  <a:srgbClr val="FFFFFF"/>
+                </a:highlight>
+                <a:latin typeface="Consolas" panose="020B0609020204030204" pitchFamily="49" charset="0"/>
+                <a:ea typeface="等线" panose="02010600030101010101" pitchFamily="2" charset="-122"/>
+                <a:cs typeface="Courier New" panose="02070309020205020404" pitchFamily="49" charset="0"/>
+              </a:rPr>
+              <a:t>&lt;&lt;</a:t>
+            </a:r>
+            <a:r>
+              <a:rPr lang="en-US" altLang="zh-CN" sz="1800" kern="0">
+                <a:solidFill>
+                  <a:srgbClr val="000000"/>
+                </a:solidFill>
+                <a:effectLst/>
+                <a:highlight>
+                  <a:srgbClr val="FFFFFF"/>
+                </a:highlight>
+                <a:latin typeface="Consolas" panose="020B0609020204030204" pitchFamily="49" charset="0"/>
+                <a:ea typeface="等线" panose="02010600030101010101" pitchFamily="2" charset="-122"/>
+                <a:cs typeface="Courier New" panose="02070309020205020404" pitchFamily="49" charset="0"/>
+              </a:rPr>
+              <a:t> setprecision</a:t>
+            </a:r>
+            <a:r>
+              <a:rPr lang="en-US" altLang="zh-CN" sz="1800" b="1" kern="0">
+                <a:solidFill>
+                  <a:srgbClr val="000080"/>
+                </a:solidFill>
+                <a:effectLst/>
+                <a:highlight>
+                  <a:srgbClr val="FFFFFF"/>
+                </a:highlight>
+                <a:latin typeface="Consolas" panose="020B0609020204030204" pitchFamily="49" charset="0"/>
+                <a:ea typeface="等线" panose="02010600030101010101" pitchFamily="2" charset="-122"/>
+                <a:cs typeface="Courier New" panose="02070309020205020404" pitchFamily="49" charset="0"/>
+              </a:rPr>
+              <a:t>(</a:t>
+            </a:r>
+            <a:r>
+              <a:rPr lang="en-US" altLang="zh-CN" sz="1800" kern="0">
+                <a:solidFill>
+                  <a:srgbClr val="FF8000"/>
+                </a:solidFill>
+                <a:effectLst/>
+                <a:highlight>
+                  <a:srgbClr val="FFFFFF"/>
+                </a:highlight>
+                <a:latin typeface="Consolas" panose="020B0609020204030204" pitchFamily="49" charset="0"/>
+                <a:ea typeface="等线" panose="02010600030101010101" pitchFamily="2" charset="-122"/>
+                <a:cs typeface="Courier New" panose="02070309020205020404" pitchFamily="49" charset="0"/>
+              </a:rPr>
+              <a:t>2</a:t>
+            </a:r>
+            <a:r>
+              <a:rPr lang="en-US" altLang="zh-CN" sz="1800" b="1" kern="0">
+                <a:solidFill>
+                  <a:srgbClr val="000080"/>
+                </a:solidFill>
+                <a:effectLst/>
+                <a:highlight>
+                  <a:srgbClr val="FFFFFF"/>
+                </a:highlight>
+                <a:latin typeface="Consolas" panose="020B0609020204030204" pitchFamily="49" charset="0"/>
+                <a:ea typeface="等线" panose="02010600030101010101" pitchFamily="2" charset="-122"/>
+                <a:cs typeface="Courier New" panose="02070309020205020404" pitchFamily="49" charset="0"/>
+              </a:rPr>
+              <a:t>)</a:t>
+            </a:r>
+            <a:r>
+              <a:rPr lang="en-US" altLang="zh-CN" sz="1800" kern="0">
+                <a:solidFill>
+                  <a:srgbClr val="000000"/>
+                </a:solidFill>
+                <a:effectLst/>
+                <a:highlight>
+                  <a:srgbClr val="FFFFFF"/>
+                </a:highlight>
+                <a:latin typeface="Consolas" panose="020B0609020204030204" pitchFamily="49" charset="0"/>
+                <a:ea typeface="等线" panose="02010600030101010101" pitchFamily="2" charset="-122"/>
+                <a:cs typeface="Courier New" panose="02070309020205020404" pitchFamily="49" charset="0"/>
+              </a:rPr>
+              <a:t> </a:t>
+            </a:r>
+            <a:r>
+              <a:rPr lang="en-US" altLang="zh-CN" sz="1800" b="1" kern="0">
+                <a:solidFill>
+                  <a:srgbClr val="000080"/>
+                </a:solidFill>
+                <a:effectLst/>
+                <a:highlight>
+                  <a:srgbClr val="FFFFFF"/>
+                </a:highlight>
+                <a:latin typeface="Consolas" panose="020B0609020204030204" pitchFamily="49" charset="0"/>
+                <a:ea typeface="等线" panose="02010600030101010101" pitchFamily="2" charset="-122"/>
+                <a:cs typeface="Courier New" panose="02070309020205020404" pitchFamily="49" charset="0"/>
+              </a:rPr>
+              <a:t>&lt;&lt;</a:t>
+            </a:r>
+            <a:r>
+              <a:rPr lang="en-US" altLang="zh-CN" sz="1800" kern="0">
+                <a:solidFill>
+                  <a:srgbClr val="000000"/>
+                </a:solidFill>
+                <a:effectLst/>
+                <a:highlight>
+                  <a:srgbClr val="FFFFFF"/>
+                </a:highlight>
+                <a:latin typeface="Consolas" panose="020B0609020204030204" pitchFamily="49" charset="0"/>
+                <a:ea typeface="等线" panose="02010600030101010101" pitchFamily="2" charset="-122"/>
+                <a:cs typeface="Courier New" panose="02070309020205020404" pitchFamily="49" charset="0"/>
+              </a:rPr>
+              <a:t> triangle_area</a:t>
+            </a:r>
+            <a:r>
+              <a:rPr lang="en-US" altLang="zh-CN" sz="1800" b="1" kern="0">
+                <a:solidFill>
+                  <a:srgbClr val="000080"/>
+                </a:solidFill>
+                <a:effectLst/>
+                <a:highlight>
+                  <a:srgbClr val="FFFFFF"/>
+                </a:highlight>
+                <a:latin typeface="Consolas" panose="020B0609020204030204" pitchFamily="49" charset="0"/>
+                <a:ea typeface="等线" panose="02010600030101010101" pitchFamily="2" charset="-122"/>
+                <a:cs typeface="Courier New" panose="02070309020205020404" pitchFamily="49" charset="0"/>
+              </a:rPr>
+              <a:t>(</a:t>
+            </a:r>
+            <a:r>
+              <a:rPr lang="en-US" altLang="zh-CN" sz="1800" kern="0">
+                <a:solidFill>
+                  <a:srgbClr val="FF8000"/>
+                </a:solidFill>
+                <a:effectLst/>
+                <a:highlight>
+                  <a:srgbClr val="FFFFFF"/>
+                </a:highlight>
+                <a:latin typeface="Consolas" panose="020B0609020204030204" pitchFamily="49" charset="0"/>
+                <a:ea typeface="等线" panose="02010600030101010101" pitchFamily="2" charset="-122"/>
+                <a:cs typeface="Courier New" panose="02070309020205020404" pitchFamily="49" charset="0"/>
+              </a:rPr>
+              <a:t>5</a:t>
+            </a:r>
+            <a:r>
+              <a:rPr lang="en-US" altLang="zh-CN" sz="1800" b="1" kern="0">
+                <a:solidFill>
+                  <a:srgbClr val="000080"/>
+                </a:solidFill>
+                <a:effectLst/>
+                <a:highlight>
+                  <a:srgbClr val="FFFFFF"/>
+                </a:highlight>
+                <a:latin typeface="Consolas" panose="020B0609020204030204" pitchFamily="49" charset="0"/>
+                <a:ea typeface="等线" panose="02010600030101010101" pitchFamily="2" charset="-122"/>
+                <a:cs typeface="Courier New" panose="02070309020205020404" pitchFamily="49" charset="0"/>
               </a:rPr>
               <a:t>,</a:t>
             </a:r>
             <a:r>
-              <a:rPr lang="en-US" b="0">
+              <a:rPr lang="en-US" altLang="zh-CN" sz="1800" kern="0">
                 <a:solidFill>
                   <a:srgbClr val="000000"/>
                 </a:solidFill>
-                <a:highlight>
-                  <a:srgbClr val="FFFFFF"/>
-                </a:highlight>
-                <a:latin typeface="Consolas" panose="020B0609020204030204" charset="0"/>
-                <a:ea typeface="宋体" panose="02010600030101010101" pitchFamily="2" charset="-122"/>
-              </a:rPr>
-              <a:t> circle_area</a:t>
-            </a:r>
-            <a:r>
-              <a:rPr lang="en-US" b="1">
+                <a:effectLst/>
+                <a:highlight>
+                  <a:srgbClr val="FFFFFF"/>
+                </a:highlight>
+                <a:latin typeface="Consolas" panose="020B0609020204030204" pitchFamily="49" charset="0"/>
+                <a:ea typeface="等线" panose="02010600030101010101" pitchFamily="2" charset="-122"/>
+                <a:cs typeface="Courier New" panose="02070309020205020404" pitchFamily="49" charset="0"/>
+              </a:rPr>
+              <a:t> </a:t>
+            </a:r>
+            <a:r>
+              <a:rPr lang="en-US" altLang="zh-CN" sz="1800" kern="0">
+                <a:solidFill>
+                  <a:srgbClr val="FF8000"/>
+                </a:solidFill>
+                <a:effectLst/>
+                <a:highlight>
+                  <a:srgbClr val="FFFFFF"/>
+                </a:highlight>
+                <a:latin typeface="Consolas" panose="020B0609020204030204" pitchFamily="49" charset="0"/>
+                <a:ea typeface="等线" panose="02010600030101010101" pitchFamily="2" charset="-122"/>
+                <a:cs typeface="Courier New" panose="02070309020205020404" pitchFamily="49" charset="0"/>
+              </a:rPr>
+              <a:t>10</a:t>
+            </a:r>
+            <a:r>
+              <a:rPr lang="en-US" altLang="zh-CN" sz="1800" b="1" kern="0">
                 <a:solidFill>
                   <a:srgbClr val="000080"/>
                 </a:solidFill>
-                <a:highlight>
-                  <a:srgbClr val="FFFFFF"/>
-                </a:highlight>
-                <a:latin typeface="Consolas" panose="020B0609020204030204" charset="0"/>
-                <a:ea typeface="宋体" panose="02010600030101010101" pitchFamily="2" charset="-122"/>
-              </a:rPr>
-              <a:t>(</a:t>
-            </a:r>
-            <a:r>
-              <a:rPr lang="en-US" b="0">
+                <a:effectLst/>
+                <a:highlight>
+                  <a:srgbClr val="FFFFFF"/>
+                </a:highlight>
+                <a:latin typeface="Consolas" panose="020B0609020204030204" pitchFamily="49" charset="0"/>
+                <a:ea typeface="等线" panose="02010600030101010101" pitchFamily="2" charset="-122"/>
+                <a:cs typeface="Courier New" panose="02070309020205020404" pitchFamily="49" charset="0"/>
+              </a:rPr>
+              <a:t>)</a:t>
+            </a:r>
+            <a:r>
+              <a:rPr lang="en-US" altLang="zh-CN" sz="1800" kern="0">
+                <a:solidFill>
+                  <a:srgbClr val="000000"/>
+                </a:solidFill>
+                <a:effectLst/>
+                <a:highlight>
+                  <a:srgbClr val="FFFFFF"/>
+                </a:highlight>
+                <a:latin typeface="Consolas" panose="020B0609020204030204" pitchFamily="49" charset="0"/>
+                <a:ea typeface="等线" panose="02010600030101010101" pitchFamily="2" charset="-122"/>
+                <a:cs typeface="Courier New" panose="02070309020205020404" pitchFamily="49" charset="0"/>
+              </a:rPr>
+              <a:t> </a:t>
+            </a:r>
+            <a:r>
+              <a:rPr lang="en-US" altLang="zh-CN" sz="1800" b="1" kern="0">
+                <a:solidFill>
+                  <a:srgbClr val="000080"/>
+                </a:solidFill>
+                <a:effectLst/>
+                <a:highlight>
+                  <a:srgbClr val="FFFFFF"/>
+                </a:highlight>
+                <a:latin typeface="Consolas" panose="020B0609020204030204" pitchFamily="49" charset="0"/>
+                <a:ea typeface="等线" panose="02010600030101010101" pitchFamily="2" charset="-122"/>
+                <a:cs typeface="Courier New" panose="02070309020205020404" pitchFamily="49" charset="0"/>
+              </a:rPr>
+              <a:t>&lt;&lt;</a:t>
+            </a:r>
+            <a:r>
+              <a:rPr lang="en-US" altLang="zh-CN" sz="1800" kern="0">
+                <a:solidFill>
+                  <a:srgbClr val="000000"/>
+                </a:solidFill>
+                <a:effectLst/>
+                <a:highlight>
+                  <a:srgbClr val="FFFFFF"/>
+                </a:highlight>
+                <a:latin typeface="Consolas" panose="020B0609020204030204" pitchFamily="49" charset="0"/>
+                <a:ea typeface="等线" panose="02010600030101010101" pitchFamily="2" charset="-122"/>
+                <a:cs typeface="Courier New" panose="02070309020205020404" pitchFamily="49" charset="0"/>
+              </a:rPr>
+              <a:t> endl</a:t>
+            </a:r>
+            <a:r>
+              <a:rPr lang="en-US" altLang="zh-CN" sz="1800" b="1" kern="0">
+                <a:solidFill>
+                  <a:srgbClr val="000080"/>
+                </a:solidFill>
+                <a:effectLst/>
+                <a:highlight>
+                  <a:srgbClr val="FFFFFF"/>
+                </a:highlight>
+                <a:latin typeface="Consolas" panose="020B0609020204030204" pitchFamily="49" charset="0"/>
+                <a:ea typeface="等线" panose="02010600030101010101" pitchFamily="2" charset="-122"/>
+                <a:cs typeface="Courier New" panose="02070309020205020404" pitchFamily="49" charset="0"/>
+              </a:rPr>
+              <a:t>;</a:t>
+            </a:r>
+            <a:endParaRPr lang="zh-CN" altLang="zh-CN" sz="1800" kern="100">
+              <a:effectLst/>
+              <a:latin typeface="等线" panose="02010600030101010101" pitchFamily="2" charset="-122"/>
+              <a:ea typeface="等线" panose="02010600030101010101" pitchFamily="2" charset="-122"/>
+              <a:cs typeface="Times New Roman" panose="02020603050405020304" pitchFamily="18" charset="0"/>
+            </a:endParaRPr>
+          </a:p>
+          <a:p>
+            <a:pPr algn="l"/>
+            <a:r>
+              <a:rPr lang="en-US" altLang="zh-CN" sz="1800" kern="0">
+                <a:solidFill>
+                  <a:srgbClr val="000000"/>
+                </a:solidFill>
+                <a:effectLst/>
+                <a:highlight>
+                  <a:srgbClr val="FFFFFF"/>
+                </a:highlight>
+                <a:latin typeface="Consolas" panose="020B0609020204030204" pitchFamily="49" charset="0"/>
+                <a:ea typeface="等线" panose="02010600030101010101" pitchFamily="2" charset="-122"/>
+                <a:cs typeface="Courier New" panose="02070309020205020404" pitchFamily="49" charset="0"/>
+              </a:rPr>
+              <a:t>    </a:t>
+            </a:r>
+            <a:endParaRPr lang="zh-CN" altLang="zh-CN" sz="1800" kern="100">
+              <a:effectLst/>
+              <a:latin typeface="等线" panose="02010600030101010101" pitchFamily="2" charset="-122"/>
+              <a:ea typeface="等线" panose="02010600030101010101" pitchFamily="2" charset="-122"/>
+              <a:cs typeface="Times New Roman" panose="02020603050405020304" pitchFamily="18" charset="0"/>
+            </a:endParaRPr>
+          </a:p>
+          <a:p>
+            <a:pPr algn="l"/>
+            <a:r>
+              <a:rPr lang="en-US" altLang="zh-CN" sz="1800" kern="0">
+                <a:solidFill>
+                  <a:srgbClr val="000000"/>
+                </a:solidFill>
+                <a:effectLst/>
+                <a:highlight>
+                  <a:srgbClr val="FFFFFF"/>
+                </a:highlight>
+                <a:latin typeface="Consolas" panose="020B0609020204030204" pitchFamily="49" charset="0"/>
+                <a:ea typeface="等线" panose="02010600030101010101" pitchFamily="2" charset="-122"/>
+                <a:cs typeface="Courier New" panose="02070309020205020404" pitchFamily="49" charset="0"/>
+              </a:rPr>
+              <a:t>    </a:t>
+            </a:r>
+            <a:r>
+              <a:rPr lang="en-US" altLang="zh-CN" sz="1800" b="1" kern="0">
+                <a:solidFill>
+                  <a:srgbClr val="0000FF"/>
+                </a:solidFill>
+                <a:effectLst/>
+                <a:highlight>
+                  <a:srgbClr val="FFFFFF"/>
+                </a:highlight>
+                <a:latin typeface="Consolas" panose="020B0609020204030204" pitchFamily="49" charset="0"/>
+                <a:ea typeface="等线" panose="02010600030101010101" pitchFamily="2" charset="-122"/>
+                <a:cs typeface="Courier New" panose="02070309020205020404" pitchFamily="49" charset="0"/>
+              </a:rPr>
+              <a:t>return</a:t>
+            </a:r>
+            <a:r>
+              <a:rPr lang="en-US" altLang="zh-CN" sz="1800" kern="0">
+                <a:solidFill>
+                  <a:srgbClr val="000000"/>
+                </a:solidFill>
+                <a:effectLst/>
+                <a:highlight>
+                  <a:srgbClr val="FFFFFF"/>
+                </a:highlight>
+                <a:latin typeface="Consolas" panose="020B0609020204030204" pitchFamily="49" charset="0"/>
+                <a:ea typeface="等线" panose="02010600030101010101" pitchFamily="2" charset="-122"/>
+                <a:cs typeface="Courier New" panose="02070309020205020404" pitchFamily="49" charset="0"/>
+              </a:rPr>
+              <a:t> </a:t>
+            </a:r>
+            <a:r>
+              <a:rPr lang="en-US" altLang="zh-CN" sz="1800" kern="0">
                 <a:solidFill>
                   <a:srgbClr val="FF8000"/>
                 </a:solidFill>
-                <a:highlight>
-                  <a:srgbClr val="FFFFFF"/>
-                </a:highlight>
-                <a:latin typeface="Consolas" panose="020B0609020204030204" charset="0"/>
-                <a:ea typeface="宋体" panose="02010600030101010101" pitchFamily="2" charset="-122"/>
-              </a:rPr>
-              <a:t>5</a:t>
-            </a:r>
-            <a:r>
-              <a:rPr lang="en-US" b="1">
+                <a:effectLst/>
+                <a:highlight>
+                  <a:srgbClr val="FFFFFF"/>
+                </a:highlight>
+                <a:latin typeface="Consolas" panose="020B0609020204030204" pitchFamily="49" charset="0"/>
+                <a:ea typeface="等线" panose="02010600030101010101" pitchFamily="2" charset="-122"/>
+                <a:cs typeface="Courier New" panose="02070309020205020404" pitchFamily="49" charset="0"/>
+              </a:rPr>
+              <a:t>0</a:t>
+            </a:r>
+            <a:r>
+              <a:rPr lang="en-US" altLang="zh-CN" sz="1800" b="1" kern="0">
                 <a:solidFill>
                   <a:srgbClr val="000080"/>
                 </a:solidFill>
-                <a:highlight>
-                  <a:srgbClr val="FFFFFF"/>
-                </a:highlight>
-                <a:latin typeface="Consolas" panose="020B0609020204030204" charset="0"/>
-                <a:ea typeface="宋体" panose="02010600030101010101" pitchFamily="2" charset="-122"/>
-              </a:rPr>
-              <a:t>));</a:t>
-            </a:r>
-            <a:endParaRPr lang="en-US" b="0">
-              <a:solidFill>
-                <a:srgbClr val="000000"/>
-              </a:solidFill>
-              <a:highlight>
-                <a:srgbClr val="FFFFFF"/>
-              </a:highlight>
-              <a:latin typeface="Consolas" panose="020B0609020204030204" charset="0"/>
-              <a:ea typeface="宋体" panose="02010600030101010101" pitchFamily="2" charset="-122"/>
+                <a:effectLst/>
+                <a:highlight>
+                  <a:srgbClr val="FFFFFF"/>
+                </a:highlight>
+                <a:latin typeface="Consolas" panose="020B0609020204030204" pitchFamily="49" charset="0"/>
+                <a:ea typeface="等线" panose="02010600030101010101" pitchFamily="2" charset="-122"/>
+                <a:cs typeface="Courier New" panose="02070309020205020404" pitchFamily="49" charset="0"/>
+              </a:rPr>
+              <a:t>;</a:t>
+            </a:r>
+            <a:endParaRPr lang="zh-CN" altLang="zh-CN" sz="1800" kern="100">
+              <a:effectLst/>
+              <a:latin typeface="等线" panose="02010600030101010101" pitchFamily="2" charset="-122"/>
+              <a:ea typeface="等线" panose="02010600030101010101" pitchFamily="2" charset="-122"/>
+              <a:cs typeface="Times New Roman" panose="02020603050405020304" pitchFamily="18" charset="0"/>
             </a:endParaRPr>
           </a:p>
           <a:p>
-            <a:pPr indent="0"/>
-            <a:r>
-              <a:rPr lang="en-US" b="0">
-                <a:solidFill>
-                  <a:srgbClr val="000000"/>
-                </a:solidFill>
-                <a:highlight>
-                  <a:srgbClr val="FFFFFF"/>
-                </a:highlight>
-                <a:latin typeface="Consolas" panose="020B0609020204030204" charset="0"/>
-                <a:ea typeface="宋体" panose="02010600030101010101" pitchFamily="2" charset="-122"/>
-              </a:rPr>
-              <a:t>    printf</a:t>
-            </a:r>
-            <a:r>
-              <a:rPr lang="en-US" b="1">
+            <a:pPr algn="just"/>
+            <a:r>
+              <a:rPr lang="en-US" altLang="zh-CN" sz="1800" b="1" kern="0">
                 <a:solidFill>
                   <a:srgbClr val="000080"/>
                 </a:solidFill>
-                <a:highlight>
-                  <a:srgbClr val="FFFFFF"/>
-                </a:highlight>
-                <a:latin typeface="Consolas" panose="020B0609020204030204" charset="0"/>
-                <a:ea typeface="宋体" panose="02010600030101010101" pitchFamily="2" charset="-122"/>
-              </a:rPr>
-              <a:t>(</a:t>
-            </a:r>
-            <a:r>
-              <a:rPr lang="en-US" b="0">
-                <a:solidFill>
-                  <a:srgbClr val="808080"/>
-                </a:solidFill>
-                <a:highlight>
-                  <a:srgbClr val="FFFFFF"/>
-                </a:highlight>
-                <a:latin typeface="Consolas" panose="020B0609020204030204" charset="0"/>
-                <a:ea typeface="宋体" panose="02010600030101010101" pitchFamily="2" charset="-122"/>
-              </a:rPr>
-              <a:t>"Area of triangle: %.2f\n"</a:t>
-            </a:r>
-            <a:r>
-              <a:rPr lang="en-US" b="1">
-                <a:solidFill>
-                  <a:srgbClr val="000080"/>
-                </a:solidFill>
-                <a:highlight>
-                  <a:srgbClr val="FFFFFF"/>
-                </a:highlight>
-                <a:latin typeface="Consolas" panose="020B0609020204030204" charset="0"/>
-                <a:ea typeface="宋体" panose="02010600030101010101" pitchFamily="2" charset="-122"/>
-              </a:rPr>
-              <a:t>,</a:t>
-            </a:r>
-            <a:r>
-              <a:rPr lang="en-US" b="0">
-                <a:solidFill>
-                  <a:srgbClr val="000000"/>
-                </a:solidFill>
-                <a:highlight>
-                  <a:srgbClr val="FFFFFF"/>
-                </a:highlight>
-                <a:latin typeface="Consolas" panose="020B0609020204030204" charset="0"/>
-                <a:ea typeface="宋体" panose="02010600030101010101" pitchFamily="2" charset="-122"/>
-              </a:rPr>
-              <a:t> triangle_area</a:t>
-            </a:r>
-            <a:r>
-              <a:rPr lang="en-US" b="1">
-                <a:solidFill>
-                  <a:srgbClr val="000080"/>
-                </a:solidFill>
-                <a:highlight>
-                  <a:srgbClr val="FFFFFF"/>
-                </a:highlight>
-                <a:latin typeface="Consolas" panose="020B0609020204030204" charset="0"/>
-                <a:ea typeface="宋体" panose="02010600030101010101" pitchFamily="2" charset="-122"/>
-              </a:rPr>
-              <a:t>(</a:t>
-            </a:r>
-            <a:r>
-              <a:rPr lang="en-US" b="0">
-                <a:solidFill>
-                  <a:srgbClr val="FF8000"/>
-                </a:solidFill>
-                <a:highlight>
-                  <a:srgbClr val="FFFFFF"/>
-                </a:highlight>
-                <a:latin typeface="Consolas" panose="020B0609020204030204" charset="0"/>
-                <a:ea typeface="宋体" panose="02010600030101010101" pitchFamily="2" charset="-122"/>
-              </a:rPr>
-              <a:t>5</a:t>
-            </a:r>
-            <a:r>
-              <a:rPr lang="en-US" b="1">
-                <a:solidFill>
-                  <a:srgbClr val="000080"/>
-                </a:solidFill>
-                <a:highlight>
-                  <a:srgbClr val="FFFFFF"/>
-                </a:highlight>
-                <a:latin typeface="Consolas" panose="020B0609020204030204" charset="0"/>
-                <a:ea typeface="宋体" panose="02010600030101010101" pitchFamily="2" charset="-122"/>
-              </a:rPr>
-              <a:t>,</a:t>
-            </a:r>
-            <a:r>
-              <a:rPr lang="en-US" b="0">
-                <a:solidFill>
-                  <a:srgbClr val="000000"/>
-                </a:solidFill>
-                <a:highlight>
-                  <a:srgbClr val="FFFFFF"/>
-                </a:highlight>
-                <a:latin typeface="Consolas" panose="020B0609020204030204" charset="0"/>
-                <a:ea typeface="宋体" panose="02010600030101010101" pitchFamily="2" charset="-122"/>
-              </a:rPr>
-              <a:t> </a:t>
-            </a:r>
-            <a:r>
-              <a:rPr lang="en-US" b="0">
-                <a:solidFill>
-                  <a:srgbClr val="FF8000"/>
-                </a:solidFill>
-                <a:highlight>
-                  <a:srgbClr val="FFFFFF"/>
-                </a:highlight>
-                <a:latin typeface="Consolas" panose="020B0609020204030204" charset="0"/>
-                <a:ea typeface="宋体" panose="02010600030101010101" pitchFamily="2" charset="-122"/>
-              </a:rPr>
-              <a:t>10</a:t>
-            </a:r>
-            <a:r>
-              <a:rPr lang="en-US" b="1">
-                <a:solidFill>
-                  <a:srgbClr val="000080"/>
-                </a:solidFill>
-                <a:highlight>
-                  <a:srgbClr val="FFFFFF"/>
-                </a:highlight>
-                <a:latin typeface="Consolas" panose="020B0609020204030204" charset="0"/>
-                <a:ea typeface="宋体" panose="02010600030101010101" pitchFamily="2" charset="-122"/>
-              </a:rPr>
-              <a:t>));</a:t>
-            </a:r>
-            <a:endParaRPr lang="en-US" b="0">
-              <a:solidFill>
-                <a:srgbClr val="000000"/>
-              </a:solidFill>
-              <a:highlight>
-                <a:srgbClr val="FFFFFF"/>
-              </a:highlight>
-              <a:latin typeface="Consolas" panose="020B0609020204030204" charset="0"/>
-              <a:ea typeface="宋体" panose="02010600030101010101" pitchFamily="2" charset="-122"/>
-            </a:endParaRPr>
-          </a:p>
-          <a:p>
-            <a:pPr indent="0"/>
-            <a:r>
-              <a:rPr lang="en-US" b="0">
-                <a:solidFill>
-                  <a:srgbClr val="000000"/>
-                </a:solidFill>
-                <a:highlight>
-                  <a:srgbClr val="FFFFFF"/>
-                </a:highlight>
-                <a:latin typeface="Consolas" panose="020B0609020204030204" charset="0"/>
-                <a:ea typeface="宋体" panose="02010600030101010101" pitchFamily="2" charset="-122"/>
-              </a:rPr>
-              <a:t>    </a:t>
-            </a:r>
-            <a:r>
-              <a:rPr lang="en-US" b="1">
-                <a:solidFill>
-                  <a:srgbClr val="0000FF"/>
-                </a:solidFill>
-                <a:highlight>
-                  <a:srgbClr val="FFFFFF"/>
-                </a:highlight>
-                <a:latin typeface="Consolas" panose="020B0609020204030204" charset="0"/>
-                <a:ea typeface="宋体" panose="02010600030101010101" pitchFamily="2" charset="-122"/>
-              </a:rPr>
-              <a:t>return</a:t>
-            </a:r>
-            <a:r>
-              <a:rPr lang="en-US" b="0">
-                <a:solidFill>
-                  <a:srgbClr val="000000"/>
-                </a:solidFill>
-                <a:highlight>
-                  <a:srgbClr val="FFFFFF"/>
-                </a:highlight>
-                <a:latin typeface="Consolas" panose="020B0609020204030204" charset="0"/>
-                <a:ea typeface="宋体" panose="02010600030101010101" pitchFamily="2" charset="-122"/>
-              </a:rPr>
-              <a:t> </a:t>
-            </a:r>
-            <a:r>
-              <a:rPr lang="en-US" b="0">
-                <a:solidFill>
-                  <a:srgbClr val="FF8000"/>
-                </a:solidFill>
-                <a:highlight>
-                  <a:srgbClr val="FFFFFF"/>
-                </a:highlight>
-                <a:latin typeface="Consolas" panose="020B0609020204030204" charset="0"/>
-                <a:ea typeface="宋体" panose="02010600030101010101" pitchFamily="2" charset="-122"/>
-              </a:rPr>
-              <a:t>0</a:t>
-            </a:r>
-            <a:r>
-              <a:rPr lang="en-US" b="1">
-                <a:solidFill>
-                  <a:srgbClr val="000080"/>
-                </a:solidFill>
-                <a:highlight>
-                  <a:srgbClr val="FFFFFF"/>
-                </a:highlight>
-                <a:latin typeface="Consolas" panose="020B0609020204030204" charset="0"/>
-                <a:ea typeface="宋体" panose="02010600030101010101" pitchFamily="2" charset="-122"/>
-              </a:rPr>
-              <a:t>;</a:t>
-            </a:r>
-          </a:p>
-          <a:p>
-            <a:pPr indent="0"/>
-            <a:r>
-              <a:rPr lang="en-US" b="1">
-                <a:solidFill>
-                  <a:srgbClr val="000080"/>
-                </a:solidFill>
-                <a:highlight>
-                  <a:srgbClr val="FFFFFF"/>
-                </a:highlight>
-                <a:latin typeface="Consolas" panose="020B0609020204030204" charset="0"/>
-                <a:ea typeface="宋体" panose="02010600030101010101" pitchFamily="2" charset="-122"/>
+                <a:effectLst/>
+                <a:highlight>
+                  <a:srgbClr val="FFFFFF"/>
+                </a:highlight>
+                <a:latin typeface="Consolas" panose="020B0609020204030204" pitchFamily="49" charset="0"/>
+                <a:ea typeface="等线" panose="02010600030101010101" pitchFamily="2" charset="-122"/>
+                <a:cs typeface="Courier New" panose="02070309020205020404" pitchFamily="49" charset="0"/>
               </a:rPr>
               <a:t>}</a:t>
             </a:r>
-            <a:endParaRPr lang="en-US" altLang="en-US" b="1">
-              <a:solidFill>
-                <a:srgbClr val="000080"/>
-              </a:solidFill>
-              <a:highlight>
-                <a:srgbClr val="FFFFFF"/>
-              </a:highlight>
-              <a:latin typeface="Consolas" panose="020B0609020204030204" charset="0"/>
-              <a:ea typeface="宋体" panose="02010600030101010101" pitchFamily="2" charset="-122"/>
+            <a:endParaRPr lang="zh-CN" altLang="zh-CN" sz="1800" kern="100">
+              <a:effectLst/>
+              <a:latin typeface="等线" panose="02010600030101010101" pitchFamily="2" charset="-122"/>
+              <a:ea typeface="等线" panose="02010600030101010101" pitchFamily="2" charset="-122"/>
+              <a:cs typeface="Times New Roman" panose="02020603050405020304" pitchFamily="18" charset="0"/>
             </a:endParaRPr>
           </a:p>
         </p:txBody>
@@ -18959,11 +19631,16 @@
             <p:custDataLst>
               <p:tags r:id="rId4"/>
             </p:custDataLst>
+            <p:extLst>
+              <p:ext uri="{D42A27DB-BD31-4B8C-83A1-F6EECF244321}">
+                <p14:modId xmlns:p14="http://schemas.microsoft.com/office/powerpoint/2010/main" val="71824366"/>
+              </p:ext>
+            </p:extLst>
           </p:nvPr>
         </p:nvGraphicFramePr>
         <p:xfrm>
-          <a:off x="989965" y="4930775"/>
-          <a:ext cx="4605020" cy="697230"/>
+          <a:off x="5624717" y="1348740"/>
+          <a:ext cx="5240508" cy="697230"/>
         </p:xfrm>
         <a:graphic>
           <a:graphicData uri="http://schemas.openxmlformats.org/drawingml/2006/table">
@@ -18972,7 +19649,7 @@
                 <a:tableStyleId>{5C22544A-7EE6-4342-B048-85BDC9FD1C3A}</a:tableStyleId>
               </a:tblPr>
               <a:tblGrid>
-                <a:gridCol w="4605020">
+                <a:gridCol w="5240508">
                   <a:extLst>
                     <a:ext uri="{9D8B030D-6E8A-4147-A177-3AD203B41FA5}">
                       <a16:colId xmlns:a16="http://schemas.microsoft.com/office/drawing/2014/main" val="20000"/>
@@ -18998,7 +19675,73 @@
                           <a:cs typeface="Consolas" panose="020B0609020204030204" charset="0"/>
                           <a:sym typeface="+mn-ea"/>
                         </a:rPr>
-                        <a:t>gcc -Wall geometry.c area.c -o area</a:t>
+                        <a:t>g</a:t>
+                      </a:r>
+                      <a:r>
+                        <a:rPr lang="en-US" altLang="zh-CN" sz="1800" b="0">
+                          <a:solidFill>
+                            <a:schemeClr val="tx1"/>
+                          </a:solidFill>
+                          <a:latin typeface="Consolas" panose="020B0609020204030204" charset="0"/>
+                          <a:cs typeface="Consolas" panose="020B0609020204030204" charset="0"/>
+                          <a:sym typeface="+mn-ea"/>
+                        </a:rPr>
+                        <a:t>++</a:t>
+                      </a:r>
+                      <a:r>
+                        <a:rPr lang="zh-CN" altLang="en-US" sz="1800" b="0">
+                          <a:solidFill>
+                            <a:schemeClr val="tx1"/>
+                          </a:solidFill>
+                          <a:latin typeface="Consolas" panose="020B0609020204030204" charset="0"/>
+                          <a:cs typeface="Consolas" panose="020B0609020204030204" charset="0"/>
+                          <a:sym typeface="+mn-ea"/>
+                        </a:rPr>
+                        <a:t> -Wall geometry.c</a:t>
+                      </a:r>
+                      <a:r>
+                        <a:rPr lang="en-US" altLang="zh-CN" sz="1800" b="0">
+                          <a:solidFill>
+                            <a:schemeClr val="tx1"/>
+                          </a:solidFill>
+                          <a:latin typeface="Consolas" panose="020B0609020204030204" charset="0"/>
+                          <a:cs typeface="Consolas" panose="020B0609020204030204" charset="0"/>
+                          <a:sym typeface="+mn-ea"/>
+                        </a:rPr>
+                        <a:t>pp</a:t>
+                      </a:r>
+                      <a:r>
+                        <a:rPr lang="zh-CN" altLang="en-US" sz="1800" b="0">
+                          <a:solidFill>
+                            <a:schemeClr val="tx1"/>
+                          </a:solidFill>
+                          <a:latin typeface="Consolas" panose="020B0609020204030204" charset="0"/>
+                          <a:cs typeface="Consolas" panose="020B0609020204030204" charset="0"/>
+                          <a:sym typeface="+mn-ea"/>
+                        </a:rPr>
+                        <a:t> area.c</a:t>
+                      </a:r>
+                      <a:r>
+                        <a:rPr lang="en-US" altLang="zh-CN" sz="1800" b="0">
+                          <a:solidFill>
+                            <a:schemeClr val="tx1"/>
+                          </a:solidFill>
+                          <a:latin typeface="Consolas" panose="020B0609020204030204" charset="0"/>
+                          <a:cs typeface="Consolas" panose="020B0609020204030204" charset="0"/>
+                          <a:sym typeface="+mn-ea"/>
+                        </a:rPr>
+                        <a:t>pp</a:t>
+                      </a:r>
+                      <a:r>
+                        <a:rPr lang="zh-CN" altLang="en-US" sz="1800" b="0">
+                          <a:solidFill>
+                            <a:schemeClr val="tx1"/>
+                          </a:solidFill>
+                          <a:latin typeface="Consolas" panose="020B0609020204030204" charset="0"/>
+                          <a:cs typeface="Consolas" panose="020B0609020204030204" charset="0"/>
+                          <a:sym typeface="+mn-ea"/>
+                        </a:rPr>
+                        <a:t> -o area</a:t>
                       </a:r>
                     </a:p>
                     <a:p>
@@ -19045,11 +19788,16 @@
             <p:custDataLst>
               <p:tags r:id="rId5"/>
             </p:custDataLst>
+            <p:extLst>
+              <p:ext uri="{D42A27DB-BD31-4B8C-83A1-F6EECF244321}">
+                <p14:modId xmlns:p14="http://schemas.microsoft.com/office/powerpoint/2010/main" val="2585798699"/>
+              </p:ext>
+            </p:extLst>
           </p:nvPr>
         </p:nvGraphicFramePr>
         <p:xfrm>
-          <a:off x="6126480" y="4930775"/>
-          <a:ext cx="4605020" cy="697230"/>
+          <a:off x="5624717" y="2361609"/>
+          <a:ext cx="5240508" cy="697230"/>
         </p:xfrm>
         <a:graphic>
           <a:graphicData uri="http://schemas.openxmlformats.org/drawingml/2006/table">
@@ -19058,7 +19806,7 @@
                 <a:tableStyleId>{5C22544A-7EE6-4342-B048-85BDC9FD1C3A}</a:tableStyleId>
               </a:tblPr>
               <a:tblGrid>
-                <a:gridCol w="4605020">
+                <a:gridCol w="5240508">
                   <a:extLst>
                     <a:ext uri="{9D8B030D-6E8A-4147-A177-3AD203B41FA5}">
                       <a16:colId xmlns:a16="http://schemas.microsoft.com/office/drawing/2014/main" val="20000"/>
@@ -19299,7 +20047,7 @@
         <p:spPr>
           <a:xfrm>
             <a:off x="699770" y="1224280"/>
-            <a:ext cx="8367395" cy="481965"/>
+            <a:ext cx="8955218" cy="481965"/>
           </a:xfrm>
         </p:spPr>
         <p:txBody>
@@ -19334,7 +20082,7 @@
                 <a:latin typeface="+mn-lt"/>
                 <a:cs typeface="+mn-lt"/>
               </a:rPr>
-              <a:t>util.c</a:t>
+              <a:t>util.cpp</a:t>
             </a:r>
             <a:r>
               <a:rPr lang="zh-CN" altLang="en-US">
@@ -19348,7 +20096,7 @@
                 <a:latin typeface="+mn-lt"/>
                 <a:cs typeface="+mn-lt"/>
               </a:rPr>
-              <a:t>test_util.c</a:t>
+              <a:t>test_util.cpp</a:t>
             </a:r>
             <a:r>
               <a:rPr lang="zh-CN" altLang="en-US">
@@ -20849,7 +21597,7 @@
         </p:nvSpPr>
         <p:spPr>
           <a:xfrm>
-            <a:off x="579755" y="1362075"/>
+            <a:off x="579600" y="1434074"/>
             <a:ext cx="4565986" cy="2707901"/>
           </a:xfrm>
         </p:spPr>
@@ -20903,8 +21651,8 @@
         </p:nvSpPr>
         <p:spPr>
           <a:xfrm>
-            <a:off x="5450205" y="949960"/>
-            <a:ext cx="6581775" cy="5908040"/>
+            <a:off x="4993343" y="923066"/>
+            <a:ext cx="7029674" cy="5909310"/>
           </a:xfrm>
           <a:prstGeom prst="rect">
             <a:avLst/>
@@ -20920,1334 +21668,1677 @@
           </a:bodyPr>
           <a:lstStyle/>
           <a:p>
-            <a:pPr indent="0"/>
-            <a:r>
-              <a:rPr lang="en-US" b="0">
+            <a:pPr algn="l"/>
+            <a:r>
+              <a:rPr lang="en-US" altLang="zh-CN" sz="1800" kern="0">
                 <a:solidFill>
                   <a:srgbClr val="804000"/>
                 </a:solidFill>
-                <a:highlight>
-                  <a:srgbClr val="FFFFFF"/>
-                </a:highlight>
-                <a:latin typeface="Consolas" panose="020B0609020204030204" charset="0"/>
-                <a:ea typeface="宋体" panose="02010600030101010101" pitchFamily="2" charset="-122"/>
-              </a:rPr>
-              <a:t>#include &lt;stdio.h&gt;</a:t>
-            </a:r>
-          </a:p>
-          <a:p>
-            <a:pPr indent="0"/>
-            <a:r>
-              <a:rPr lang="en-US" b="0">
+                <a:effectLst/>
+                <a:highlight>
+                  <a:srgbClr val="FFFFFF"/>
+                </a:highlight>
+                <a:latin typeface="Consolas" panose="020B0609020204030204" pitchFamily="49" charset="0"/>
+                <a:ea typeface="等线" panose="02010600030101010101" pitchFamily="2" charset="-122"/>
+                <a:cs typeface="Courier New" panose="02070309020205020404" pitchFamily="49" charset="0"/>
+              </a:rPr>
+              <a:t>#include &lt;iostream&gt;</a:t>
+            </a:r>
+            <a:endParaRPr lang="zh-CN" altLang="zh-CN" sz="1800" kern="100">
+              <a:effectLst/>
+              <a:latin typeface="等线" panose="02010600030101010101" pitchFamily="2" charset="-122"/>
+              <a:ea typeface="等线" panose="02010600030101010101" pitchFamily="2" charset="-122"/>
+              <a:cs typeface="Times New Roman" panose="02020603050405020304" pitchFamily="18" charset="0"/>
+            </a:endParaRPr>
+          </a:p>
+          <a:p>
+            <a:pPr algn="l"/>
+            <a:r>
+              <a:rPr lang="en-US" altLang="zh-CN" sz="1800" kern="0">
                 <a:solidFill>
                   <a:srgbClr val="804000"/>
                 </a:solidFill>
-                <a:highlight>
-                  <a:srgbClr val="FFFFFF"/>
-                </a:highlight>
-                <a:latin typeface="Consolas" panose="020B0609020204030204" charset="0"/>
-                <a:ea typeface="宋体" panose="02010600030101010101" pitchFamily="2" charset="-122"/>
+                <a:effectLst/>
+                <a:highlight>
+                  <a:srgbClr val="FFFFFF"/>
+                </a:highlight>
+                <a:latin typeface="Consolas" panose="020B0609020204030204" pitchFamily="49" charset="0"/>
+                <a:ea typeface="等线" panose="02010600030101010101" pitchFamily="2" charset="-122"/>
+                <a:cs typeface="Courier New" panose="02070309020205020404" pitchFamily="49" charset="0"/>
               </a:rPr>
               <a:t>#define PI 3.14159</a:t>
             </a:r>
-            <a:endParaRPr lang="en-US" b="0">
-              <a:solidFill>
-                <a:srgbClr val="000000"/>
-              </a:solidFill>
-              <a:highlight>
-                <a:srgbClr val="FFFFFF"/>
-              </a:highlight>
-              <a:latin typeface="Consolas" panose="020B0609020204030204" charset="0"/>
-              <a:ea typeface="宋体" panose="02010600030101010101" pitchFamily="2" charset="-122"/>
+            <a:endParaRPr lang="zh-CN" altLang="zh-CN" sz="1800" kern="100">
+              <a:effectLst/>
+              <a:latin typeface="等线" panose="02010600030101010101" pitchFamily="2" charset="-122"/>
+              <a:ea typeface="等线" panose="02010600030101010101" pitchFamily="2" charset="-122"/>
+              <a:cs typeface="Times New Roman" panose="02020603050405020304" pitchFamily="18" charset="0"/>
             </a:endParaRPr>
           </a:p>
           <a:p>
-            <a:pPr indent="0"/>
-            <a:r>
-              <a:rPr lang="en-US" b="0">
+            <a:pPr algn="l"/>
+            <a:r>
+              <a:rPr lang="en-US" altLang="zh-CN" sz="1800" kern="0">
                 <a:solidFill>
                   <a:srgbClr val="000000"/>
                 </a:solidFill>
-                <a:highlight>
-                  <a:srgbClr val="FFFFFF"/>
-                </a:highlight>
-                <a:latin typeface="Consolas" panose="020B0609020204030204" charset="0"/>
-                <a:ea typeface="宋体" panose="02010600030101010101" pitchFamily="2" charset="-122"/>
+                <a:effectLst/>
+                <a:highlight>
+                  <a:srgbClr val="FFFFFF"/>
+                </a:highlight>
+                <a:latin typeface="Consolas" panose="020B0609020204030204" pitchFamily="49" charset="0"/>
+                <a:ea typeface="等线" panose="02010600030101010101" pitchFamily="2" charset="-122"/>
+                <a:cs typeface="Courier New" panose="02070309020205020404" pitchFamily="49" charset="0"/>
+              </a:rPr>
+              <a:t> </a:t>
+            </a:r>
+            <a:endParaRPr lang="zh-CN" altLang="zh-CN" sz="1800" kern="100">
+              <a:effectLst/>
+              <a:latin typeface="等线" panose="02010600030101010101" pitchFamily="2" charset="-122"/>
+              <a:ea typeface="等线" panose="02010600030101010101" pitchFamily="2" charset="-122"/>
+              <a:cs typeface="Times New Roman" panose="02020603050405020304" pitchFamily="18" charset="0"/>
+            </a:endParaRPr>
+          </a:p>
+          <a:p>
+            <a:pPr algn="l"/>
+            <a:r>
+              <a:rPr lang="en-US" altLang="zh-CN" sz="1800" b="1" kern="0">
+                <a:solidFill>
+                  <a:srgbClr val="0000FF"/>
+                </a:solidFill>
+                <a:effectLst/>
+                <a:highlight>
+                  <a:srgbClr val="FFFFFF"/>
+                </a:highlight>
+                <a:latin typeface="Consolas" panose="020B0609020204030204" pitchFamily="49" charset="0"/>
+                <a:ea typeface="等线" panose="02010600030101010101" pitchFamily="2" charset="-122"/>
+                <a:cs typeface="Courier New" panose="02070309020205020404" pitchFamily="49" charset="0"/>
+              </a:rPr>
+              <a:t>using</a:t>
+            </a:r>
+            <a:r>
+              <a:rPr lang="en-US" altLang="zh-CN" sz="1800" kern="0">
+                <a:solidFill>
+                  <a:srgbClr val="000000"/>
+                </a:solidFill>
+                <a:effectLst/>
+                <a:highlight>
+                  <a:srgbClr val="FFFFFF"/>
+                </a:highlight>
+                <a:latin typeface="Consolas" panose="020B0609020204030204" pitchFamily="49" charset="0"/>
+                <a:ea typeface="等线" panose="02010600030101010101" pitchFamily="2" charset="-122"/>
+                <a:cs typeface="Courier New" panose="02070309020205020404" pitchFamily="49" charset="0"/>
               </a:rPr>
               <a:t> </a:t>
             </a:r>
-            <a:endParaRPr lang="en-US" b="0">
-              <a:solidFill>
-                <a:srgbClr val="8000FF"/>
-              </a:solidFill>
-              <a:highlight>
-                <a:srgbClr val="FFFFFF"/>
-              </a:highlight>
-              <a:latin typeface="Consolas" panose="020B0609020204030204" charset="0"/>
-              <a:ea typeface="宋体" panose="02010600030101010101" pitchFamily="2" charset="-122"/>
+            <a:r>
+              <a:rPr lang="en-US" altLang="zh-CN" sz="1800" b="1" kern="0">
+                <a:solidFill>
+                  <a:srgbClr val="0000FF"/>
+                </a:solidFill>
+                <a:effectLst/>
+                <a:highlight>
+                  <a:srgbClr val="FFFFFF"/>
+                </a:highlight>
+                <a:latin typeface="Consolas" panose="020B0609020204030204" pitchFamily="49" charset="0"/>
+                <a:ea typeface="等线" panose="02010600030101010101" pitchFamily="2" charset="-122"/>
+                <a:cs typeface="Courier New" panose="02070309020205020404" pitchFamily="49" charset="0"/>
+              </a:rPr>
+              <a:t>namespace</a:t>
+            </a:r>
+            <a:r>
+              <a:rPr lang="en-US" altLang="zh-CN" sz="1800" kern="0">
+                <a:solidFill>
+                  <a:srgbClr val="000000"/>
+                </a:solidFill>
+                <a:effectLst/>
+                <a:highlight>
+                  <a:srgbClr val="FFFFFF"/>
+                </a:highlight>
+                <a:latin typeface="Consolas" panose="020B0609020204030204" pitchFamily="49" charset="0"/>
+                <a:ea typeface="等线" panose="02010600030101010101" pitchFamily="2" charset="-122"/>
+                <a:cs typeface="Courier New" panose="02070309020205020404" pitchFamily="49" charset="0"/>
+              </a:rPr>
+              <a:t> std</a:t>
+            </a:r>
+            <a:r>
+              <a:rPr lang="en-US" altLang="zh-CN" sz="1800" b="1" kern="0">
+                <a:solidFill>
+                  <a:srgbClr val="000080"/>
+                </a:solidFill>
+                <a:effectLst/>
+                <a:highlight>
+                  <a:srgbClr val="FFFFFF"/>
+                </a:highlight>
+                <a:latin typeface="Consolas" panose="020B0609020204030204" pitchFamily="49" charset="0"/>
+                <a:ea typeface="等线" panose="02010600030101010101" pitchFamily="2" charset="-122"/>
+                <a:cs typeface="Courier New" panose="02070309020205020404" pitchFamily="49" charset="0"/>
+              </a:rPr>
+              <a:t>;</a:t>
+            </a:r>
+            <a:endParaRPr lang="zh-CN" altLang="zh-CN" sz="1800" kern="100">
+              <a:effectLst/>
+              <a:latin typeface="等线" panose="02010600030101010101" pitchFamily="2" charset="-122"/>
+              <a:ea typeface="等线" panose="02010600030101010101" pitchFamily="2" charset="-122"/>
+              <a:cs typeface="Times New Roman" panose="02020603050405020304" pitchFamily="18" charset="0"/>
             </a:endParaRPr>
           </a:p>
           <a:p>
-            <a:pPr indent="0"/>
-            <a:r>
-              <a:rPr lang="en-US" b="0">
+            <a:pPr algn="l"/>
+            <a:r>
+              <a:rPr lang="en-US" altLang="zh-CN" sz="1800" kern="0">
+                <a:solidFill>
+                  <a:srgbClr val="000000"/>
+                </a:solidFill>
+                <a:effectLst/>
+                <a:highlight>
+                  <a:srgbClr val="FFFFFF"/>
+                </a:highlight>
+                <a:latin typeface="Consolas" panose="020B0609020204030204" pitchFamily="49" charset="0"/>
+                <a:ea typeface="等线" panose="02010600030101010101" pitchFamily="2" charset="-122"/>
+                <a:cs typeface="Courier New" panose="02070309020205020404" pitchFamily="49" charset="0"/>
+              </a:rPr>
+              <a:t> </a:t>
+            </a:r>
+            <a:endParaRPr lang="zh-CN" altLang="zh-CN" sz="1800" kern="100">
+              <a:effectLst/>
+              <a:latin typeface="等线" panose="02010600030101010101" pitchFamily="2" charset="-122"/>
+              <a:ea typeface="等线" panose="02010600030101010101" pitchFamily="2" charset="-122"/>
+              <a:cs typeface="Times New Roman" panose="02020603050405020304" pitchFamily="18" charset="0"/>
+            </a:endParaRPr>
+          </a:p>
+          <a:p>
+            <a:pPr algn="l"/>
+            <a:r>
+              <a:rPr lang="en-US" altLang="zh-CN" sz="1800" kern="0">
                 <a:solidFill>
                   <a:srgbClr val="8000FF"/>
                 </a:solidFill>
-                <a:highlight>
-                  <a:srgbClr val="FFFFFF"/>
-                </a:highlight>
-                <a:latin typeface="Consolas" panose="020B0609020204030204" charset="0"/>
-                <a:ea typeface="宋体" panose="02010600030101010101" pitchFamily="2" charset="-122"/>
+                <a:effectLst/>
+                <a:highlight>
+                  <a:srgbClr val="FFFFFF"/>
+                </a:highlight>
+                <a:latin typeface="Consolas" panose="020B0609020204030204" pitchFamily="49" charset="0"/>
+                <a:ea typeface="等线" panose="02010600030101010101" pitchFamily="2" charset="-122"/>
+                <a:cs typeface="Courier New" panose="02070309020205020404" pitchFamily="49" charset="0"/>
               </a:rPr>
               <a:t>double</a:t>
             </a:r>
             <a:r>
-              <a:rPr lang="en-US" b="0">
+              <a:rPr lang="en-US" altLang="zh-CN" sz="1800" kern="0">
                 <a:solidFill>
                   <a:srgbClr val="000000"/>
                 </a:solidFill>
-                <a:highlight>
-                  <a:srgbClr val="FFFFFF"/>
-                </a:highlight>
-                <a:latin typeface="Consolas" panose="020B0609020204030204" charset="0"/>
-                <a:ea typeface="宋体" panose="02010600030101010101" pitchFamily="2" charset="-122"/>
+                <a:effectLst/>
+                <a:highlight>
+                  <a:srgbClr val="FFFFFF"/>
+                </a:highlight>
+                <a:latin typeface="Consolas" panose="020B0609020204030204" pitchFamily="49" charset="0"/>
+                <a:ea typeface="等线" panose="02010600030101010101" pitchFamily="2" charset="-122"/>
+                <a:cs typeface="Courier New" panose="02070309020205020404" pitchFamily="49" charset="0"/>
               </a:rPr>
               <a:t> perimeter</a:t>
             </a:r>
             <a:r>
-              <a:rPr lang="en-US" b="1">
+              <a:rPr lang="en-US" altLang="zh-CN" sz="1800" b="1" kern="0">
                 <a:solidFill>
                   <a:srgbClr val="000080"/>
                 </a:solidFill>
-                <a:highlight>
-                  <a:srgbClr val="FFFFFF"/>
-                </a:highlight>
-                <a:latin typeface="Consolas" panose="020B0609020204030204" charset="0"/>
-                <a:ea typeface="宋体" panose="02010600030101010101" pitchFamily="2" charset="-122"/>
+                <a:effectLst/>
+                <a:highlight>
+                  <a:srgbClr val="FFFFFF"/>
+                </a:highlight>
+                <a:latin typeface="Consolas" panose="020B0609020204030204" pitchFamily="49" charset="0"/>
+                <a:ea typeface="等线" panose="02010600030101010101" pitchFamily="2" charset="-122"/>
+                <a:cs typeface="Courier New" panose="02070309020205020404" pitchFamily="49" charset="0"/>
               </a:rPr>
               <a:t>(</a:t>
             </a:r>
             <a:r>
-              <a:rPr lang="en-US" b="0">
+              <a:rPr lang="en-US" altLang="zh-CN" sz="1800" kern="0">
                 <a:solidFill>
                   <a:srgbClr val="8000FF"/>
                 </a:solidFill>
-                <a:highlight>
-                  <a:srgbClr val="FFFFFF"/>
-                </a:highlight>
-                <a:latin typeface="Consolas" panose="020B0609020204030204" charset="0"/>
-                <a:ea typeface="宋体" panose="02010600030101010101" pitchFamily="2" charset="-122"/>
+                <a:effectLst/>
+                <a:highlight>
+                  <a:srgbClr val="FFFFFF"/>
+                </a:highlight>
+                <a:latin typeface="Consolas" panose="020B0609020204030204" pitchFamily="49" charset="0"/>
+                <a:ea typeface="等线" panose="02010600030101010101" pitchFamily="2" charset="-122"/>
+                <a:cs typeface="Courier New" panose="02070309020205020404" pitchFamily="49" charset="0"/>
               </a:rPr>
               <a:t>double</a:t>
             </a:r>
             <a:r>
-              <a:rPr lang="en-US" b="0">
+              <a:rPr lang="en-US" altLang="zh-CN" sz="1800" kern="0">
                 <a:solidFill>
                   <a:srgbClr val="000000"/>
                 </a:solidFill>
-                <a:highlight>
-                  <a:srgbClr val="FFFFFF"/>
-                </a:highlight>
-                <a:latin typeface="Consolas" panose="020B0609020204030204" charset="0"/>
-                <a:ea typeface="宋体" panose="02010600030101010101" pitchFamily="2" charset="-122"/>
+                <a:effectLst/>
+                <a:highlight>
+                  <a:srgbClr val="FFFFFF"/>
+                </a:highlight>
+                <a:latin typeface="Consolas" panose="020B0609020204030204" pitchFamily="49" charset="0"/>
+                <a:ea typeface="等线" panose="02010600030101010101" pitchFamily="2" charset="-122"/>
+                <a:cs typeface="Courier New" panose="02070309020205020404" pitchFamily="49" charset="0"/>
               </a:rPr>
               <a:t> r</a:t>
             </a:r>
             <a:r>
-              <a:rPr lang="en-US" b="1">
+              <a:rPr lang="en-US" altLang="zh-CN" sz="1800" b="1" kern="0">
                 <a:solidFill>
                   <a:srgbClr val="000080"/>
                 </a:solidFill>
-                <a:highlight>
-                  <a:srgbClr val="FFFFFF"/>
-                </a:highlight>
-                <a:latin typeface="Consolas" panose="020B0609020204030204" charset="0"/>
-                <a:ea typeface="宋体" panose="02010600030101010101" pitchFamily="2" charset="-122"/>
+                <a:effectLst/>
+                <a:highlight>
+                  <a:srgbClr val="FFFFFF"/>
+                </a:highlight>
+                <a:latin typeface="Consolas" panose="020B0609020204030204" pitchFamily="49" charset="0"/>
+                <a:ea typeface="等线" panose="02010600030101010101" pitchFamily="2" charset="-122"/>
+                <a:cs typeface="Courier New" panose="02070309020205020404" pitchFamily="49" charset="0"/>
               </a:rPr>
               <a:t>)</a:t>
             </a:r>
             <a:r>
-              <a:rPr lang="en-US" b="0">
+              <a:rPr lang="en-US" altLang="zh-CN" sz="1800" kern="0">
                 <a:solidFill>
                   <a:srgbClr val="000000"/>
                 </a:solidFill>
-                <a:highlight>
-                  <a:srgbClr val="FFFFFF"/>
-                </a:highlight>
-                <a:latin typeface="Consolas" panose="020B0609020204030204" charset="0"/>
-                <a:ea typeface="宋体" panose="02010600030101010101" pitchFamily="2" charset="-122"/>
+                <a:effectLst/>
+                <a:highlight>
+                  <a:srgbClr val="FFFFFF"/>
+                </a:highlight>
+                <a:latin typeface="Consolas" panose="020B0609020204030204" pitchFamily="49" charset="0"/>
+                <a:ea typeface="等线" panose="02010600030101010101" pitchFamily="2" charset="-122"/>
+                <a:cs typeface="Courier New" panose="02070309020205020404" pitchFamily="49" charset="0"/>
               </a:rPr>
               <a:t> </a:t>
             </a:r>
             <a:r>
-              <a:rPr lang="en-US" b="1">
+              <a:rPr lang="en-US" altLang="zh-CN" sz="1800" b="1" kern="0">
                 <a:solidFill>
                   <a:srgbClr val="000080"/>
                 </a:solidFill>
-                <a:highlight>
-                  <a:srgbClr val="FFFFFF"/>
-                </a:highlight>
-                <a:latin typeface="Consolas" panose="020B0609020204030204" charset="0"/>
-                <a:ea typeface="宋体" panose="02010600030101010101" pitchFamily="2" charset="-122"/>
+                <a:effectLst/>
+                <a:highlight>
+                  <a:srgbClr val="FFFFFF"/>
+                </a:highlight>
+                <a:latin typeface="Consolas" panose="020B0609020204030204" pitchFamily="49" charset="0"/>
+                <a:ea typeface="等线" panose="02010600030101010101" pitchFamily="2" charset="-122"/>
+                <a:cs typeface="Courier New" panose="02070309020205020404" pitchFamily="49" charset="0"/>
               </a:rPr>
               <a:t>{</a:t>
             </a:r>
-            <a:endParaRPr lang="en-US" b="0">
-              <a:solidFill>
-                <a:srgbClr val="000000"/>
-              </a:solidFill>
-              <a:highlight>
-                <a:srgbClr val="FFFFFF"/>
-              </a:highlight>
-              <a:latin typeface="Consolas" panose="020B0609020204030204" charset="0"/>
-              <a:ea typeface="宋体" panose="02010600030101010101" pitchFamily="2" charset="-122"/>
+            <a:endParaRPr lang="zh-CN" altLang="zh-CN" sz="1800" kern="100">
+              <a:effectLst/>
+              <a:latin typeface="等线" panose="02010600030101010101" pitchFamily="2" charset="-122"/>
+              <a:ea typeface="等线" panose="02010600030101010101" pitchFamily="2" charset="-122"/>
+              <a:cs typeface="Times New Roman" panose="02020603050405020304" pitchFamily="18" charset="0"/>
             </a:endParaRPr>
           </a:p>
           <a:p>
-            <a:pPr indent="0"/>
-            <a:r>
-              <a:rPr lang="en-US" b="0">
+            <a:pPr algn="l"/>
+            <a:r>
+              <a:rPr lang="en-US" altLang="zh-CN" sz="1800" kern="0">
                 <a:solidFill>
                   <a:srgbClr val="000000"/>
                 </a:solidFill>
-                <a:highlight>
-                  <a:srgbClr val="FFFFFF"/>
-                </a:highlight>
-                <a:latin typeface="Consolas" panose="020B0609020204030204" charset="0"/>
-                <a:ea typeface="宋体" panose="02010600030101010101" pitchFamily="2" charset="-122"/>
+                <a:effectLst/>
+                <a:highlight>
+                  <a:srgbClr val="FFFFFF"/>
+                </a:highlight>
+                <a:latin typeface="Consolas" panose="020B0609020204030204" pitchFamily="49" charset="0"/>
+                <a:ea typeface="等线" panose="02010600030101010101" pitchFamily="2" charset="-122"/>
+                <a:cs typeface="Courier New" panose="02070309020205020404" pitchFamily="49" charset="0"/>
               </a:rPr>
               <a:t>    </a:t>
             </a:r>
             <a:r>
-              <a:rPr lang="en-US" b="1">
+              <a:rPr lang="en-US" altLang="zh-CN" sz="1800" b="1" kern="0">
                 <a:solidFill>
                   <a:srgbClr val="0000FF"/>
                 </a:solidFill>
-                <a:highlight>
-                  <a:srgbClr val="FFFFFF"/>
-                </a:highlight>
-                <a:latin typeface="Consolas" panose="020B0609020204030204" charset="0"/>
-                <a:ea typeface="宋体" panose="02010600030101010101" pitchFamily="2" charset="-122"/>
+                <a:effectLst/>
+                <a:highlight>
+                  <a:srgbClr val="FFFFFF"/>
+                </a:highlight>
+                <a:latin typeface="Consolas" panose="020B0609020204030204" pitchFamily="49" charset="0"/>
+                <a:ea typeface="等线" panose="02010600030101010101" pitchFamily="2" charset="-122"/>
+                <a:cs typeface="Courier New" panose="02070309020205020404" pitchFamily="49" charset="0"/>
               </a:rPr>
               <a:t>return</a:t>
             </a:r>
             <a:r>
-              <a:rPr lang="en-US" b="0">
+              <a:rPr lang="en-US" altLang="zh-CN" sz="1800" kern="0">
                 <a:solidFill>
                   <a:srgbClr val="000000"/>
                 </a:solidFill>
-                <a:highlight>
-                  <a:srgbClr val="FFFFFF"/>
-                </a:highlight>
-                <a:latin typeface="Consolas" panose="020B0609020204030204" charset="0"/>
-                <a:ea typeface="宋体" panose="02010600030101010101" pitchFamily="2" charset="-122"/>
+                <a:effectLst/>
+                <a:highlight>
+                  <a:srgbClr val="FFFFFF"/>
+                </a:highlight>
+                <a:latin typeface="Consolas" panose="020B0609020204030204" pitchFamily="49" charset="0"/>
+                <a:ea typeface="等线" panose="02010600030101010101" pitchFamily="2" charset="-122"/>
+                <a:cs typeface="Courier New" panose="02070309020205020404" pitchFamily="49" charset="0"/>
               </a:rPr>
               <a:t> </a:t>
             </a:r>
             <a:r>
-              <a:rPr lang="en-US" b="0">
+              <a:rPr lang="en-US" altLang="zh-CN" sz="1800" kern="0">
                 <a:solidFill>
                   <a:srgbClr val="FF8000"/>
                 </a:solidFill>
-                <a:highlight>
-                  <a:srgbClr val="FFFFFF"/>
-                </a:highlight>
-                <a:latin typeface="Consolas" panose="020B0609020204030204" charset="0"/>
-                <a:ea typeface="宋体" panose="02010600030101010101" pitchFamily="2" charset="-122"/>
+                <a:effectLst/>
+                <a:highlight>
+                  <a:srgbClr val="FFFFFF"/>
+                </a:highlight>
+                <a:latin typeface="Consolas" panose="020B0609020204030204" pitchFamily="49" charset="0"/>
+                <a:ea typeface="等线" panose="02010600030101010101" pitchFamily="2" charset="-122"/>
+                <a:cs typeface="Courier New" panose="02070309020205020404" pitchFamily="49" charset="0"/>
               </a:rPr>
               <a:t>2</a:t>
             </a:r>
             <a:r>
-              <a:rPr lang="en-US" b="0">
+              <a:rPr lang="en-US" altLang="zh-CN" sz="1800" kern="0">
                 <a:solidFill>
                   <a:srgbClr val="000000"/>
                 </a:solidFill>
-                <a:highlight>
-                  <a:srgbClr val="FFFFFF"/>
-                </a:highlight>
-                <a:latin typeface="Consolas" panose="020B0609020204030204" charset="0"/>
-                <a:ea typeface="宋体" panose="02010600030101010101" pitchFamily="2" charset="-122"/>
+                <a:effectLst/>
+                <a:highlight>
+                  <a:srgbClr val="FFFFFF"/>
+                </a:highlight>
+                <a:latin typeface="Consolas" panose="020B0609020204030204" pitchFamily="49" charset="0"/>
+                <a:ea typeface="等线" panose="02010600030101010101" pitchFamily="2" charset="-122"/>
+                <a:cs typeface="Courier New" panose="02070309020205020404" pitchFamily="49" charset="0"/>
               </a:rPr>
               <a:t> </a:t>
             </a:r>
             <a:r>
-              <a:rPr lang="en-US" b="1">
+              <a:rPr lang="en-US" altLang="zh-CN" sz="1800" b="1" kern="0">
                 <a:solidFill>
                   <a:srgbClr val="000080"/>
                 </a:solidFill>
-                <a:highlight>
-                  <a:srgbClr val="FFFFFF"/>
-                </a:highlight>
-                <a:latin typeface="Consolas" panose="020B0609020204030204" charset="0"/>
-                <a:ea typeface="宋体" panose="02010600030101010101" pitchFamily="2" charset="-122"/>
+                <a:effectLst/>
+                <a:highlight>
+                  <a:srgbClr val="FFFFFF"/>
+                </a:highlight>
+                <a:latin typeface="Consolas" panose="020B0609020204030204" pitchFamily="49" charset="0"/>
+                <a:ea typeface="等线" panose="02010600030101010101" pitchFamily="2" charset="-122"/>
+                <a:cs typeface="Courier New" panose="02070309020205020404" pitchFamily="49" charset="0"/>
               </a:rPr>
               <a:t>*</a:t>
             </a:r>
             <a:r>
-              <a:rPr lang="en-US" b="0">
+              <a:rPr lang="en-US" altLang="zh-CN" sz="1800" kern="0">
                 <a:solidFill>
                   <a:srgbClr val="000000"/>
                 </a:solidFill>
-                <a:highlight>
-                  <a:srgbClr val="FFFFFF"/>
-                </a:highlight>
-                <a:latin typeface="Consolas" panose="020B0609020204030204" charset="0"/>
-                <a:ea typeface="宋体" panose="02010600030101010101" pitchFamily="2" charset="-122"/>
+                <a:effectLst/>
+                <a:highlight>
+                  <a:srgbClr val="FFFFFF"/>
+                </a:highlight>
+                <a:latin typeface="Consolas" panose="020B0609020204030204" pitchFamily="49" charset="0"/>
+                <a:ea typeface="等线" panose="02010600030101010101" pitchFamily="2" charset="-122"/>
+                <a:cs typeface="Courier New" panose="02070309020205020404" pitchFamily="49" charset="0"/>
               </a:rPr>
               <a:t> PI </a:t>
             </a:r>
             <a:r>
-              <a:rPr lang="en-US" b="1">
+              <a:rPr lang="en-US" altLang="zh-CN" sz="1800" b="1" kern="0">
                 <a:solidFill>
                   <a:srgbClr val="000080"/>
                 </a:solidFill>
-                <a:highlight>
-                  <a:srgbClr val="FFFFFF"/>
-                </a:highlight>
-                <a:latin typeface="Consolas" panose="020B0609020204030204" charset="0"/>
-                <a:ea typeface="宋体" panose="02010600030101010101" pitchFamily="2" charset="-122"/>
+                <a:effectLst/>
+                <a:highlight>
+                  <a:srgbClr val="FFFFFF"/>
+                </a:highlight>
+                <a:latin typeface="Consolas" panose="020B0609020204030204" pitchFamily="49" charset="0"/>
+                <a:ea typeface="等线" panose="02010600030101010101" pitchFamily="2" charset="-122"/>
+                <a:cs typeface="Courier New" panose="02070309020205020404" pitchFamily="49" charset="0"/>
               </a:rPr>
               <a:t>*</a:t>
             </a:r>
             <a:r>
-              <a:rPr lang="en-US" b="0">
+              <a:rPr lang="en-US" altLang="zh-CN" sz="1800" kern="0">
                 <a:solidFill>
                   <a:srgbClr val="000000"/>
                 </a:solidFill>
-                <a:highlight>
-                  <a:srgbClr val="FFFFFF"/>
-                </a:highlight>
-                <a:latin typeface="Consolas" panose="020B0609020204030204" charset="0"/>
-                <a:ea typeface="宋体" panose="02010600030101010101" pitchFamily="2" charset="-122"/>
+                <a:effectLst/>
+                <a:highlight>
+                  <a:srgbClr val="FFFFFF"/>
+                </a:highlight>
+                <a:latin typeface="Consolas" panose="020B0609020204030204" pitchFamily="49" charset="0"/>
+                <a:ea typeface="等线" panose="02010600030101010101" pitchFamily="2" charset="-122"/>
+                <a:cs typeface="Courier New" panose="02070309020205020404" pitchFamily="49" charset="0"/>
               </a:rPr>
               <a:t> r</a:t>
             </a:r>
             <a:r>
-              <a:rPr lang="en-US" b="1">
+              <a:rPr lang="en-US" altLang="zh-CN" sz="1800" b="1" kern="0">
                 <a:solidFill>
                   <a:srgbClr val="000080"/>
                 </a:solidFill>
-                <a:highlight>
-                  <a:srgbClr val="FFFFFF"/>
-                </a:highlight>
-                <a:latin typeface="Consolas" panose="020B0609020204030204" charset="0"/>
-                <a:ea typeface="宋体" panose="02010600030101010101" pitchFamily="2" charset="-122"/>
+                <a:effectLst/>
+                <a:highlight>
+                  <a:srgbClr val="FFFFFF"/>
+                </a:highlight>
+                <a:latin typeface="Consolas" panose="020B0609020204030204" pitchFamily="49" charset="0"/>
+                <a:ea typeface="等线" panose="02010600030101010101" pitchFamily="2" charset="-122"/>
+                <a:cs typeface="Courier New" panose="02070309020205020404" pitchFamily="49" charset="0"/>
               </a:rPr>
               <a:t>;</a:t>
             </a:r>
-          </a:p>
-          <a:p>
-            <a:pPr indent="0"/>
-            <a:r>
-              <a:rPr lang="en-US" b="1">
+            <a:endParaRPr lang="zh-CN" altLang="zh-CN" sz="1800" kern="100">
+              <a:effectLst/>
+              <a:latin typeface="等线" panose="02010600030101010101" pitchFamily="2" charset="-122"/>
+              <a:ea typeface="等线" panose="02010600030101010101" pitchFamily="2" charset="-122"/>
+              <a:cs typeface="Times New Roman" panose="02020603050405020304" pitchFamily="18" charset="0"/>
+            </a:endParaRPr>
+          </a:p>
+          <a:p>
+            <a:pPr algn="l"/>
+            <a:r>
+              <a:rPr lang="en-US" altLang="zh-CN" sz="1800" b="1" kern="0">
                 <a:solidFill>
                   <a:srgbClr val="000080"/>
                 </a:solidFill>
-                <a:highlight>
-                  <a:srgbClr val="FFFFFF"/>
-                </a:highlight>
-                <a:latin typeface="Consolas" panose="020B0609020204030204" charset="0"/>
-                <a:ea typeface="宋体" panose="02010600030101010101" pitchFamily="2" charset="-122"/>
+                <a:effectLst/>
+                <a:highlight>
+                  <a:srgbClr val="FFFFFF"/>
+                </a:highlight>
+                <a:latin typeface="Consolas" panose="020B0609020204030204" pitchFamily="49" charset="0"/>
+                <a:ea typeface="等线" panose="02010600030101010101" pitchFamily="2" charset="-122"/>
+                <a:cs typeface="Courier New" panose="02070309020205020404" pitchFamily="49" charset="0"/>
               </a:rPr>
               <a:t>}</a:t>
             </a:r>
-            <a:endParaRPr lang="en-US" b="0">
-              <a:solidFill>
-                <a:srgbClr val="000000"/>
-              </a:solidFill>
-              <a:highlight>
-                <a:srgbClr val="FFFFFF"/>
-              </a:highlight>
-              <a:latin typeface="Consolas" panose="020B0609020204030204" charset="0"/>
-              <a:ea typeface="宋体" panose="02010600030101010101" pitchFamily="2" charset="-122"/>
+            <a:endParaRPr lang="zh-CN" altLang="zh-CN" sz="1800" kern="100">
+              <a:effectLst/>
+              <a:latin typeface="等线" panose="02010600030101010101" pitchFamily="2" charset="-122"/>
+              <a:ea typeface="等线" panose="02010600030101010101" pitchFamily="2" charset="-122"/>
+              <a:cs typeface="Times New Roman" panose="02020603050405020304" pitchFamily="18" charset="0"/>
             </a:endParaRPr>
           </a:p>
           <a:p>
-            <a:pPr indent="0"/>
-            <a:r>
-              <a:rPr lang="en-US" b="0">
+            <a:pPr algn="l"/>
+            <a:r>
+              <a:rPr lang="en-US" altLang="zh-CN" sz="1800" kern="0">
                 <a:solidFill>
                   <a:srgbClr val="000000"/>
                 </a:solidFill>
-                <a:highlight>
-                  <a:srgbClr val="FFFFFF"/>
-                </a:highlight>
-                <a:latin typeface="Consolas" panose="020B0609020204030204" charset="0"/>
-                <a:ea typeface="宋体" panose="02010600030101010101" pitchFamily="2" charset="-122"/>
+                <a:effectLst/>
+                <a:highlight>
+                  <a:srgbClr val="FFFFFF"/>
+                </a:highlight>
+                <a:latin typeface="Consolas" panose="020B0609020204030204" pitchFamily="49" charset="0"/>
+                <a:ea typeface="等线" panose="02010600030101010101" pitchFamily="2" charset="-122"/>
+                <a:cs typeface="Courier New" panose="02070309020205020404" pitchFamily="49" charset="0"/>
+              </a:rPr>
+              <a:t> </a:t>
+            </a:r>
+            <a:endParaRPr lang="zh-CN" altLang="zh-CN" sz="1800" kern="100">
+              <a:effectLst/>
+              <a:latin typeface="等线" panose="02010600030101010101" pitchFamily="2" charset="-122"/>
+              <a:ea typeface="等线" panose="02010600030101010101" pitchFamily="2" charset="-122"/>
+              <a:cs typeface="Times New Roman" panose="02020603050405020304" pitchFamily="18" charset="0"/>
+            </a:endParaRPr>
+          </a:p>
+          <a:p>
+            <a:pPr algn="l"/>
+            <a:r>
+              <a:rPr lang="en-US" altLang="zh-CN" sz="1800" kern="0">
+                <a:solidFill>
+                  <a:srgbClr val="8000FF"/>
+                </a:solidFill>
+                <a:effectLst/>
+                <a:highlight>
+                  <a:srgbClr val="FFFFFF"/>
+                </a:highlight>
+                <a:latin typeface="Consolas" panose="020B0609020204030204" pitchFamily="49" charset="0"/>
+                <a:ea typeface="等线" panose="02010600030101010101" pitchFamily="2" charset="-122"/>
+                <a:cs typeface="Courier New" panose="02070309020205020404" pitchFamily="49" charset="0"/>
+              </a:rPr>
+              <a:t>double</a:t>
+            </a:r>
+            <a:r>
+              <a:rPr lang="en-US" altLang="zh-CN" sz="1800" kern="0">
+                <a:solidFill>
+                  <a:srgbClr val="000000"/>
+                </a:solidFill>
+                <a:effectLst/>
+                <a:highlight>
+                  <a:srgbClr val="FFFFFF"/>
+                </a:highlight>
+                <a:latin typeface="Consolas" panose="020B0609020204030204" pitchFamily="49" charset="0"/>
+                <a:ea typeface="等线" panose="02010600030101010101" pitchFamily="2" charset="-122"/>
+                <a:cs typeface="Courier New" panose="02070309020205020404" pitchFamily="49" charset="0"/>
+              </a:rPr>
+              <a:t> area</a:t>
+            </a:r>
+            <a:r>
+              <a:rPr lang="en-US" altLang="zh-CN" sz="1800" b="1" kern="0">
+                <a:solidFill>
+                  <a:srgbClr val="000080"/>
+                </a:solidFill>
+                <a:effectLst/>
+                <a:highlight>
+                  <a:srgbClr val="FFFFFF"/>
+                </a:highlight>
+                <a:latin typeface="Consolas" panose="020B0609020204030204" pitchFamily="49" charset="0"/>
+                <a:ea typeface="等线" panose="02010600030101010101" pitchFamily="2" charset="-122"/>
+                <a:cs typeface="Courier New" panose="02070309020205020404" pitchFamily="49" charset="0"/>
+              </a:rPr>
+              <a:t>(</a:t>
+            </a:r>
+            <a:r>
+              <a:rPr lang="en-US" altLang="zh-CN" sz="1800" kern="0">
+                <a:solidFill>
+                  <a:srgbClr val="8000FF"/>
+                </a:solidFill>
+                <a:effectLst/>
+                <a:highlight>
+                  <a:srgbClr val="FFFFFF"/>
+                </a:highlight>
+                <a:latin typeface="Consolas" panose="020B0609020204030204" pitchFamily="49" charset="0"/>
+                <a:ea typeface="等线" panose="02010600030101010101" pitchFamily="2" charset="-122"/>
+                <a:cs typeface="Courier New" panose="02070309020205020404" pitchFamily="49" charset="0"/>
+              </a:rPr>
+              <a:t>double</a:t>
+            </a:r>
+            <a:r>
+              <a:rPr lang="en-US" altLang="zh-CN" sz="1800" kern="0">
+                <a:solidFill>
+                  <a:srgbClr val="000000"/>
+                </a:solidFill>
+                <a:effectLst/>
+                <a:highlight>
+                  <a:srgbClr val="FFFFFF"/>
+                </a:highlight>
+                <a:latin typeface="Consolas" panose="020B0609020204030204" pitchFamily="49" charset="0"/>
+                <a:ea typeface="等线" panose="02010600030101010101" pitchFamily="2" charset="-122"/>
+                <a:cs typeface="Courier New" panose="02070309020205020404" pitchFamily="49" charset="0"/>
+              </a:rPr>
+              <a:t> r</a:t>
+            </a:r>
+            <a:r>
+              <a:rPr lang="en-US" altLang="zh-CN" sz="1800" b="1" kern="0">
+                <a:solidFill>
+                  <a:srgbClr val="000080"/>
+                </a:solidFill>
+                <a:effectLst/>
+                <a:highlight>
+                  <a:srgbClr val="FFFFFF"/>
+                </a:highlight>
+                <a:latin typeface="Consolas" panose="020B0609020204030204" pitchFamily="49" charset="0"/>
+                <a:ea typeface="等线" panose="02010600030101010101" pitchFamily="2" charset="-122"/>
+                <a:cs typeface="Courier New" panose="02070309020205020404" pitchFamily="49" charset="0"/>
+              </a:rPr>
+              <a:t>)</a:t>
+            </a:r>
+            <a:r>
+              <a:rPr lang="en-US" altLang="zh-CN" sz="1800" kern="0">
+                <a:solidFill>
+                  <a:srgbClr val="000000"/>
+                </a:solidFill>
+                <a:effectLst/>
+                <a:highlight>
+                  <a:srgbClr val="FFFFFF"/>
+                </a:highlight>
+                <a:latin typeface="Consolas" panose="020B0609020204030204" pitchFamily="49" charset="0"/>
+                <a:ea typeface="等线" panose="02010600030101010101" pitchFamily="2" charset="-122"/>
+                <a:cs typeface="Courier New" panose="02070309020205020404" pitchFamily="49" charset="0"/>
               </a:rPr>
               <a:t> </a:t>
             </a:r>
-            <a:endParaRPr lang="en-US" b="0">
-              <a:solidFill>
-                <a:srgbClr val="8000FF"/>
-              </a:solidFill>
-              <a:highlight>
-                <a:srgbClr val="FFFFFF"/>
-              </a:highlight>
-              <a:latin typeface="Consolas" panose="020B0609020204030204" charset="0"/>
-              <a:ea typeface="宋体" panose="02010600030101010101" pitchFamily="2" charset="-122"/>
+            <a:r>
+              <a:rPr lang="en-US" altLang="zh-CN" sz="1800" b="1" kern="0">
+                <a:solidFill>
+                  <a:srgbClr val="000080"/>
+                </a:solidFill>
+                <a:effectLst/>
+                <a:highlight>
+                  <a:srgbClr val="FFFFFF"/>
+                </a:highlight>
+                <a:latin typeface="Consolas" panose="020B0609020204030204" pitchFamily="49" charset="0"/>
+                <a:ea typeface="等线" panose="02010600030101010101" pitchFamily="2" charset="-122"/>
+                <a:cs typeface="Courier New" panose="02070309020205020404" pitchFamily="49" charset="0"/>
+              </a:rPr>
+              <a:t>{</a:t>
+            </a:r>
+            <a:endParaRPr lang="zh-CN" altLang="zh-CN" sz="1800" kern="100">
+              <a:effectLst/>
+              <a:latin typeface="等线" panose="02010600030101010101" pitchFamily="2" charset="-122"/>
+              <a:ea typeface="等线" panose="02010600030101010101" pitchFamily="2" charset="-122"/>
+              <a:cs typeface="Times New Roman" panose="02020603050405020304" pitchFamily="18" charset="0"/>
             </a:endParaRPr>
           </a:p>
           <a:p>
-            <a:pPr indent="0"/>
-            <a:r>
-              <a:rPr lang="en-US" b="0">
+            <a:pPr algn="l"/>
+            <a:r>
+              <a:rPr lang="en-US" altLang="zh-CN" sz="1800" kern="0">
+                <a:solidFill>
+                  <a:srgbClr val="000000"/>
+                </a:solidFill>
+                <a:effectLst/>
+                <a:highlight>
+                  <a:srgbClr val="FFFFFF"/>
+                </a:highlight>
+                <a:latin typeface="Consolas" panose="020B0609020204030204" pitchFamily="49" charset="0"/>
+                <a:ea typeface="等线" panose="02010600030101010101" pitchFamily="2" charset="-122"/>
+                <a:cs typeface="Courier New" panose="02070309020205020404" pitchFamily="49" charset="0"/>
+              </a:rPr>
+              <a:t>    </a:t>
+            </a:r>
+            <a:r>
+              <a:rPr lang="en-US" altLang="zh-CN" sz="1800" b="1" kern="0">
+                <a:solidFill>
+                  <a:srgbClr val="0000FF"/>
+                </a:solidFill>
+                <a:effectLst/>
+                <a:highlight>
+                  <a:srgbClr val="FFFFFF"/>
+                </a:highlight>
+                <a:latin typeface="Consolas" panose="020B0609020204030204" pitchFamily="49" charset="0"/>
+                <a:ea typeface="等线" panose="02010600030101010101" pitchFamily="2" charset="-122"/>
+                <a:cs typeface="Courier New" panose="02070309020205020404" pitchFamily="49" charset="0"/>
+              </a:rPr>
+              <a:t>return</a:t>
+            </a:r>
+            <a:r>
+              <a:rPr lang="en-US" altLang="zh-CN" sz="1800" kern="0">
+                <a:solidFill>
+                  <a:srgbClr val="000000"/>
+                </a:solidFill>
+                <a:effectLst/>
+                <a:highlight>
+                  <a:srgbClr val="FFFFFF"/>
+                </a:highlight>
+                <a:latin typeface="Consolas" panose="020B0609020204030204" pitchFamily="49" charset="0"/>
+                <a:ea typeface="等线" panose="02010600030101010101" pitchFamily="2" charset="-122"/>
+                <a:cs typeface="Courier New" panose="02070309020205020404" pitchFamily="49" charset="0"/>
+              </a:rPr>
+              <a:t> PI </a:t>
+            </a:r>
+            <a:r>
+              <a:rPr lang="en-US" altLang="zh-CN" sz="1800" b="1" kern="0">
+                <a:solidFill>
+                  <a:srgbClr val="000080"/>
+                </a:solidFill>
+                <a:effectLst/>
+                <a:highlight>
+                  <a:srgbClr val="FFFFFF"/>
+                </a:highlight>
+                <a:latin typeface="Consolas" panose="020B0609020204030204" pitchFamily="49" charset="0"/>
+                <a:ea typeface="等线" panose="02010600030101010101" pitchFamily="2" charset="-122"/>
+                <a:cs typeface="Courier New" panose="02070309020205020404" pitchFamily="49" charset="0"/>
+              </a:rPr>
+              <a:t>*</a:t>
+            </a:r>
+            <a:r>
+              <a:rPr lang="en-US" altLang="zh-CN" sz="1800" kern="0">
+                <a:solidFill>
+                  <a:srgbClr val="000000"/>
+                </a:solidFill>
+                <a:effectLst/>
+                <a:highlight>
+                  <a:srgbClr val="FFFFFF"/>
+                </a:highlight>
+                <a:latin typeface="Consolas" panose="020B0609020204030204" pitchFamily="49" charset="0"/>
+                <a:ea typeface="等线" panose="02010600030101010101" pitchFamily="2" charset="-122"/>
+                <a:cs typeface="Courier New" panose="02070309020205020404" pitchFamily="49" charset="0"/>
+              </a:rPr>
+              <a:t> r </a:t>
+            </a:r>
+            <a:r>
+              <a:rPr lang="en-US" altLang="zh-CN" sz="1800" b="1" kern="0">
+                <a:solidFill>
+                  <a:srgbClr val="000080"/>
+                </a:solidFill>
+                <a:effectLst/>
+                <a:highlight>
+                  <a:srgbClr val="FFFFFF"/>
+                </a:highlight>
+                <a:latin typeface="Consolas" panose="020B0609020204030204" pitchFamily="49" charset="0"/>
+                <a:ea typeface="等线" panose="02010600030101010101" pitchFamily="2" charset="-122"/>
+                <a:cs typeface="Courier New" panose="02070309020205020404" pitchFamily="49" charset="0"/>
+              </a:rPr>
+              <a:t>*</a:t>
+            </a:r>
+            <a:r>
+              <a:rPr lang="en-US" altLang="zh-CN" sz="1800" kern="0">
+                <a:solidFill>
+                  <a:srgbClr val="000000"/>
+                </a:solidFill>
+                <a:effectLst/>
+                <a:highlight>
+                  <a:srgbClr val="FFFFFF"/>
+                </a:highlight>
+                <a:latin typeface="Consolas" panose="020B0609020204030204" pitchFamily="49" charset="0"/>
+                <a:ea typeface="等线" panose="02010600030101010101" pitchFamily="2" charset="-122"/>
+                <a:cs typeface="Courier New" panose="02070309020205020404" pitchFamily="49" charset="0"/>
+              </a:rPr>
+              <a:t> r</a:t>
+            </a:r>
+            <a:r>
+              <a:rPr lang="en-US" altLang="zh-CN" sz="1800" b="1" kern="0">
+                <a:solidFill>
+                  <a:srgbClr val="000080"/>
+                </a:solidFill>
+                <a:effectLst/>
+                <a:highlight>
+                  <a:srgbClr val="FFFFFF"/>
+                </a:highlight>
+                <a:latin typeface="Consolas" panose="020B0609020204030204" pitchFamily="49" charset="0"/>
+                <a:ea typeface="等线" panose="02010600030101010101" pitchFamily="2" charset="-122"/>
+                <a:cs typeface="Courier New" panose="02070309020205020404" pitchFamily="49" charset="0"/>
+              </a:rPr>
+              <a:t>;</a:t>
+            </a:r>
+            <a:endParaRPr lang="zh-CN" altLang="zh-CN" sz="1800" kern="100">
+              <a:effectLst/>
+              <a:latin typeface="等线" panose="02010600030101010101" pitchFamily="2" charset="-122"/>
+              <a:ea typeface="等线" panose="02010600030101010101" pitchFamily="2" charset="-122"/>
+              <a:cs typeface="Times New Roman" panose="02020603050405020304" pitchFamily="18" charset="0"/>
+            </a:endParaRPr>
+          </a:p>
+          <a:p>
+            <a:pPr algn="l"/>
+            <a:r>
+              <a:rPr lang="en-US" altLang="zh-CN" sz="1800" b="1" kern="0">
+                <a:solidFill>
+                  <a:srgbClr val="000080"/>
+                </a:solidFill>
+                <a:effectLst/>
+                <a:highlight>
+                  <a:srgbClr val="FFFFFF"/>
+                </a:highlight>
+                <a:latin typeface="Consolas" panose="020B0609020204030204" pitchFamily="49" charset="0"/>
+                <a:ea typeface="等线" panose="02010600030101010101" pitchFamily="2" charset="-122"/>
+                <a:cs typeface="Courier New" panose="02070309020205020404" pitchFamily="49" charset="0"/>
+              </a:rPr>
+              <a:t>}</a:t>
+            </a:r>
+            <a:endParaRPr lang="zh-CN" altLang="zh-CN" sz="1800" kern="100">
+              <a:effectLst/>
+              <a:latin typeface="等线" panose="02010600030101010101" pitchFamily="2" charset="-122"/>
+              <a:ea typeface="等线" panose="02010600030101010101" pitchFamily="2" charset="-122"/>
+              <a:cs typeface="Times New Roman" panose="02020603050405020304" pitchFamily="18" charset="0"/>
+            </a:endParaRPr>
+          </a:p>
+          <a:p>
+            <a:pPr algn="l"/>
+            <a:r>
+              <a:rPr lang="en-US" altLang="zh-CN" sz="1800" kern="0">
+                <a:solidFill>
+                  <a:srgbClr val="000000"/>
+                </a:solidFill>
+                <a:effectLst/>
+                <a:highlight>
+                  <a:srgbClr val="FFFFFF"/>
+                </a:highlight>
+                <a:latin typeface="Consolas" panose="020B0609020204030204" pitchFamily="49" charset="0"/>
+                <a:ea typeface="等线" panose="02010600030101010101" pitchFamily="2" charset="-122"/>
+                <a:cs typeface="Courier New" panose="02070309020205020404" pitchFamily="49" charset="0"/>
+              </a:rPr>
+              <a:t> </a:t>
+            </a:r>
+            <a:endParaRPr lang="zh-CN" altLang="zh-CN" sz="1800" kern="100">
+              <a:effectLst/>
+              <a:latin typeface="等线" panose="02010600030101010101" pitchFamily="2" charset="-122"/>
+              <a:ea typeface="等线" panose="02010600030101010101" pitchFamily="2" charset="-122"/>
+              <a:cs typeface="Times New Roman" panose="02020603050405020304" pitchFamily="18" charset="0"/>
+            </a:endParaRPr>
+          </a:p>
+          <a:p>
+            <a:pPr algn="l"/>
+            <a:r>
+              <a:rPr lang="en-US" altLang="zh-CN" sz="1800" kern="0">
                 <a:solidFill>
                   <a:srgbClr val="8000FF"/>
                 </a:solidFill>
-                <a:highlight>
-                  <a:srgbClr val="FFFFFF"/>
-                </a:highlight>
-                <a:latin typeface="Consolas" panose="020B0609020204030204" charset="0"/>
-                <a:ea typeface="宋体" panose="02010600030101010101" pitchFamily="2" charset="-122"/>
+                <a:effectLst/>
+                <a:highlight>
+                  <a:srgbClr val="FFFFFF"/>
+                </a:highlight>
+                <a:latin typeface="Consolas" panose="020B0609020204030204" pitchFamily="49" charset="0"/>
+                <a:ea typeface="等线" panose="02010600030101010101" pitchFamily="2" charset="-122"/>
+                <a:cs typeface="Courier New" panose="02070309020205020404" pitchFamily="49" charset="0"/>
+              </a:rPr>
+              <a:t>int</a:t>
+            </a:r>
+            <a:r>
+              <a:rPr lang="en-US" altLang="zh-CN" sz="1800" kern="0">
+                <a:solidFill>
+                  <a:srgbClr val="000000"/>
+                </a:solidFill>
+                <a:effectLst/>
+                <a:highlight>
+                  <a:srgbClr val="FFFFFF"/>
+                </a:highlight>
+                <a:latin typeface="Consolas" panose="020B0609020204030204" pitchFamily="49" charset="0"/>
+                <a:ea typeface="等线" panose="02010600030101010101" pitchFamily="2" charset="-122"/>
+                <a:cs typeface="Courier New" panose="02070309020205020404" pitchFamily="49" charset="0"/>
+              </a:rPr>
+              <a:t> main</a:t>
+            </a:r>
+            <a:r>
+              <a:rPr lang="en-US" altLang="zh-CN" sz="1800" b="1" kern="0">
+                <a:solidFill>
+                  <a:srgbClr val="000080"/>
+                </a:solidFill>
+                <a:effectLst/>
+                <a:highlight>
+                  <a:srgbClr val="FFFFFF"/>
+                </a:highlight>
+                <a:latin typeface="Consolas" panose="020B0609020204030204" pitchFamily="49" charset="0"/>
+                <a:ea typeface="等线" panose="02010600030101010101" pitchFamily="2" charset="-122"/>
+                <a:cs typeface="Courier New" panose="02070309020205020404" pitchFamily="49" charset="0"/>
+              </a:rPr>
+              <a:t>()</a:t>
+            </a:r>
+            <a:r>
+              <a:rPr lang="en-US" altLang="zh-CN" sz="1800" kern="0">
+                <a:solidFill>
+                  <a:srgbClr val="000000"/>
+                </a:solidFill>
+                <a:effectLst/>
+                <a:highlight>
+                  <a:srgbClr val="FFFFFF"/>
+                </a:highlight>
+                <a:latin typeface="Consolas" panose="020B0609020204030204" pitchFamily="49" charset="0"/>
+                <a:ea typeface="等线" panose="02010600030101010101" pitchFamily="2" charset="-122"/>
+                <a:cs typeface="Courier New" panose="02070309020205020404" pitchFamily="49" charset="0"/>
+              </a:rPr>
+              <a:t> </a:t>
+            </a:r>
+            <a:r>
+              <a:rPr lang="en-US" altLang="zh-CN" sz="1800" b="1" kern="0">
+                <a:solidFill>
+                  <a:srgbClr val="000080"/>
+                </a:solidFill>
+                <a:effectLst/>
+                <a:highlight>
+                  <a:srgbClr val="FFFFFF"/>
+                </a:highlight>
+                <a:latin typeface="Consolas" panose="020B0609020204030204" pitchFamily="49" charset="0"/>
+                <a:ea typeface="等线" panose="02010600030101010101" pitchFamily="2" charset="-122"/>
+                <a:cs typeface="Courier New" panose="02070309020205020404" pitchFamily="49" charset="0"/>
+              </a:rPr>
+              <a:t>{</a:t>
+            </a:r>
+            <a:endParaRPr lang="zh-CN" altLang="zh-CN" sz="1800" kern="100">
+              <a:effectLst/>
+              <a:latin typeface="等线" panose="02010600030101010101" pitchFamily="2" charset="-122"/>
+              <a:ea typeface="等线" panose="02010600030101010101" pitchFamily="2" charset="-122"/>
+              <a:cs typeface="Times New Roman" panose="02020603050405020304" pitchFamily="18" charset="0"/>
+            </a:endParaRPr>
+          </a:p>
+          <a:p>
+            <a:pPr algn="l"/>
+            <a:r>
+              <a:rPr lang="en-US" altLang="zh-CN" sz="1800" kern="0">
+                <a:solidFill>
+                  <a:srgbClr val="000000"/>
+                </a:solidFill>
+                <a:effectLst/>
+                <a:highlight>
+                  <a:srgbClr val="FFFFFF"/>
+                </a:highlight>
+                <a:latin typeface="Consolas" panose="020B0609020204030204" pitchFamily="49" charset="0"/>
+                <a:ea typeface="等线" panose="02010600030101010101" pitchFamily="2" charset="-122"/>
+                <a:cs typeface="Courier New" panose="02070309020205020404" pitchFamily="49" charset="0"/>
+              </a:rPr>
+              <a:t>    </a:t>
+            </a:r>
+            <a:r>
+              <a:rPr lang="en-US" altLang="zh-CN" sz="1800" kern="0">
+                <a:solidFill>
+                  <a:srgbClr val="8000FF"/>
+                </a:solidFill>
+                <a:effectLst/>
+                <a:highlight>
+                  <a:srgbClr val="FFFFFF"/>
+                </a:highlight>
+                <a:latin typeface="Consolas" panose="020B0609020204030204" pitchFamily="49" charset="0"/>
+                <a:ea typeface="等线" panose="02010600030101010101" pitchFamily="2" charset="-122"/>
+                <a:cs typeface="Courier New" panose="02070309020205020404" pitchFamily="49" charset="0"/>
               </a:rPr>
               <a:t>double</a:t>
             </a:r>
             <a:r>
-              <a:rPr lang="en-US" b="0">
+              <a:rPr lang="en-US" altLang="zh-CN" sz="1800" kern="0">
                 <a:solidFill>
                   <a:srgbClr val="000000"/>
                 </a:solidFill>
-                <a:highlight>
-                  <a:srgbClr val="FFFFFF"/>
-                </a:highlight>
-                <a:latin typeface="Consolas" panose="020B0609020204030204" charset="0"/>
-                <a:ea typeface="宋体" panose="02010600030101010101" pitchFamily="2" charset="-122"/>
+                <a:effectLst/>
+                <a:highlight>
+                  <a:srgbClr val="FFFFFF"/>
+                </a:highlight>
+                <a:latin typeface="Consolas" panose="020B0609020204030204" pitchFamily="49" charset="0"/>
+                <a:ea typeface="等线" panose="02010600030101010101" pitchFamily="2" charset="-122"/>
+                <a:cs typeface="Courier New" panose="02070309020205020404" pitchFamily="49" charset="0"/>
+              </a:rPr>
+              <a:t> radius</a:t>
+            </a:r>
+            <a:r>
+              <a:rPr lang="en-US" altLang="zh-CN" sz="1800" b="1" kern="0">
+                <a:solidFill>
+                  <a:srgbClr val="000080"/>
+                </a:solidFill>
+                <a:effectLst/>
+                <a:highlight>
+                  <a:srgbClr val="FFFFFF"/>
+                </a:highlight>
+                <a:latin typeface="Consolas" panose="020B0609020204030204" pitchFamily="49" charset="0"/>
+                <a:ea typeface="等线" panose="02010600030101010101" pitchFamily="2" charset="-122"/>
+                <a:cs typeface="Courier New" panose="02070309020205020404" pitchFamily="49" charset="0"/>
+              </a:rPr>
+              <a:t>;</a:t>
+            </a:r>
+            <a:endParaRPr lang="zh-CN" altLang="zh-CN" sz="1800" kern="100">
+              <a:effectLst/>
+              <a:latin typeface="等线" panose="02010600030101010101" pitchFamily="2" charset="-122"/>
+              <a:ea typeface="等线" panose="02010600030101010101" pitchFamily="2" charset="-122"/>
+              <a:cs typeface="Times New Roman" panose="02020603050405020304" pitchFamily="18" charset="0"/>
+            </a:endParaRPr>
+          </a:p>
+          <a:p>
+            <a:pPr algn="l"/>
+            <a:r>
+              <a:rPr lang="en-US" altLang="zh-CN" sz="1800" kern="0">
+                <a:solidFill>
+                  <a:srgbClr val="000000"/>
+                </a:solidFill>
+                <a:effectLst/>
+                <a:highlight>
+                  <a:srgbClr val="FFFFFF"/>
+                </a:highlight>
+                <a:latin typeface="Consolas" panose="020B0609020204030204" pitchFamily="49" charset="0"/>
+                <a:ea typeface="等线" panose="02010600030101010101" pitchFamily="2" charset="-122"/>
+                <a:cs typeface="Courier New" panose="02070309020205020404" pitchFamily="49" charset="0"/>
+              </a:rPr>
+              <a:t>    cout </a:t>
+            </a:r>
+            <a:r>
+              <a:rPr lang="en-US" altLang="zh-CN" sz="1800" b="1" kern="0">
+                <a:solidFill>
+                  <a:srgbClr val="000080"/>
+                </a:solidFill>
+                <a:effectLst/>
+                <a:highlight>
+                  <a:srgbClr val="FFFFFF"/>
+                </a:highlight>
+                <a:latin typeface="Consolas" panose="020B0609020204030204" pitchFamily="49" charset="0"/>
+                <a:ea typeface="等线" panose="02010600030101010101" pitchFamily="2" charset="-122"/>
+                <a:cs typeface="Courier New" panose="02070309020205020404" pitchFamily="49" charset="0"/>
+              </a:rPr>
+              <a:t>&lt;&lt;</a:t>
+            </a:r>
+            <a:r>
+              <a:rPr lang="en-US" altLang="zh-CN" sz="1800" kern="0">
+                <a:solidFill>
+                  <a:srgbClr val="000000"/>
+                </a:solidFill>
+                <a:effectLst/>
+                <a:highlight>
+                  <a:srgbClr val="FFFFFF"/>
+                </a:highlight>
+                <a:latin typeface="Consolas" panose="020B0609020204030204" pitchFamily="49" charset="0"/>
+                <a:ea typeface="等线" panose="02010600030101010101" pitchFamily="2" charset="-122"/>
+                <a:cs typeface="Courier New" panose="02070309020205020404" pitchFamily="49" charset="0"/>
+              </a:rPr>
+              <a:t> </a:t>
+            </a:r>
+            <a:r>
+              <a:rPr lang="en-US" altLang="zh-CN" sz="1800" kern="0">
+                <a:solidFill>
+                  <a:srgbClr val="808080"/>
+                </a:solidFill>
+                <a:effectLst/>
+                <a:highlight>
+                  <a:srgbClr val="FFFFFF"/>
+                </a:highlight>
+                <a:latin typeface="Consolas" panose="020B0609020204030204" pitchFamily="49" charset="0"/>
+                <a:ea typeface="等线" panose="02010600030101010101" pitchFamily="2" charset="-122"/>
+                <a:cs typeface="Courier New" panose="02070309020205020404" pitchFamily="49" charset="0"/>
+              </a:rPr>
+              <a:t>"Enter radius: "</a:t>
+            </a:r>
+            <a:r>
+              <a:rPr lang="en-US" altLang="zh-CN" sz="1800" b="1" kern="0">
+                <a:solidFill>
+                  <a:srgbClr val="000080"/>
+                </a:solidFill>
+                <a:effectLst/>
+                <a:highlight>
+                  <a:srgbClr val="FFFFFF"/>
+                </a:highlight>
+                <a:latin typeface="Consolas" panose="020B0609020204030204" pitchFamily="49" charset="0"/>
+                <a:ea typeface="等线" panose="02010600030101010101" pitchFamily="2" charset="-122"/>
+                <a:cs typeface="Courier New" panose="02070309020205020404" pitchFamily="49" charset="0"/>
+              </a:rPr>
+              <a:t>;</a:t>
+            </a:r>
+            <a:endParaRPr lang="zh-CN" altLang="zh-CN" sz="1800" kern="100">
+              <a:effectLst/>
+              <a:latin typeface="等线" panose="02010600030101010101" pitchFamily="2" charset="-122"/>
+              <a:ea typeface="等线" panose="02010600030101010101" pitchFamily="2" charset="-122"/>
+              <a:cs typeface="Times New Roman" panose="02020603050405020304" pitchFamily="18" charset="0"/>
+            </a:endParaRPr>
+          </a:p>
+          <a:p>
+            <a:pPr algn="l"/>
+            <a:r>
+              <a:rPr lang="en-US" altLang="zh-CN" sz="1800" kern="0">
+                <a:solidFill>
+                  <a:srgbClr val="000000"/>
+                </a:solidFill>
+                <a:effectLst/>
+                <a:highlight>
+                  <a:srgbClr val="FFFFFF"/>
+                </a:highlight>
+                <a:latin typeface="Consolas" panose="020B0609020204030204" pitchFamily="49" charset="0"/>
+                <a:ea typeface="等线" panose="02010600030101010101" pitchFamily="2" charset="-122"/>
+                <a:cs typeface="Courier New" panose="02070309020205020404" pitchFamily="49" charset="0"/>
+              </a:rPr>
+              <a:t>    cin </a:t>
+            </a:r>
+            <a:r>
+              <a:rPr lang="en-US" altLang="zh-CN" sz="1800" b="1" kern="0">
+                <a:solidFill>
+                  <a:srgbClr val="000080"/>
+                </a:solidFill>
+                <a:effectLst/>
+                <a:highlight>
+                  <a:srgbClr val="FFFFFF"/>
+                </a:highlight>
+                <a:latin typeface="Consolas" panose="020B0609020204030204" pitchFamily="49" charset="0"/>
+                <a:ea typeface="等线" panose="02010600030101010101" pitchFamily="2" charset="-122"/>
+                <a:cs typeface="Courier New" panose="02070309020205020404" pitchFamily="49" charset="0"/>
+              </a:rPr>
+              <a:t>&gt;&gt;</a:t>
+            </a:r>
+            <a:r>
+              <a:rPr lang="en-US" altLang="zh-CN" sz="1800" kern="0">
+                <a:solidFill>
+                  <a:srgbClr val="000000"/>
+                </a:solidFill>
+                <a:effectLst/>
+                <a:highlight>
+                  <a:srgbClr val="FFFFFF"/>
+                </a:highlight>
+                <a:latin typeface="Consolas" panose="020B0609020204030204" pitchFamily="49" charset="0"/>
+                <a:ea typeface="等线" panose="02010600030101010101" pitchFamily="2" charset="-122"/>
+                <a:cs typeface="Courier New" panose="02070309020205020404" pitchFamily="49" charset="0"/>
+              </a:rPr>
+              <a:t> radius</a:t>
+            </a:r>
+            <a:r>
+              <a:rPr lang="en-US" altLang="zh-CN" sz="1800" b="1" kern="0">
+                <a:solidFill>
+                  <a:srgbClr val="000080"/>
+                </a:solidFill>
+                <a:effectLst/>
+                <a:highlight>
+                  <a:srgbClr val="FFFFFF"/>
+                </a:highlight>
+                <a:latin typeface="Consolas" panose="020B0609020204030204" pitchFamily="49" charset="0"/>
+                <a:ea typeface="等线" panose="02010600030101010101" pitchFamily="2" charset="-122"/>
+                <a:cs typeface="Courier New" panose="02070309020205020404" pitchFamily="49" charset="0"/>
+              </a:rPr>
+              <a:t>;</a:t>
+            </a:r>
+            <a:endParaRPr lang="zh-CN" altLang="zh-CN" sz="1800" kern="100">
+              <a:effectLst/>
+              <a:latin typeface="等线" panose="02010600030101010101" pitchFamily="2" charset="-122"/>
+              <a:ea typeface="等线" panose="02010600030101010101" pitchFamily="2" charset="-122"/>
+              <a:cs typeface="Times New Roman" panose="02020603050405020304" pitchFamily="18" charset="0"/>
+            </a:endParaRPr>
+          </a:p>
+          <a:p>
+            <a:pPr algn="l"/>
+            <a:r>
+              <a:rPr lang="en-US" altLang="zh-CN" sz="1800" kern="0">
+                <a:solidFill>
+                  <a:srgbClr val="000000"/>
+                </a:solidFill>
+                <a:effectLst/>
+                <a:highlight>
+                  <a:srgbClr val="FFFFFF"/>
+                </a:highlight>
+                <a:latin typeface="Consolas" panose="020B0609020204030204" pitchFamily="49" charset="0"/>
+                <a:ea typeface="等线" panose="02010600030101010101" pitchFamily="2" charset="-122"/>
+                <a:cs typeface="Courier New" panose="02070309020205020404" pitchFamily="49" charset="0"/>
+              </a:rPr>
+              <a:t>    cout </a:t>
+            </a:r>
+            <a:r>
+              <a:rPr lang="en-US" altLang="zh-CN" sz="1800" b="1" kern="0">
+                <a:solidFill>
+                  <a:srgbClr val="000080"/>
+                </a:solidFill>
+                <a:effectLst/>
+                <a:highlight>
+                  <a:srgbClr val="FFFFFF"/>
+                </a:highlight>
+                <a:latin typeface="Consolas" panose="020B0609020204030204" pitchFamily="49" charset="0"/>
+                <a:ea typeface="等线" panose="02010600030101010101" pitchFamily="2" charset="-122"/>
+                <a:cs typeface="Courier New" panose="02070309020205020404" pitchFamily="49" charset="0"/>
+              </a:rPr>
+              <a:t>&lt;&lt;</a:t>
+            </a:r>
+            <a:r>
+              <a:rPr lang="en-US" altLang="zh-CN" sz="1800" kern="0">
+                <a:solidFill>
+                  <a:srgbClr val="000000"/>
+                </a:solidFill>
+                <a:effectLst/>
+                <a:highlight>
+                  <a:srgbClr val="FFFFFF"/>
+                </a:highlight>
+                <a:latin typeface="Consolas" panose="020B0609020204030204" pitchFamily="49" charset="0"/>
+                <a:ea typeface="等线" panose="02010600030101010101" pitchFamily="2" charset="-122"/>
+                <a:cs typeface="Courier New" panose="02070309020205020404" pitchFamily="49" charset="0"/>
+              </a:rPr>
+              <a:t> </a:t>
+            </a:r>
+            <a:r>
+              <a:rPr lang="en-US" altLang="zh-CN" sz="1800" kern="0">
+                <a:solidFill>
+                  <a:srgbClr val="808080"/>
+                </a:solidFill>
+                <a:effectLst/>
+                <a:highlight>
+                  <a:srgbClr val="FFFFFF"/>
+                </a:highlight>
+                <a:latin typeface="Consolas" panose="020B0609020204030204" pitchFamily="49" charset="0"/>
+                <a:ea typeface="等线" panose="02010600030101010101" pitchFamily="2" charset="-122"/>
+                <a:cs typeface="Courier New" panose="02070309020205020404" pitchFamily="49" charset="0"/>
+              </a:rPr>
+              <a:t>"Perimeter: "</a:t>
+            </a:r>
+            <a:r>
+              <a:rPr lang="en-US" altLang="zh-CN" sz="1800" kern="0">
+                <a:solidFill>
+                  <a:srgbClr val="000000"/>
+                </a:solidFill>
+                <a:effectLst/>
+                <a:highlight>
+                  <a:srgbClr val="FFFFFF"/>
+                </a:highlight>
+                <a:latin typeface="Consolas" panose="020B0609020204030204" pitchFamily="49" charset="0"/>
+                <a:ea typeface="等线" panose="02010600030101010101" pitchFamily="2" charset="-122"/>
+                <a:cs typeface="Courier New" panose="02070309020205020404" pitchFamily="49" charset="0"/>
+              </a:rPr>
+              <a:t> </a:t>
+            </a:r>
+            <a:r>
+              <a:rPr lang="en-US" altLang="zh-CN" sz="1800" b="1" kern="0">
+                <a:solidFill>
+                  <a:srgbClr val="000080"/>
+                </a:solidFill>
+                <a:effectLst/>
+                <a:highlight>
+                  <a:srgbClr val="FFFFFF"/>
+                </a:highlight>
+                <a:latin typeface="Consolas" panose="020B0609020204030204" pitchFamily="49" charset="0"/>
+                <a:ea typeface="等线" panose="02010600030101010101" pitchFamily="2" charset="-122"/>
+                <a:cs typeface="Courier New" panose="02070309020205020404" pitchFamily="49" charset="0"/>
+              </a:rPr>
+              <a:t>&lt;&lt;</a:t>
+            </a:r>
+            <a:r>
+              <a:rPr lang="en-US" altLang="zh-CN" sz="1800" kern="0">
+                <a:solidFill>
+                  <a:srgbClr val="000000"/>
+                </a:solidFill>
+                <a:effectLst/>
+                <a:highlight>
+                  <a:srgbClr val="FFFFFF"/>
+                </a:highlight>
+                <a:latin typeface="Consolas" panose="020B0609020204030204" pitchFamily="49" charset="0"/>
+                <a:ea typeface="等线" panose="02010600030101010101" pitchFamily="2" charset="-122"/>
+                <a:cs typeface="Courier New" panose="02070309020205020404" pitchFamily="49" charset="0"/>
+              </a:rPr>
+              <a:t> perimeter</a:t>
+            </a:r>
+            <a:r>
+              <a:rPr lang="en-US" altLang="zh-CN" sz="1800" b="1" kern="0">
+                <a:solidFill>
+                  <a:srgbClr val="000080"/>
+                </a:solidFill>
+                <a:effectLst/>
+                <a:highlight>
+                  <a:srgbClr val="FFFFFF"/>
+                </a:highlight>
+                <a:latin typeface="Consolas" panose="020B0609020204030204" pitchFamily="49" charset="0"/>
+                <a:ea typeface="等线" panose="02010600030101010101" pitchFamily="2" charset="-122"/>
+                <a:cs typeface="Courier New" panose="02070309020205020404" pitchFamily="49" charset="0"/>
+              </a:rPr>
+              <a:t>(</a:t>
+            </a:r>
+            <a:r>
+              <a:rPr lang="en-US" altLang="zh-CN" sz="1800" kern="0">
+                <a:solidFill>
+                  <a:srgbClr val="000000"/>
+                </a:solidFill>
+                <a:effectLst/>
+                <a:highlight>
+                  <a:srgbClr val="FFFFFF"/>
+                </a:highlight>
+                <a:latin typeface="Consolas" panose="020B0609020204030204" pitchFamily="49" charset="0"/>
+                <a:ea typeface="等线" panose="02010600030101010101" pitchFamily="2" charset="-122"/>
+                <a:cs typeface="Courier New" panose="02070309020205020404" pitchFamily="49" charset="0"/>
+              </a:rPr>
+              <a:t>radius</a:t>
+            </a:r>
+            <a:r>
+              <a:rPr lang="en-US" altLang="zh-CN" sz="1800" b="1" kern="0">
+                <a:solidFill>
+                  <a:srgbClr val="000080"/>
+                </a:solidFill>
+                <a:effectLst/>
+                <a:highlight>
+                  <a:srgbClr val="FFFFFF"/>
+                </a:highlight>
+                <a:latin typeface="Consolas" panose="020B0609020204030204" pitchFamily="49" charset="0"/>
+                <a:ea typeface="等线" panose="02010600030101010101" pitchFamily="2" charset="-122"/>
+                <a:cs typeface="Courier New" panose="02070309020205020404" pitchFamily="49" charset="0"/>
+              </a:rPr>
+              <a:t>)</a:t>
+            </a:r>
+            <a:r>
+              <a:rPr lang="en-US" altLang="zh-CN" sz="1800" kern="0">
+                <a:solidFill>
+                  <a:srgbClr val="000000"/>
+                </a:solidFill>
+                <a:effectLst/>
+                <a:highlight>
+                  <a:srgbClr val="FFFFFF"/>
+                </a:highlight>
+                <a:latin typeface="Consolas" panose="020B0609020204030204" pitchFamily="49" charset="0"/>
+                <a:ea typeface="等线" panose="02010600030101010101" pitchFamily="2" charset="-122"/>
+                <a:cs typeface="Courier New" panose="02070309020205020404" pitchFamily="49" charset="0"/>
+              </a:rPr>
+              <a:t> </a:t>
+            </a:r>
+            <a:r>
+              <a:rPr lang="en-US" altLang="zh-CN" sz="1800" b="1" kern="0">
+                <a:solidFill>
+                  <a:srgbClr val="000080"/>
+                </a:solidFill>
+                <a:effectLst/>
+                <a:highlight>
+                  <a:srgbClr val="FFFFFF"/>
+                </a:highlight>
+                <a:latin typeface="Consolas" panose="020B0609020204030204" pitchFamily="49" charset="0"/>
+                <a:ea typeface="等线" panose="02010600030101010101" pitchFamily="2" charset="-122"/>
+                <a:cs typeface="Courier New" panose="02070309020205020404" pitchFamily="49" charset="0"/>
+              </a:rPr>
+              <a:t>&lt;&lt;</a:t>
+            </a:r>
+            <a:r>
+              <a:rPr lang="en-US" altLang="zh-CN" sz="1800" kern="0">
+                <a:solidFill>
+                  <a:srgbClr val="000000"/>
+                </a:solidFill>
+                <a:effectLst/>
+                <a:highlight>
+                  <a:srgbClr val="FFFFFF"/>
+                </a:highlight>
+                <a:latin typeface="Consolas" panose="020B0609020204030204" pitchFamily="49" charset="0"/>
+                <a:ea typeface="等线" panose="02010600030101010101" pitchFamily="2" charset="-122"/>
+                <a:cs typeface="Courier New" panose="02070309020205020404" pitchFamily="49" charset="0"/>
+              </a:rPr>
+              <a:t> endl</a:t>
+            </a:r>
+            <a:r>
+              <a:rPr lang="en-US" altLang="zh-CN" sz="1800" b="1" kern="0">
+                <a:solidFill>
+                  <a:srgbClr val="000080"/>
+                </a:solidFill>
+                <a:effectLst/>
+                <a:highlight>
+                  <a:srgbClr val="FFFFFF"/>
+                </a:highlight>
+                <a:latin typeface="Consolas" panose="020B0609020204030204" pitchFamily="49" charset="0"/>
+                <a:ea typeface="等线" panose="02010600030101010101" pitchFamily="2" charset="-122"/>
+                <a:cs typeface="Courier New" panose="02070309020205020404" pitchFamily="49" charset="0"/>
+              </a:rPr>
+              <a:t>;</a:t>
+            </a:r>
+            <a:endParaRPr lang="zh-CN" altLang="zh-CN" sz="1800" kern="100">
+              <a:effectLst/>
+              <a:latin typeface="等线" panose="02010600030101010101" pitchFamily="2" charset="-122"/>
+              <a:ea typeface="等线" panose="02010600030101010101" pitchFamily="2" charset="-122"/>
+              <a:cs typeface="Times New Roman" panose="02020603050405020304" pitchFamily="18" charset="0"/>
+            </a:endParaRPr>
+          </a:p>
+          <a:p>
+            <a:pPr algn="l"/>
+            <a:r>
+              <a:rPr lang="en-US" altLang="zh-CN" sz="1800" kern="0">
+                <a:solidFill>
+                  <a:srgbClr val="000000"/>
+                </a:solidFill>
+                <a:effectLst/>
+                <a:highlight>
+                  <a:srgbClr val="FFFFFF"/>
+                </a:highlight>
+                <a:latin typeface="Consolas" panose="020B0609020204030204" pitchFamily="49" charset="0"/>
+                <a:ea typeface="等线" panose="02010600030101010101" pitchFamily="2" charset="-122"/>
+                <a:cs typeface="Courier New" panose="02070309020205020404" pitchFamily="49" charset="0"/>
+              </a:rPr>
+              <a:t>    cout </a:t>
+            </a:r>
+            <a:r>
+              <a:rPr lang="en-US" altLang="zh-CN" sz="1800" b="1" kern="0">
+                <a:solidFill>
+                  <a:srgbClr val="000080"/>
+                </a:solidFill>
+                <a:effectLst/>
+                <a:highlight>
+                  <a:srgbClr val="FFFFFF"/>
+                </a:highlight>
+                <a:latin typeface="Consolas" panose="020B0609020204030204" pitchFamily="49" charset="0"/>
+                <a:ea typeface="等线" panose="02010600030101010101" pitchFamily="2" charset="-122"/>
+                <a:cs typeface="Courier New" panose="02070309020205020404" pitchFamily="49" charset="0"/>
+              </a:rPr>
+              <a:t>&lt;&lt;</a:t>
+            </a:r>
+            <a:r>
+              <a:rPr lang="en-US" altLang="zh-CN" sz="1800" kern="0">
+                <a:solidFill>
+                  <a:srgbClr val="000000"/>
+                </a:solidFill>
+                <a:effectLst/>
+                <a:highlight>
+                  <a:srgbClr val="FFFFFF"/>
+                </a:highlight>
+                <a:latin typeface="Consolas" panose="020B0609020204030204" pitchFamily="49" charset="0"/>
+                <a:ea typeface="等线" panose="02010600030101010101" pitchFamily="2" charset="-122"/>
+                <a:cs typeface="Courier New" panose="02070309020205020404" pitchFamily="49" charset="0"/>
+              </a:rPr>
+              <a:t> </a:t>
+            </a:r>
+            <a:r>
+              <a:rPr lang="en-US" altLang="zh-CN" sz="1800" kern="0">
+                <a:solidFill>
+                  <a:srgbClr val="808080"/>
+                </a:solidFill>
+                <a:effectLst/>
+                <a:highlight>
+                  <a:srgbClr val="FFFFFF"/>
+                </a:highlight>
+                <a:latin typeface="Consolas" panose="020B0609020204030204" pitchFamily="49" charset="0"/>
+                <a:ea typeface="等线" panose="02010600030101010101" pitchFamily="2" charset="-122"/>
+                <a:cs typeface="Courier New" panose="02070309020205020404" pitchFamily="49" charset="0"/>
+              </a:rPr>
+              <a:t>"Area: "</a:t>
+            </a:r>
+            <a:r>
+              <a:rPr lang="en-US" altLang="zh-CN" sz="1800" kern="0">
+                <a:solidFill>
+                  <a:srgbClr val="000000"/>
+                </a:solidFill>
+                <a:effectLst/>
+                <a:highlight>
+                  <a:srgbClr val="FFFFFF"/>
+                </a:highlight>
+                <a:latin typeface="Consolas" panose="020B0609020204030204" pitchFamily="49" charset="0"/>
+                <a:ea typeface="等线" panose="02010600030101010101" pitchFamily="2" charset="-122"/>
+                <a:cs typeface="Courier New" panose="02070309020205020404" pitchFamily="49" charset="0"/>
+              </a:rPr>
+              <a:t> </a:t>
+            </a:r>
+            <a:r>
+              <a:rPr lang="en-US" altLang="zh-CN" sz="1800" b="1" kern="0">
+                <a:solidFill>
+                  <a:srgbClr val="000080"/>
+                </a:solidFill>
+                <a:effectLst/>
+                <a:highlight>
+                  <a:srgbClr val="FFFFFF"/>
+                </a:highlight>
+                <a:latin typeface="Consolas" panose="020B0609020204030204" pitchFamily="49" charset="0"/>
+                <a:ea typeface="等线" panose="02010600030101010101" pitchFamily="2" charset="-122"/>
+                <a:cs typeface="Courier New" panose="02070309020205020404" pitchFamily="49" charset="0"/>
+              </a:rPr>
+              <a:t>&lt;&lt;</a:t>
+            </a:r>
+            <a:r>
+              <a:rPr lang="en-US" altLang="zh-CN" sz="1800" kern="0">
+                <a:solidFill>
+                  <a:srgbClr val="000000"/>
+                </a:solidFill>
+                <a:effectLst/>
+                <a:highlight>
+                  <a:srgbClr val="FFFFFF"/>
+                </a:highlight>
+                <a:latin typeface="Consolas" panose="020B0609020204030204" pitchFamily="49" charset="0"/>
+                <a:ea typeface="等线" panose="02010600030101010101" pitchFamily="2" charset="-122"/>
+                <a:cs typeface="Courier New" panose="02070309020205020404" pitchFamily="49" charset="0"/>
               </a:rPr>
               <a:t> area</a:t>
             </a:r>
             <a:r>
-              <a:rPr lang="en-US" b="1">
+              <a:rPr lang="en-US" altLang="zh-CN" sz="1800" b="1" kern="0">
                 <a:solidFill>
                   <a:srgbClr val="000080"/>
                 </a:solidFill>
-                <a:highlight>
-                  <a:srgbClr val="FFFFFF"/>
-                </a:highlight>
-                <a:latin typeface="Consolas" panose="020B0609020204030204" charset="0"/>
-                <a:ea typeface="宋体" panose="02010600030101010101" pitchFamily="2" charset="-122"/>
+                <a:effectLst/>
+                <a:highlight>
+                  <a:srgbClr val="FFFFFF"/>
+                </a:highlight>
+                <a:latin typeface="Consolas" panose="020B0609020204030204" pitchFamily="49" charset="0"/>
+                <a:ea typeface="等线" panose="02010600030101010101" pitchFamily="2" charset="-122"/>
+                <a:cs typeface="Courier New" panose="02070309020205020404" pitchFamily="49" charset="0"/>
               </a:rPr>
               <a:t>(</a:t>
             </a:r>
             <a:r>
-              <a:rPr lang="en-US" b="0">
-                <a:solidFill>
-                  <a:srgbClr val="8000FF"/>
-                </a:solidFill>
-                <a:highlight>
-                  <a:srgbClr val="FFFFFF"/>
-                </a:highlight>
-                <a:latin typeface="Consolas" panose="020B0609020204030204" charset="0"/>
-                <a:ea typeface="宋体" panose="02010600030101010101" pitchFamily="2" charset="-122"/>
-              </a:rPr>
-              <a:t>double</a:t>
-            </a:r>
-            <a:r>
-              <a:rPr lang="en-US" b="0">
+              <a:rPr lang="en-US" altLang="zh-CN" sz="1800" kern="0">
                 <a:solidFill>
                   <a:srgbClr val="000000"/>
                 </a:solidFill>
-                <a:highlight>
-                  <a:srgbClr val="FFFFFF"/>
-                </a:highlight>
-                <a:latin typeface="Consolas" panose="020B0609020204030204" charset="0"/>
-                <a:ea typeface="宋体" panose="02010600030101010101" pitchFamily="2" charset="-122"/>
-              </a:rPr>
-              <a:t> r</a:t>
-            </a:r>
-            <a:r>
-              <a:rPr lang="en-US" b="1">
+                <a:effectLst/>
+                <a:highlight>
+                  <a:srgbClr val="FFFFFF"/>
+                </a:highlight>
+                <a:latin typeface="Consolas" panose="020B0609020204030204" pitchFamily="49" charset="0"/>
+                <a:ea typeface="等线" panose="02010600030101010101" pitchFamily="2" charset="-122"/>
+                <a:cs typeface="Courier New" panose="02070309020205020404" pitchFamily="49" charset="0"/>
+              </a:rPr>
+              <a:t>radius</a:t>
+            </a:r>
+            <a:r>
+              <a:rPr lang="en-US" altLang="zh-CN" sz="1800" b="1" kern="0">
                 <a:solidFill>
                   <a:srgbClr val="000080"/>
                 </a:solidFill>
-                <a:highlight>
-                  <a:srgbClr val="FFFFFF"/>
-                </a:highlight>
-                <a:latin typeface="Consolas" panose="020B0609020204030204" charset="0"/>
-                <a:ea typeface="宋体" panose="02010600030101010101" pitchFamily="2" charset="-122"/>
+                <a:effectLst/>
+                <a:highlight>
+                  <a:srgbClr val="FFFFFF"/>
+                </a:highlight>
+                <a:latin typeface="Consolas" panose="020B0609020204030204" pitchFamily="49" charset="0"/>
+                <a:ea typeface="等线" panose="02010600030101010101" pitchFamily="2" charset="-122"/>
+                <a:cs typeface="Courier New" panose="02070309020205020404" pitchFamily="49" charset="0"/>
               </a:rPr>
               <a:t>)</a:t>
             </a:r>
             <a:r>
-              <a:rPr lang="en-US" b="0">
+              <a:rPr lang="en-US" altLang="zh-CN" sz="1800" kern="0">
                 <a:solidFill>
                   <a:srgbClr val="000000"/>
                 </a:solidFill>
-                <a:highlight>
-                  <a:srgbClr val="FFFFFF"/>
-                </a:highlight>
-                <a:latin typeface="Consolas" panose="020B0609020204030204" charset="0"/>
-                <a:ea typeface="宋体" panose="02010600030101010101" pitchFamily="2" charset="-122"/>
+                <a:effectLst/>
+                <a:highlight>
+                  <a:srgbClr val="FFFFFF"/>
+                </a:highlight>
+                <a:latin typeface="Consolas" panose="020B0609020204030204" pitchFamily="49" charset="0"/>
+                <a:ea typeface="等线" panose="02010600030101010101" pitchFamily="2" charset="-122"/>
+                <a:cs typeface="Courier New" panose="02070309020205020404" pitchFamily="49" charset="0"/>
               </a:rPr>
               <a:t> </a:t>
             </a:r>
             <a:r>
-              <a:rPr lang="en-US" b="1">
+              <a:rPr lang="en-US" altLang="zh-CN" sz="1800" b="1" kern="0">
                 <a:solidFill>
                   <a:srgbClr val="000080"/>
                 </a:solidFill>
-                <a:highlight>
-                  <a:srgbClr val="FFFFFF"/>
-                </a:highlight>
-                <a:latin typeface="Consolas" panose="020B0609020204030204" charset="0"/>
-                <a:ea typeface="宋体" panose="02010600030101010101" pitchFamily="2" charset="-122"/>
-              </a:rPr>
-              <a:t>{</a:t>
-            </a:r>
-            <a:endParaRPr lang="en-US" b="0">
-              <a:solidFill>
-                <a:srgbClr val="000000"/>
-              </a:solidFill>
-              <a:highlight>
-                <a:srgbClr val="FFFFFF"/>
-              </a:highlight>
-              <a:latin typeface="Consolas" panose="020B0609020204030204" charset="0"/>
-              <a:ea typeface="宋体" panose="02010600030101010101" pitchFamily="2" charset="-122"/>
+                <a:effectLst/>
+                <a:highlight>
+                  <a:srgbClr val="FFFFFF"/>
+                </a:highlight>
+                <a:latin typeface="Consolas" panose="020B0609020204030204" pitchFamily="49" charset="0"/>
+                <a:ea typeface="等线" panose="02010600030101010101" pitchFamily="2" charset="-122"/>
+                <a:cs typeface="Courier New" panose="02070309020205020404" pitchFamily="49" charset="0"/>
+              </a:rPr>
+              <a:t>&lt;&lt;</a:t>
+            </a:r>
+            <a:r>
+              <a:rPr lang="en-US" altLang="zh-CN" sz="1800" kern="0">
+                <a:solidFill>
+                  <a:srgbClr val="000000"/>
+                </a:solidFill>
+                <a:effectLst/>
+                <a:highlight>
+                  <a:srgbClr val="FFFFFF"/>
+                </a:highlight>
+                <a:latin typeface="Consolas" panose="020B0609020204030204" pitchFamily="49" charset="0"/>
+                <a:ea typeface="等线" panose="02010600030101010101" pitchFamily="2" charset="-122"/>
+                <a:cs typeface="Courier New" panose="02070309020205020404" pitchFamily="49" charset="0"/>
+              </a:rPr>
+              <a:t> endl</a:t>
+            </a:r>
+            <a:r>
+              <a:rPr lang="en-US" altLang="zh-CN" sz="1800" b="1" kern="0">
+                <a:solidFill>
+                  <a:srgbClr val="000080"/>
+                </a:solidFill>
+                <a:effectLst/>
+                <a:highlight>
+                  <a:srgbClr val="FFFFFF"/>
+                </a:highlight>
+                <a:latin typeface="Consolas" panose="020B0609020204030204" pitchFamily="49" charset="0"/>
+                <a:ea typeface="等线" panose="02010600030101010101" pitchFamily="2" charset="-122"/>
+                <a:cs typeface="Courier New" panose="02070309020205020404" pitchFamily="49" charset="0"/>
+              </a:rPr>
+              <a:t>;</a:t>
+            </a:r>
+            <a:endParaRPr lang="zh-CN" altLang="zh-CN" sz="1800" kern="100">
+              <a:effectLst/>
+              <a:latin typeface="等线" panose="02010600030101010101" pitchFamily="2" charset="-122"/>
+              <a:ea typeface="等线" panose="02010600030101010101" pitchFamily="2" charset="-122"/>
+              <a:cs typeface="Times New Roman" panose="02020603050405020304" pitchFamily="18" charset="0"/>
             </a:endParaRPr>
           </a:p>
           <a:p>
-            <a:pPr indent="0"/>
-            <a:r>
-              <a:rPr lang="en-US" b="0">
+            <a:pPr algn="l"/>
+            <a:r>
+              <a:rPr lang="en-US" altLang="zh-CN" sz="1800" kern="0">
                 <a:solidFill>
                   <a:srgbClr val="000000"/>
                 </a:solidFill>
-                <a:highlight>
-                  <a:srgbClr val="FFFFFF"/>
-                </a:highlight>
-                <a:latin typeface="Consolas" panose="020B0609020204030204" charset="0"/>
-                <a:ea typeface="宋体" panose="02010600030101010101" pitchFamily="2" charset="-122"/>
+                <a:effectLst/>
+                <a:highlight>
+                  <a:srgbClr val="FFFFFF"/>
+                </a:highlight>
+                <a:latin typeface="Consolas" panose="020B0609020204030204" pitchFamily="49" charset="0"/>
+                <a:ea typeface="等线" panose="02010600030101010101" pitchFamily="2" charset="-122"/>
+                <a:cs typeface="Courier New" panose="02070309020205020404" pitchFamily="49" charset="0"/>
               </a:rPr>
               <a:t>    </a:t>
             </a:r>
             <a:r>
-              <a:rPr lang="en-US" b="1">
+              <a:rPr lang="en-US" altLang="zh-CN" sz="1800" b="1" kern="0">
                 <a:solidFill>
                   <a:srgbClr val="0000FF"/>
                 </a:solidFill>
-                <a:highlight>
-                  <a:srgbClr val="FFFFFF"/>
-                </a:highlight>
-                <a:latin typeface="Consolas" panose="020B0609020204030204" charset="0"/>
-                <a:ea typeface="宋体" panose="02010600030101010101" pitchFamily="2" charset="-122"/>
+                <a:effectLst/>
+                <a:highlight>
+                  <a:srgbClr val="FFFFFF"/>
+                </a:highlight>
+                <a:latin typeface="Consolas" panose="020B0609020204030204" pitchFamily="49" charset="0"/>
+                <a:ea typeface="等线" panose="02010600030101010101" pitchFamily="2" charset="-122"/>
+                <a:cs typeface="Courier New" panose="02070309020205020404" pitchFamily="49" charset="0"/>
               </a:rPr>
               <a:t>return</a:t>
             </a:r>
             <a:r>
-              <a:rPr lang="en-US" b="0">
+              <a:rPr lang="en-US" altLang="zh-CN" sz="1800" kern="0">
                 <a:solidFill>
                   <a:srgbClr val="000000"/>
                 </a:solidFill>
-                <a:highlight>
-                  <a:srgbClr val="FFFFFF"/>
-                </a:highlight>
-                <a:latin typeface="Consolas" panose="020B0609020204030204" charset="0"/>
-                <a:ea typeface="宋体" panose="02010600030101010101" pitchFamily="2" charset="-122"/>
-              </a:rPr>
-              <a:t> PI </a:t>
-            </a:r>
-            <a:r>
-              <a:rPr lang="en-US" b="1">
+                <a:effectLst/>
+                <a:highlight>
+                  <a:srgbClr val="FFFFFF"/>
+                </a:highlight>
+                <a:latin typeface="Consolas" panose="020B0609020204030204" pitchFamily="49" charset="0"/>
+                <a:ea typeface="等线" panose="02010600030101010101" pitchFamily="2" charset="-122"/>
+                <a:cs typeface="Courier New" panose="02070309020205020404" pitchFamily="49" charset="0"/>
+              </a:rPr>
+              <a:t> </a:t>
+            </a:r>
+            <a:r>
+              <a:rPr lang="en-US" altLang="zh-CN" sz="1800" kern="0">
+                <a:solidFill>
+                  <a:srgbClr val="FF8000"/>
+                </a:solidFill>
+                <a:effectLst/>
+                <a:highlight>
+                  <a:srgbClr val="FFFFFF"/>
+                </a:highlight>
+                <a:latin typeface="Consolas" panose="020B0609020204030204" pitchFamily="49" charset="0"/>
+                <a:ea typeface="等线" panose="02010600030101010101" pitchFamily="2" charset="-122"/>
+                <a:cs typeface="Courier New" panose="02070309020205020404" pitchFamily="49" charset="0"/>
+              </a:rPr>
+              <a:t>0</a:t>
+            </a:r>
+            <a:r>
+              <a:rPr lang="en-US" altLang="zh-CN" sz="1800" b="1" kern="0">
                 <a:solidFill>
                   <a:srgbClr val="000080"/>
                 </a:solidFill>
-                <a:highlight>
-                  <a:srgbClr val="FFFFFF"/>
-                </a:highlight>
-                <a:latin typeface="Consolas" panose="020B0609020204030204" charset="0"/>
-                <a:ea typeface="宋体" panose="02010600030101010101" pitchFamily="2" charset="-122"/>
-              </a:rPr>
-              <a:t>*</a:t>
-            </a:r>
-            <a:r>
-              <a:rPr lang="en-US" b="0">
-                <a:solidFill>
-                  <a:srgbClr val="000000"/>
-                </a:solidFill>
-                <a:highlight>
-                  <a:srgbClr val="FFFFFF"/>
-                </a:highlight>
-                <a:latin typeface="Consolas" panose="020B0609020204030204" charset="0"/>
-                <a:ea typeface="宋体" panose="02010600030101010101" pitchFamily="2" charset="-122"/>
-              </a:rPr>
-              <a:t> r </a:t>
-            </a:r>
-            <a:r>
-              <a:rPr lang="en-US" b="1">
+                <a:effectLst/>
+                <a:highlight>
+                  <a:srgbClr val="FFFFFF"/>
+                </a:highlight>
+                <a:latin typeface="Consolas" panose="020B0609020204030204" pitchFamily="49" charset="0"/>
+                <a:ea typeface="等线" panose="02010600030101010101" pitchFamily="2" charset="-122"/>
+                <a:cs typeface="Courier New" panose="02070309020205020404" pitchFamily="49" charset="0"/>
+              </a:rPr>
+              <a:t>;</a:t>
+            </a:r>
+            <a:endParaRPr lang="zh-CN" altLang="zh-CN" sz="1800" kern="100">
+              <a:effectLst/>
+              <a:latin typeface="等线" panose="02010600030101010101" pitchFamily="2" charset="-122"/>
+              <a:ea typeface="等线" panose="02010600030101010101" pitchFamily="2" charset="-122"/>
+              <a:cs typeface="Times New Roman" panose="02020603050405020304" pitchFamily="18" charset="0"/>
+            </a:endParaRPr>
+          </a:p>
+          <a:p>
+            <a:pPr algn="just"/>
+            <a:r>
+              <a:rPr lang="en-US" altLang="zh-CN" sz="1800" b="1" kern="0">
                 <a:solidFill>
                   <a:srgbClr val="000080"/>
                 </a:solidFill>
-                <a:highlight>
-                  <a:srgbClr val="FFFFFF"/>
-                </a:highlight>
-                <a:latin typeface="Consolas" panose="020B0609020204030204" charset="0"/>
-                <a:ea typeface="宋体" panose="02010600030101010101" pitchFamily="2" charset="-122"/>
-              </a:rPr>
-              <a:t>*</a:t>
-            </a:r>
-            <a:r>
-              <a:rPr lang="en-US" b="0">
-                <a:solidFill>
-                  <a:srgbClr val="000000"/>
-                </a:solidFill>
-                <a:highlight>
-                  <a:srgbClr val="FFFFFF"/>
-                </a:highlight>
-                <a:latin typeface="Consolas" panose="020B0609020204030204" charset="0"/>
-                <a:ea typeface="宋体" panose="02010600030101010101" pitchFamily="2" charset="-122"/>
-              </a:rPr>
-              <a:t> r</a:t>
-            </a:r>
-            <a:r>
-              <a:rPr lang="en-US" b="1">
-                <a:solidFill>
-                  <a:srgbClr val="000080"/>
-                </a:solidFill>
-                <a:highlight>
-                  <a:srgbClr val="FFFFFF"/>
-                </a:highlight>
-                <a:latin typeface="Consolas" panose="020B0609020204030204" charset="0"/>
-                <a:ea typeface="宋体" panose="02010600030101010101" pitchFamily="2" charset="-122"/>
-              </a:rPr>
-              <a:t>;</a:t>
-            </a:r>
-          </a:p>
-          <a:p>
-            <a:pPr indent="0"/>
-            <a:r>
-              <a:rPr lang="en-US" b="1">
-                <a:solidFill>
-                  <a:srgbClr val="000080"/>
-                </a:solidFill>
-                <a:highlight>
-                  <a:srgbClr val="FFFFFF"/>
-                </a:highlight>
-                <a:latin typeface="Consolas" panose="020B0609020204030204" charset="0"/>
-                <a:ea typeface="宋体" panose="02010600030101010101" pitchFamily="2" charset="-122"/>
+                <a:effectLst/>
+                <a:highlight>
+                  <a:srgbClr val="FFFFFF"/>
+                </a:highlight>
+                <a:latin typeface="Consolas" panose="020B0609020204030204" pitchFamily="49" charset="0"/>
+                <a:ea typeface="等线" panose="02010600030101010101" pitchFamily="2" charset="-122"/>
+                <a:cs typeface="Courier New" panose="02070309020205020404" pitchFamily="49" charset="0"/>
               </a:rPr>
               <a:t>}</a:t>
             </a:r>
-            <a:endParaRPr lang="en-US" b="0">
-              <a:solidFill>
-                <a:srgbClr val="000000"/>
-              </a:solidFill>
-              <a:highlight>
-                <a:srgbClr val="FFFFFF"/>
-              </a:highlight>
-              <a:latin typeface="Consolas" panose="020B0609020204030204" charset="0"/>
-              <a:ea typeface="宋体" panose="02010600030101010101" pitchFamily="2" charset="-122"/>
-            </a:endParaRPr>
-          </a:p>
-          <a:p>
-            <a:pPr indent="0"/>
-            <a:r>
-              <a:rPr lang="en-US" b="0">
-                <a:solidFill>
-                  <a:srgbClr val="000000"/>
-                </a:solidFill>
-                <a:highlight>
-                  <a:srgbClr val="FFFFFF"/>
-                </a:highlight>
-                <a:latin typeface="Consolas" panose="020B0609020204030204" charset="0"/>
-                <a:ea typeface="宋体" panose="02010600030101010101" pitchFamily="2" charset="-122"/>
-              </a:rPr>
-              <a:t> </a:t>
-            </a:r>
-            <a:endParaRPr lang="en-US" b="0">
-              <a:solidFill>
-                <a:srgbClr val="8000FF"/>
-              </a:solidFill>
-              <a:highlight>
-                <a:srgbClr val="FFFFFF"/>
-              </a:highlight>
-              <a:latin typeface="Consolas" panose="020B0609020204030204" charset="0"/>
-              <a:ea typeface="宋体" panose="02010600030101010101" pitchFamily="2" charset="-122"/>
-            </a:endParaRPr>
-          </a:p>
-          <a:p>
-            <a:pPr indent="0"/>
-            <a:r>
-              <a:rPr lang="en-US" b="0">
-                <a:solidFill>
-                  <a:srgbClr val="8000FF"/>
-                </a:solidFill>
-                <a:highlight>
-                  <a:srgbClr val="FFFFFF"/>
-                </a:highlight>
-                <a:latin typeface="Consolas" panose="020B0609020204030204" charset="0"/>
-                <a:ea typeface="宋体" panose="02010600030101010101" pitchFamily="2" charset="-122"/>
-              </a:rPr>
-              <a:t>int</a:t>
-            </a:r>
-            <a:r>
-              <a:rPr lang="en-US" b="0">
-                <a:solidFill>
-                  <a:srgbClr val="000000"/>
-                </a:solidFill>
-                <a:highlight>
-                  <a:srgbClr val="FFFFFF"/>
-                </a:highlight>
-                <a:latin typeface="Consolas" panose="020B0609020204030204" charset="0"/>
-                <a:ea typeface="宋体" panose="02010600030101010101" pitchFamily="2" charset="-122"/>
-              </a:rPr>
-              <a:t> main</a:t>
-            </a:r>
-            <a:r>
-              <a:rPr lang="en-US" b="1">
-                <a:solidFill>
-                  <a:srgbClr val="000080"/>
-                </a:solidFill>
-                <a:highlight>
-                  <a:srgbClr val="FFFFFF"/>
-                </a:highlight>
-                <a:latin typeface="Consolas" panose="020B0609020204030204" charset="0"/>
-                <a:ea typeface="宋体" panose="02010600030101010101" pitchFamily="2" charset="-122"/>
-              </a:rPr>
-              <a:t>()</a:t>
-            </a:r>
-            <a:r>
-              <a:rPr lang="en-US" b="0">
-                <a:solidFill>
-                  <a:srgbClr val="000000"/>
-                </a:solidFill>
-                <a:highlight>
-                  <a:srgbClr val="FFFFFF"/>
-                </a:highlight>
-                <a:latin typeface="Consolas" panose="020B0609020204030204" charset="0"/>
-                <a:ea typeface="宋体" panose="02010600030101010101" pitchFamily="2" charset="-122"/>
-              </a:rPr>
-              <a:t> </a:t>
-            </a:r>
-            <a:r>
-              <a:rPr lang="en-US" b="1">
-                <a:solidFill>
-                  <a:srgbClr val="000080"/>
-                </a:solidFill>
-                <a:highlight>
-                  <a:srgbClr val="FFFFFF"/>
-                </a:highlight>
-                <a:latin typeface="Consolas" panose="020B0609020204030204" charset="0"/>
-                <a:ea typeface="宋体" panose="02010600030101010101" pitchFamily="2" charset="-122"/>
-              </a:rPr>
-              <a:t>{</a:t>
-            </a:r>
-            <a:endParaRPr lang="en-US" b="0">
-              <a:solidFill>
-                <a:srgbClr val="000000"/>
-              </a:solidFill>
-              <a:highlight>
-                <a:srgbClr val="FFFFFF"/>
-              </a:highlight>
-              <a:latin typeface="Consolas" panose="020B0609020204030204" charset="0"/>
-              <a:ea typeface="宋体" panose="02010600030101010101" pitchFamily="2" charset="-122"/>
-            </a:endParaRPr>
-          </a:p>
-          <a:p>
-            <a:pPr indent="0"/>
-            <a:r>
-              <a:rPr lang="en-US" b="0">
-                <a:solidFill>
-                  <a:srgbClr val="000000"/>
-                </a:solidFill>
-                <a:highlight>
-                  <a:srgbClr val="FFFFFF"/>
-                </a:highlight>
-                <a:latin typeface="Consolas" panose="020B0609020204030204" charset="0"/>
-                <a:ea typeface="宋体" panose="02010600030101010101" pitchFamily="2" charset="-122"/>
-              </a:rPr>
-              <a:t>    </a:t>
-            </a:r>
-            <a:r>
-              <a:rPr lang="en-US" b="0">
-                <a:solidFill>
-                  <a:srgbClr val="8000FF"/>
-                </a:solidFill>
-                <a:highlight>
-                  <a:srgbClr val="FFFFFF"/>
-                </a:highlight>
-                <a:latin typeface="Consolas" panose="020B0609020204030204" charset="0"/>
-                <a:ea typeface="宋体" panose="02010600030101010101" pitchFamily="2" charset="-122"/>
-              </a:rPr>
-              <a:t>double</a:t>
-            </a:r>
-            <a:r>
-              <a:rPr lang="en-US" b="0">
-                <a:solidFill>
-                  <a:srgbClr val="000000"/>
-                </a:solidFill>
-                <a:highlight>
-                  <a:srgbClr val="FFFFFF"/>
-                </a:highlight>
-                <a:latin typeface="Consolas" panose="020B0609020204030204" charset="0"/>
-                <a:ea typeface="宋体" panose="02010600030101010101" pitchFamily="2" charset="-122"/>
-              </a:rPr>
-              <a:t> radius</a:t>
-            </a:r>
-            <a:r>
-              <a:rPr lang="en-US" b="1">
-                <a:solidFill>
-                  <a:srgbClr val="000080"/>
-                </a:solidFill>
-                <a:highlight>
-                  <a:srgbClr val="FFFFFF"/>
-                </a:highlight>
-                <a:latin typeface="Consolas" panose="020B0609020204030204" charset="0"/>
-                <a:ea typeface="宋体" panose="02010600030101010101" pitchFamily="2" charset="-122"/>
-              </a:rPr>
-              <a:t>;</a:t>
-            </a:r>
-            <a:endParaRPr lang="en-US" b="0">
-              <a:solidFill>
-                <a:srgbClr val="000000"/>
-              </a:solidFill>
-              <a:highlight>
-                <a:srgbClr val="FFFFFF"/>
-              </a:highlight>
-              <a:latin typeface="Consolas" panose="020B0609020204030204" charset="0"/>
-              <a:ea typeface="宋体" panose="02010600030101010101" pitchFamily="2" charset="-122"/>
-            </a:endParaRPr>
-          </a:p>
-          <a:p>
-            <a:pPr indent="0"/>
-            <a:r>
-              <a:rPr lang="en-US" b="0">
-                <a:solidFill>
-                  <a:srgbClr val="000000"/>
-                </a:solidFill>
-                <a:highlight>
-                  <a:srgbClr val="FFFFFF"/>
-                </a:highlight>
-                <a:latin typeface="Consolas" panose="020B0609020204030204" charset="0"/>
-                <a:ea typeface="宋体" panose="02010600030101010101" pitchFamily="2" charset="-122"/>
-              </a:rPr>
-              <a:t>    printf</a:t>
-            </a:r>
-            <a:r>
-              <a:rPr lang="en-US" b="1">
-                <a:solidFill>
-                  <a:srgbClr val="000080"/>
-                </a:solidFill>
-                <a:highlight>
-                  <a:srgbClr val="FFFFFF"/>
-                </a:highlight>
-                <a:latin typeface="Consolas" panose="020B0609020204030204" charset="0"/>
-                <a:ea typeface="宋体" panose="02010600030101010101" pitchFamily="2" charset="-122"/>
-              </a:rPr>
-              <a:t>(</a:t>
-            </a:r>
-            <a:r>
-              <a:rPr lang="en-US" b="0">
-                <a:solidFill>
-                  <a:srgbClr val="808080"/>
-                </a:solidFill>
-                <a:highlight>
-                  <a:srgbClr val="FFFFFF"/>
-                </a:highlight>
-                <a:latin typeface="Consolas" panose="020B0609020204030204" charset="0"/>
-                <a:ea typeface="宋体" panose="02010600030101010101" pitchFamily="2" charset="-122"/>
-              </a:rPr>
-              <a:t>"Enter radius: "</a:t>
-            </a:r>
-            <a:r>
-              <a:rPr lang="en-US" b="1">
-                <a:solidFill>
-                  <a:srgbClr val="000080"/>
-                </a:solidFill>
-                <a:highlight>
-                  <a:srgbClr val="FFFFFF"/>
-                </a:highlight>
-                <a:latin typeface="Consolas" panose="020B0609020204030204" charset="0"/>
-                <a:ea typeface="宋体" panose="02010600030101010101" pitchFamily="2" charset="-122"/>
-              </a:rPr>
-              <a:t>);</a:t>
-            </a:r>
-            <a:endParaRPr lang="en-US" b="0">
-              <a:solidFill>
-                <a:srgbClr val="000000"/>
-              </a:solidFill>
-              <a:highlight>
-                <a:srgbClr val="FFFFFF"/>
-              </a:highlight>
-              <a:latin typeface="Consolas" panose="020B0609020204030204" charset="0"/>
-              <a:ea typeface="宋体" panose="02010600030101010101" pitchFamily="2" charset="-122"/>
-            </a:endParaRPr>
-          </a:p>
-          <a:p>
-            <a:pPr indent="0"/>
-            <a:r>
-              <a:rPr lang="en-US" b="0">
-                <a:solidFill>
-                  <a:srgbClr val="000000"/>
-                </a:solidFill>
-                <a:highlight>
-                  <a:srgbClr val="FFFFFF"/>
-                </a:highlight>
-                <a:latin typeface="Consolas" panose="020B0609020204030204" charset="0"/>
-                <a:ea typeface="宋体" panose="02010600030101010101" pitchFamily="2" charset="-122"/>
-              </a:rPr>
-              <a:t>    scanf</a:t>
-            </a:r>
-            <a:r>
-              <a:rPr lang="en-US" b="1">
-                <a:solidFill>
-                  <a:srgbClr val="000080"/>
-                </a:solidFill>
-                <a:highlight>
-                  <a:srgbClr val="FFFFFF"/>
-                </a:highlight>
-                <a:latin typeface="Consolas" panose="020B0609020204030204" charset="0"/>
-                <a:ea typeface="宋体" panose="02010600030101010101" pitchFamily="2" charset="-122"/>
-              </a:rPr>
-              <a:t>(</a:t>
-            </a:r>
-            <a:r>
-              <a:rPr lang="en-US" b="0">
-                <a:solidFill>
-                  <a:srgbClr val="808080"/>
-                </a:solidFill>
-                <a:highlight>
-                  <a:srgbClr val="FFFFFF"/>
-                </a:highlight>
-                <a:latin typeface="Consolas" panose="020B0609020204030204" charset="0"/>
-                <a:ea typeface="宋体" panose="02010600030101010101" pitchFamily="2" charset="-122"/>
-              </a:rPr>
-              <a:t>"%lf"</a:t>
-            </a:r>
-            <a:r>
-              <a:rPr lang="en-US" b="1">
-                <a:solidFill>
-                  <a:srgbClr val="000080"/>
-                </a:solidFill>
-                <a:highlight>
-                  <a:srgbClr val="FFFFFF"/>
-                </a:highlight>
-                <a:latin typeface="Consolas" panose="020B0609020204030204" charset="0"/>
-                <a:ea typeface="宋体" panose="02010600030101010101" pitchFamily="2" charset="-122"/>
-              </a:rPr>
-              <a:t>,</a:t>
-            </a:r>
-            <a:r>
-              <a:rPr lang="en-US" b="0">
-                <a:solidFill>
-                  <a:srgbClr val="000000"/>
-                </a:solidFill>
-                <a:highlight>
-                  <a:srgbClr val="FFFFFF"/>
-                </a:highlight>
-                <a:latin typeface="Consolas" panose="020B0609020204030204" charset="0"/>
-                <a:ea typeface="宋体" panose="02010600030101010101" pitchFamily="2" charset="-122"/>
-              </a:rPr>
-              <a:t> </a:t>
-            </a:r>
-            <a:r>
-              <a:rPr lang="en-US" b="1">
-                <a:solidFill>
-                  <a:srgbClr val="000080"/>
-                </a:solidFill>
-                <a:highlight>
-                  <a:srgbClr val="FFFFFF"/>
-                </a:highlight>
-                <a:latin typeface="Consolas" panose="020B0609020204030204" charset="0"/>
-                <a:ea typeface="宋体" panose="02010600030101010101" pitchFamily="2" charset="-122"/>
-              </a:rPr>
-              <a:t>&amp;</a:t>
-            </a:r>
-            <a:r>
-              <a:rPr lang="en-US" b="0">
-                <a:solidFill>
-                  <a:srgbClr val="000000"/>
-                </a:solidFill>
-                <a:highlight>
-                  <a:srgbClr val="FFFFFF"/>
-                </a:highlight>
-                <a:latin typeface="Consolas" panose="020B0609020204030204" charset="0"/>
-                <a:ea typeface="宋体" panose="02010600030101010101" pitchFamily="2" charset="-122"/>
-              </a:rPr>
-              <a:t>radius</a:t>
-            </a:r>
-            <a:r>
-              <a:rPr lang="en-US" b="1">
-                <a:solidFill>
-                  <a:srgbClr val="000080"/>
-                </a:solidFill>
-                <a:highlight>
-                  <a:srgbClr val="FFFFFF"/>
-                </a:highlight>
-                <a:latin typeface="Consolas" panose="020B0609020204030204" charset="0"/>
-                <a:ea typeface="宋体" panose="02010600030101010101" pitchFamily="2" charset="-122"/>
-              </a:rPr>
-              <a:t>);</a:t>
-            </a:r>
-            <a:endParaRPr lang="en-US" b="0">
-              <a:solidFill>
-                <a:srgbClr val="000000"/>
-              </a:solidFill>
-              <a:highlight>
-                <a:srgbClr val="FFFFFF"/>
-              </a:highlight>
-              <a:latin typeface="Consolas" panose="020B0609020204030204" charset="0"/>
-              <a:ea typeface="宋体" panose="02010600030101010101" pitchFamily="2" charset="-122"/>
-            </a:endParaRPr>
-          </a:p>
-          <a:p>
-            <a:pPr indent="0"/>
-            <a:r>
-              <a:rPr lang="en-US" b="0">
-                <a:solidFill>
-                  <a:srgbClr val="000000"/>
-                </a:solidFill>
-                <a:highlight>
-                  <a:srgbClr val="FFFFFF"/>
-                </a:highlight>
-                <a:latin typeface="Consolas" panose="020B0609020204030204" charset="0"/>
-                <a:ea typeface="宋体" panose="02010600030101010101" pitchFamily="2" charset="-122"/>
-              </a:rPr>
-              <a:t> </a:t>
-            </a:r>
-          </a:p>
-          <a:p>
-            <a:pPr indent="0"/>
-            <a:r>
-              <a:rPr lang="en-US" b="0">
-                <a:solidFill>
-                  <a:srgbClr val="000000"/>
-                </a:solidFill>
-                <a:highlight>
-                  <a:srgbClr val="FFFFFF"/>
-                </a:highlight>
-                <a:latin typeface="Consolas" panose="020B0609020204030204" charset="0"/>
-                <a:ea typeface="宋体" panose="02010600030101010101" pitchFamily="2" charset="-122"/>
-              </a:rPr>
-              <a:t>    printf</a:t>
-            </a:r>
-            <a:r>
-              <a:rPr lang="en-US" b="1">
-                <a:solidFill>
-                  <a:srgbClr val="000080"/>
-                </a:solidFill>
-                <a:highlight>
-                  <a:srgbClr val="FFFFFF"/>
-                </a:highlight>
-                <a:latin typeface="Consolas" panose="020B0609020204030204" charset="0"/>
-                <a:ea typeface="宋体" panose="02010600030101010101" pitchFamily="2" charset="-122"/>
-              </a:rPr>
-              <a:t>(</a:t>
-            </a:r>
-            <a:r>
-              <a:rPr lang="en-US" b="0">
-                <a:solidFill>
-                  <a:srgbClr val="808080"/>
-                </a:solidFill>
-                <a:highlight>
-                  <a:srgbClr val="FFFFFF"/>
-                </a:highlight>
-                <a:latin typeface="Consolas" panose="020B0609020204030204" charset="0"/>
-                <a:ea typeface="宋体" panose="02010600030101010101" pitchFamily="2" charset="-122"/>
-              </a:rPr>
-              <a:t>"Perimeter: %.2f\n"</a:t>
-            </a:r>
-            <a:r>
-              <a:rPr lang="en-US" b="1">
-                <a:solidFill>
-                  <a:srgbClr val="000080"/>
-                </a:solidFill>
-                <a:highlight>
-                  <a:srgbClr val="FFFFFF"/>
-                </a:highlight>
-                <a:latin typeface="Consolas" panose="020B0609020204030204" charset="0"/>
-                <a:ea typeface="宋体" panose="02010600030101010101" pitchFamily="2" charset="-122"/>
-              </a:rPr>
-              <a:t>,</a:t>
-            </a:r>
-            <a:r>
-              <a:rPr lang="en-US" b="0">
-                <a:solidFill>
-                  <a:srgbClr val="000000"/>
-                </a:solidFill>
-                <a:highlight>
-                  <a:srgbClr val="FFFFFF"/>
-                </a:highlight>
-                <a:latin typeface="Consolas" panose="020B0609020204030204" charset="0"/>
-                <a:ea typeface="宋体" panose="02010600030101010101" pitchFamily="2" charset="-122"/>
-              </a:rPr>
-              <a:t> perimeter</a:t>
-            </a:r>
-            <a:r>
-              <a:rPr lang="en-US" b="1">
-                <a:solidFill>
-                  <a:srgbClr val="000080"/>
-                </a:solidFill>
-                <a:highlight>
-                  <a:srgbClr val="FFFFFF"/>
-                </a:highlight>
-                <a:latin typeface="Consolas" panose="020B0609020204030204" charset="0"/>
-                <a:ea typeface="宋体" panose="02010600030101010101" pitchFamily="2" charset="-122"/>
-              </a:rPr>
-              <a:t>(</a:t>
-            </a:r>
-            <a:r>
-              <a:rPr lang="en-US" b="0">
-                <a:solidFill>
-                  <a:srgbClr val="000000"/>
-                </a:solidFill>
-                <a:highlight>
-                  <a:srgbClr val="FFFFFF"/>
-                </a:highlight>
-                <a:latin typeface="Consolas" panose="020B0609020204030204" charset="0"/>
-                <a:ea typeface="宋体" panose="02010600030101010101" pitchFamily="2" charset="-122"/>
-              </a:rPr>
-              <a:t>radius</a:t>
-            </a:r>
-            <a:r>
-              <a:rPr lang="en-US" b="1">
-                <a:solidFill>
-                  <a:srgbClr val="000080"/>
-                </a:solidFill>
-                <a:highlight>
-                  <a:srgbClr val="FFFFFF"/>
-                </a:highlight>
-                <a:latin typeface="Consolas" panose="020B0609020204030204" charset="0"/>
-                <a:ea typeface="宋体" panose="02010600030101010101" pitchFamily="2" charset="-122"/>
-              </a:rPr>
-              <a:t>));</a:t>
-            </a:r>
-            <a:endParaRPr lang="en-US" b="0">
-              <a:solidFill>
-                <a:srgbClr val="000000"/>
-              </a:solidFill>
-              <a:highlight>
-                <a:srgbClr val="FFFFFF"/>
-              </a:highlight>
-              <a:latin typeface="Consolas" panose="020B0609020204030204" charset="0"/>
-              <a:ea typeface="宋体" panose="02010600030101010101" pitchFamily="2" charset="-122"/>
-            </a:endParaRPr>
-          </a:p>
-          <a:p>
-            <a:pPr indent="0"/>
-            <a:r>
-              <a:rPr lang="en-US" b="0">
-                <a:solidFill>
-                  <a:srgbClr val="000000"/>
-                </a:solidFill>
-                <a:highlight>
-                  <a:srgbClr val="FFFFFF"/>
-                </a:highlight>
-                <a:latin typeface="Consolas" panose="020B0609020204030204" charset="0"/>
-                <a:ea typeface="宋体" panose="02010600030101010101" pitchFamily="2" charset="-122"/>
-              </a:rPr>
-              <a:t>    printf</a:t>
-            </a:r>
-            <a:r>
-              <a:rPr lang="en-US" b="1">
-                <a:solidFill>
-                  <a:srgbClr val="000080"/>
-                </a:solidFill>
-                <a:highlight>
-                  <a:srgbClr val="FFFFFF"/>
-                </a:highlight>
-                <a:latin typeface="Consolas" panose="020B0609020204030204" charset="0"/>
-                <a:ea typeface="宋体" panose="02010600030101010101" pitchFamily="2" charset="-122"/>
-              </a:rPr>
-              <a:t>(</a:t>
-            </a:r>
-            <a:r>
-              <a:rPr lang="en-US" b="0">
-                <a:solidFill>
-                  <a:srgbClr val="808080"/>
-                </a:solidFill>
-                <a:highlight>
-                  <a:srgbClr val="FFFFFF"/>
-                </a:highlight>
-                <a:latin typeface="Consolas" panose="020B0609020204030204" charset="0"/>
-                <a:ea typeface="宋体" panose="02010600030101010101" pitchFamily="2" charset="-122"/>
-              </a:rPr>
-              <a:t>"Area: %.2f\n"</a:t>
-            </a:r>
-            <a:r>
-              <a:rPr lang="en-US" b="1">
-                <a:solidFill>
-                  <a:srgbClr val="000080"/>
-                </a:solidFill>
-                <a:highlight>
-                  <a:srgbClr val="FFFFFF"/>
-                </a:highlight>
-                <a:latin typeface="Consolas" panose="020B0609020204030204" charset="0"/>
-                <a:ea typeface="宋体" panose="02010600030101010101" pitchFamily="2" charset="-122"/>
-              </a:rPr>
-              <a:t>,</a:t>
-            </a:r>
-            <a:r>
-              <a:rPr lang="en-US" b="0">
-                <a:solidFill>
-                  <a:srgbClr val="000000"/>
-                </a:solidFill>
-                <a:highlight>
-                  <a:srgbClr val="FFFFFF"/>
-                </a:highlight>
-                <a:latin typeface="Consolas" panose="020B0609020204030204" charset="0"/>
-                <a:ea typeface="宋体" panose="02010600030101010101" pitchFamily="2" charset="-122"/>
-              </a:rPr>
-              <a:t> area</a:t>
-            </a:r>
-            <a:r>
-              <a:rPr lang="en-US" b="1">
-                <a:solidFill>
-                  <a:srgbClr val="000080"/>
-                </a:solidFill>
-                <a:highlight>
-                  <a:srgbClr val="FFFFFF"/>
-                </a:highlight>
-                <a:latin typeface="Consolas" panose="020B0609020204030204" charset="0"/>
-                <a:ea typeface="宋体" panose="02010600030101010101" pitchFamily="2" charset="-122"/>
-              </a:rPr>
-              <a:t>(</a:t>
-            </a:r>
-            <a:r>
-              <a:rPr lang="en-US" b="0">
-                <a:solidFill>
-                  <a:srgbClr val="000000"/>
-                </a:solidFill>
-                <a:highlight>
-                  <a:srgbClr val="FFFFFF"/>
-                </a:highlight>
-                <a:latin typeface="Consolas" panose="020B0609020204030204" charset="0"/>
-                <a:ea typeface="宋体" panose="02010600030101010101" pitchFamily="2" charset="-122"/>
-              </a:rPr>
-              <a:t>radius</a:t>
-            </a:r>
-            <a:r>
-              <a:rPr lang="en-US" b="1">
-                <a:solidFill>
-                  <a:srgbClr val="000080"/>
-                </a:solidFill>
-                <a:highlight>
-                  <a:srgbClr val="FFFFFF"/>
-                </a:highlight>
-                <a:latin typeface="Consolas" panose="020B0609020204030204" charset="0"/>
-                <a:ea typeface="宋体" panose="02010600030101010101" pitchFamily="2" charset="-122"/>
-              </a:rPr>
-              <a:t>));</a:t>
-            </a:r>
-            <a:endParaRPr lang="en-US" b="0">
-              <a:solidFill>
-                <a:srgbClr val="000000"/>
-              </a:solidFill>
-              <a:highlight>
-                <a:srgbClr val="FFFFFF"/>
-              </a:highlight>
-              <a:latin typeface="Consolas" panose="020B0609020204030204" charset="0"/>
-              <a:ea typeface="宋体" panose="02010600030101010101" pitchFamily="2" charset="-122"/>
-            </a:endParaRPr>
-          </a:p>
-          <a:p>
-            <a:pPr indent="0"/>
-            <a:r>
-              <a:rPr lang="en-US" b="0">
-                <a:solidFill>
-                  <a:srgbClr val="000000"/>
-                </a:solidFill>
-                <a:highlight>
-                  <a:srgbClr val="FFFFFF"/>
-                </a:highlight>
-                <a:latin typeface="Consolas" panose="020B0609020204030204" charset="0"/>
-                <a:ea typeface="宋体" panose="02010600030101010101" pitchFamily="2" charset="-122"/>
-              </a:rPr>
-              <a:t> </a:t>
-            </a:r>
-          </a:p>
-          <a:p>
-            <a:pPr indent="0"/>
-            <a:r>
-              <a:rPr lang="en-US" b="0">
-                <a:solidFill>
-                  <a:srgbClr val="000000"/>
-                </a:solidFill>
-                <a:highlight>
-                  <a:srgbClr val="FFFFFF"/>
-                </a:highlight>
-                <a:latin typeface="Consolas" panose="020B0609020204030204" charset="0"/>
-                <a:ea typeface="宋体" panose="02010600030101010101" pitchFamily="2" charset="-122"/>
-              </a:rPr>
-              <a:t>    </a:t>
-            </a:r>
-            <a:r>
-              <a:rPr lang="en-US" b="1">
-                <a:solidFill>
-                  <a:srgbClr val="0000FF"/>
-                </a:solidFill>
-                <a:highlight>
-                  <a:srgbClr val="FFFFFF"/>
-                </a:highlight>
-                <a:latin typeface="Consolas" panose="020B0609020204030204" charset="0"/>
-                <a:ea typeface="宋体" panose="02010600030101010101" pitchFamily="2" charset="-122"/>
-              </a:rPr>
-              <a:t>return</a:t>
-            </a:r>
-            <a:r>
-              <a:rPr lang="en-US" b="0">
-                <a:solidFill>
-                  <a:srgbClr val="000000"/>
-                </a:solidFill>
-                <a:highlight>
-                  <a:srgbClr val="FFFFFF"/>
-                </a:highlight>
-                <a:latin typeface="Consolas" panose="020B0609020204030204" charset="0"/>
-                <a:ea typeface="宋体" panose="02010600030101010101" pitchFamily="2" charset="-122"/>
-              </a:rPr>
-              <a:t> </a:t>
-            </a:r>
-            <a:r>
-              <a:rPr lang="en-US" b="0">
-                <a:solidFill>
-                  <a:srgbClr val="FF8000"/>
-                </a:solidFill>
-                <a:highlight>
-                  <a:srgbClr val="FFFFFF"/>
-                </a:highlight>
-                <a:latin typeface="Consolas" panose="020B0609020204030204" charset="0"/>
-                <a:ea typeface="宋体" panose="02010600030101010101" pitchFamily="2" charset="-122"/>
-              </a:rPr>
-              <a:t>0</a:t>
-            </a:r>
-            <a:r>
-              <a:rPr lang="en-US" b="1">
-                <a:solidFill>
-                  <a:srgbClr val="000080"/>
-                </a:solidFill>
-                <a:highlight>
-                  <a:srgbClr val="FFFFFF"/>
-                </a:highlight>
-                <a:latin typeface="Consolas" panose="020B0609020204030204" charset="0"/>
-                <a:ea typeface="宋体" panose="02010600030101010101" pitchFamily="2" charset="-122"/>
-              </a:rPr>
-              <a:t>;</a:t>
-            </a:r>
-          </a:p>
-          <a:p>
-            <a:pPr indent="0"/>
-            <a:r>
-              <a:rPr lang="en-US" b="1">
-                <a:solidFill>
-                  <a:srgbClr val="000080"/>
-                </a:solidFill>
-                <a:highlight>
-                  <a:srgbClr val="FFFFFF"/>
-                </a:highlight>
-                <a:latin typeface="Consolas" panose="020B0609020204030204" charset="0"/>
-                <a:ea typeface="宋体" panose="02010600030101010101" pitchFamily="2" charset="-122"/>
-              </a:rPr>
-              <a:t>}</a:t>
-            </a:r>
-            <a:endParaRPr lang="en-US" altLang="en-US" b="1">
-              <a:solidFill>
-                <a:srgbClr val="000080"/>
-              </a:solidFill>
-              <a:highlight>
-                <a:srgbClr val="FFFFFF"/>
-              </a:highlight>
-              <a:latin typeface="Consolas" panose="020B0609020204030204" charset="0"/>
-              <a:ea typeface="宋体" panose="02010600030101010101" pitchFamily="2" charset="-122"/>
+            <a:endParaRPr lang="zh-CN" altLang="zh-CN" sz="1800" kern="100">
+              <a:effectLst/>
+              <a:latin typeface="等线" panose="02010600030101010101" pitchFamily="2" charset="-122"/>
+              <a:ea typeface="等线" panose="02010600030101010101" pitchFamily="2" charset="-122"/>
+              <a:cs typeface="Times New Roman" panose="02020603050405020304" pitchFamily="18" charset="0"/>
             </a:endParaRPr>
           </a:p>
         </p:txBody>
@@ -25231,539 +26322,576 @@
             </a:endParaRPr>
           </a:p>
           <a:p>
-            <a:pPr indent="0"/>
-            <a:r>
-              <a:rPr lang="en-US" b="0">
+            <a:pPr algn="l"/>
+            <a:r>
+              <a:rPr lang="en-US" altLang="zh-CN" sz="1800" kern="0">
                 <a:solidFill>
                   <a:srgbClr val="8000FF"/>
                 </a:solidFill>
-                <a:highlight>
-                  <a:srgbClr val="FFFFFF"/>
-                </a:highlight>
-                <a:latin typeface="Consolas" panose="020B0609020204030204" charset="0"/>
-                <a:ea typeface="宋体" panose="02010600030101010101" pitchFamily="2" charset="-122"/>
+                <a:effectLst/>
+                <a:highlight>
+                  <a:srgbClr val="FFFFFF"/>
+                </a:highlight>
+                <a:latin typeface="Consolas" panose="020B0609020204030204" pitchFamily="49" charset="0"/>
+                <a:ea typeface="等线" panose="02010600030101010101" pitchFamily="2" charset="-122"/>
+                <a:cs typeface="Courier New" panose="02070309020205020404" pitchFamily="49" charset="0"/>
               </a:rPr>
               <a:t>int</a:t>
             </a:r>
             <a:r>
-              <a:rPr lang="en-US" b="0">
+              <a:rPr lang="en-US" altLang="zh-CN" sz="1800" kern="0">
                 <a:solidFill>
                   <a:srgbClr val="000000"/>
                 </a:solidFill>
-                <a:highlight>
-                  <a:srgbClr val="FFFFFF"/>
-                </a:highlight>
-                <a:latin typeface="Consolas" panose="020B0609020204030204" charset="0"/>
-                <a:ea typeface="宋体" panose="02010600030101010101" pitchFamily="2" charset="-122"/>
+                <a:effectLst/>
+                <a:highlight>
+                  <a:srgbClr val="FFFFFF"/>
+                </a:highlight>
+                <a:latin typeface="Consolas" panose="020B0609020204030204" pitchFamily="49" charset="0"/>
+                <a:ea typeface="等线" panose="02010600030101010101" pitchFamily="2" charset="-122"/>
+                <a:cs typeface="Courier New" panose="02070309020205020404" pitchFamily="49" charset="0"/>
               </a:rPr>
               <a:t> main</a:t>
             </a:r>
             <a:r>
-              <a:rPr lang="en-US" b="1">
+              <a:rPr lang="en-US" altLang="zh-CN" sz="1800" b="1" kern="0">
                 <a:solidFill>
                   <a:srgbClr val="000080"/>
                 </a:solidFill>
-                <a:highlight>
-                  <a:srgbClr val="FFFFFF"/>
-                </a:highlight>
-                <a:latin typeface="Consolas" panose="020B0609020204030204" charset="0"/>
-                <a:ea typeface="宋体" panose="02010600030101010101" pitchFamily="2" charset="-122"/>
+                <a:effectLst/>
+                <a:highlight>
+                  <a:srgbClr val="FFFFFF"/>
+                </a:highlight>
+                <a:latin typeface="Consolas" panose="020B0609020204030204" pitchFamily="49" charset="0"/>
+                <a:ea typeface="等线" panose="02010600030101010101" pitchFamily="2" charset="-122"/>
+                <a:cs typeface="Courier New" panose="02070309020205020404" pitchFamily="49" charset="0"/>
               </a:rPr>
               <a:t>()</a:t>
             </a:r>
             <a:r>
-              <a:rPr lang="en-US" b="0">
+              <a:rPr lang="en-US" altLang="zh-CN" sz="1800" kern="0">
                 <a:solidFill>
                   <a:srgbClr val="000000"/>
                 </a:solidFill>
-                <a:highlight>
-                  <a:srgbClr val="FFFFFF"/>
-                </a:highlight>
-                <a:latin typeface="Consolas" panose="020B0609020204030204" charset="0"/>
-                <a:ea typeface="宋体" panose="02010600030101010101" pitchFamily="2" charset="-122"/>
+                <a:effectLst/>
+                <a:highlight>
+                  <a:srgbClr val="FFFFFF"/>
+                </a:highlight>
+                <a:latin typeface="Consolas" panose="020B0609020204030204" pitchFamily="49" charset="0"/>
+                <a:ea typeface="等线" panose="02010600030101010101" pitchFamily="2" charset="-122"/>
+                <a:cs typeface="Courier New" panose="02070309020205020404" pitchFamily="49" charset="0"/>
               </a:rPr>
               <a:t> </a:t>
             </a:r>
             <a:r>
-              <a:rPr lang="en-US" b="1">
+              <a:rPr lang="en-US" altLang="zh-CN" sz="1800" b="1" kern="0">
                 <a:solidFill>
                   <a:srgbClr val="000080"/>
                 </a:solidFill>
-                <a:highlight>
-                  <a:srgbClr val="FFFFFF"/>
-                </a:highlight>
-                <a:latin typeface="Consolas" panose="020B0609020204030204" charset="0"/>
-                <a:ea typeface="宋体" panose="02010600030101010101" pitchFamily="2" charset="-122"/>
+                <a:effectLst/>
+                <a:highlight>
+                  <a:srgbClr val="FFFFFF"/>
+                </a:highlight>
+                <a:latin typeface="Consolas" panose="020B0609020204030204" pitchFamily="49" charset="0"/>
+                <a:ea typeface="等线" panose="02010600030101010101" pitchFamily="2" charset="-122"/>
+                <a:cs typeface="Courier New" panose="02070309020205020404" pitchFamily="49" charset="0"/>
               </a:rPr>
               <a:t>{</a:t>
             </a:r>
-            <a:endParaRPr lang="en-US" b="0">
-              <a:solidFill>
-                <a:srgbClr val="000000"/>
-              </a:solidFill>
-              <a:highlight>
-                <a:srgbClr val="FFFFFF"/>
-              </a:highlight>
-              <a:latin typeface="Consolas" panose="020B0609020204030204" charset="0"/>
-              <a:ea typeface="宋体" panose="02010600030101010101" pitchFamily="2" charset="-122"/>
+            <a:endParaRPr lang="zh-CN" altLang="zh-CN" sz="1800" kern="100">
+              <a:effectLst/>
+              <a:latin typeface="等线" panose="02010600030101010101" pitchFamily="2" charset="-122"/>
+              <a:ea typeface="等线" panose="02010600030101010101" pitchFamily="2" charset="-122"/>
+              <a:cs typeface="Times New Roman" panose="02020603050405020304" pitchFamily="18" charset="0"/>
             </a:endParaRPr>
           </a:p>
           <a:p>
-            <a:pPr indent="0"/>
-            <a:r>
-              <a:rPr lang="en-US" b="0">
+            <a:pPr algn="l"/>
+            <a:r>
+              <a:rPr lang="en-US" altLang="zh-CN" sz="1800" kern="0">
                 <a:solidFill>
                   <a:srgbClr val="000000"/>
                 </a:solidFill>
-                <a:highlight>
-                  <a:srgbClr val="FFFFFF"/>
-                </a:highlight>
-                <a:latin typeface="Consolas" panose="020B0609020204030204" charset="0"/>
-                <a:ea typeface="宋体" panose="02010600030101010101" pitchFamily="2" charset="-122"/>
+                <a:effectLst/>
+                <a:highlight>
+                  <a:srgbClr val="FFFFFF"/>
+                </a:highlight>
+                <a:latin typeface="Consolas" panose="020B0609020204030204" pitchFamily="49" charset="0"/>
+                <a:ea typeface="等线" panose="02010600030101010101" pitchFamily="2" charset="-122"/>
+                <a:cs typeface="Courier New" panose="02070309020205020404" pitchFamily="49" charset="0"/>
               </a:rPr>
               <a:t>    </a:t>
             </a:r>
             <a:r>
-              <a:rPr lang="en-US" b="0">
+              <a:rPr lang="en-US" altLang="zh-CN" sz="1800" kern="0">
                 <a:solidFill>
                   <a:srgbClr val="8000FF"/>
                 </a:solidFill>
-                <a:highlight>
-                  <a:srgbClr val="FFFFFF"/>
-                </a:highlight>
-                <a:latin typeface="Consolas" panose="020B0609020204030204" charset="0"/>
-                <a:ea typeface="宋体" panose="02010600030101010101" pitchFamily="2" charset="-122"/>
+                <a:effectLst/>
+                <a:highlight>
+                  <a:srgbClr val="FFFFFF"/>
+                </a:highlight>
+                <a:latin typeface="Consolas" panose="020B0609020204030204" pitchFamily="49" charset="0"/>
+                <a:ea typeface="等线" panose="02010600030101010101" pitchFamily="2" charset="-122"/>
+                <a:cs typeface="Courier New" panose="02070309020205020404" pitchFamily="49" charset="0"/>
               </a:rPr>
               <a:t>int</a:t>
             </a:r>
             <a:r>
-              <a:rPr lang="en-US" b="0">
+              <a:rPr lang="en-US" altLang="zh-CN" sz="1800" kern="0">
                 <a:solidFill>
                   <a:srgbClr val="000000"/>
                 </a:solidFill>
-                <a:highlight>
-                  <a:srgbClr val="FFFFFF"/>
-                </a:highlight>
-                <a:latin typeface="Consolas" panose="020B0609020204030204" charset="0"/>
-                <a:ea typeface="宋体" panose="02010600030101010101" pitchFamily="2" charset="-122"/>
+                <a:effectLst/>
+                <a:highlight>
+                  <a:srgbClr val="FFFFFF"/>
+                </a:highlight>
+                <a:latin typeface="Consolas" panose="020B0609020204030204" pitchFamily="49" charset="0"/>
+                <a:ea typeface="等线" panose="02010600030101010101" pitchFamily="2" charset="-122"/>
+                <a:cs typeface="Courier New" panose="02070309020205020404" pitchFamily="49" charset="0"/>
               </a:rPr>
               <a:t> n</a:t>
             </a:r>
             <a:r>
-              <a:rPr lang="en-US" b="1">
+              <a:rPr lang="en-US" altLang="zh-CN" sz="1800" b="1" kern="0">
                 <a:solidFill>
                   <a:srgbClr val="000080"/>
                 </a:solidFill>
-                <a:highlight>
-                  <a:srgbClr val="FFFFFF"/>
-                </a:highlight>
-                <a:latin typeface="Consolas" panose="020B0609020204030204" charset="0"/>
-                <a:ea typeface="宋体" panose="02010600030101010101" pitchFamily="2" charset="-122"/>
+                <a:effectLst/>
+                <a:highlight>
+                  <a:srgbClr val="FFFFFF"/>
+                </a:highlight>
+                <a:latin typeface="Consolas" panose="020B0609020204030204" pitchFamily="49" charset="0"/>
+                <a:ea typeface="等线" panose="02010600030101010101" pitchFamily="2" charset="-122"/>
+                <a:cs typeface="Courier New" panose="02070309020205020404" pitchFamily="49" charset="0"/>
               </a:rPr>
               <a:t>;</a:t>
             </a:r>
-            <a:endParaRPr lang="en-US" b="0">
-              <a:solidFill>
-                <a:srgbClr val="000000"/>
-              </a:solidFill>
-              <a:highlight>
-                <a:srgbClr val="FFFFFF"/>
-              </a:highlight>
-              <a:latin typeface="Consolas" panose="020B0609020204030204" charset="0"/>
-              <a:ea typeface="宋体" panose="02010600030101010101" pitchFamily="2" charset="-122"/>
+            <a:endParaRPr lang="zh-CN" altLang="zh-CN" sz="1800" kern="100">
+              <a:effectLst/>
+              <a:latin typeface="等线" panose="02010600030101010101" pitchFamily="2" charset="-122"/>
+              <a:ea typeface="等线" panose="02010600030101010101" pitchFamily="2" charset="-122"/>
+              <a:cs typeface="Times New Roman" panose="02020603050405020304" pitchFamily="18" charset="0"/>
             </a:endParaRPr>
           </a:p>
           <a:p>
-            <a:pPr indent="0"/>
-            <a:r>
-              <a:rPr lang="en-US" b="0">
+            <a:pPr algn="l"/>
+            <a:r>
+              <a:rPr lang="en-US" altLang="zh-CN" sz="1800" kern="0">
                 <a:solidFill>
                   <a:srgbClr val="000000"/>
                 </a:solidFill>
-                <a:highlight>
-                  <a:srgbClr val="FFFFFF"/>
-                </a:highlight>
-                <a:latin typeface="Consolas" panose="020B0609020204030204" charset="0"/>
-                <a:ea typeface="宋体" panose="02010600030101010101" pitchFamily="2" charset="-122"/>
-              </a:rPr>
-              <a:t>    printf</a:t>
-            </a:r>
-            <a:r>
-              <a:rPr lang="en-US" b="1">
+                <a:effectLst/>
+                <a:highlight>
+                  <a:srgbClr val="FFFFFF"/>
+                </a:highlight>
+                <a:latin typeface="Consolas" panose="020B0609020204030204" pitchFamily="49" charset="0"/>
+                <a:ea typeface="等线" panose="02010600030101010101" pitchFamily="2" charset="-122"/>
+                <a:cs typeface="Courier New" panose="02070309020205020404" pitchFamily="49" charset="0"/>
+              </a:rPr>
+              <a:t>    cout </a:t>
+            </a:r>
+            <a:r>
+              <a:rPr lang="en-US" altLang="zh-CN" sz="1800" b="1" kern="0">
                 <a:solidFill>
                   <a:srgbClr val="000080"/>
                 </a:solidFill>
-                <a:highlight>
-                  <a:srgbClr val="FFFFFF"/>
-                </a:highlight>
-                <a:latin typeface="Consolas" panose="020B0609020204030204" charset="0"/>
-                <a:ea typeface="宋体" panose="02010600030101010101" pitchFamily="2" charset="-122"/>
+                <a:effectLst/>
+                <a:highlight>
+                  <a:srgbClr val="FFFFFF"/>
+                </a:highlight>
+                <a:latin typeface="Consolas" panose="020B0609020204030204" pitchFamily="49" charset="0"/>
+                <a:ea typeface="等线" panose="02010600030101010101" pitchFamily="2" charset="-122"/>
+                <a:cs typeface="Courier New" panose="02070309020205020404" pitchFamily="49" charset="0"/>
+              </a:rPr>
+              <a:t>&lt;&lt;</a:t>
+            </a:r>
+            <a:r>
+              <a:rPr lang="en-US" altLang="zh-CN" sz="1800" kern="0">
+                <a:solidFill>
+                  <a:srgbClr val="000000"/>
+                </a:solidFill>
+                <a:effectLst/>
+                <a:highlight>
+                  <a:srgbClr val="FFFFFF"/>
+                </a:highlight>
+                <a:latin typeface="Consolas" panose="020B0609020204030204" pitchFamily="49" charset="0"/>
+                <a:ea typeface="等线" panose="02010600030101010101" pitchFamily="2" charset="-122"/>
+                <a:cs typeface="Courier New" panose="02070309020205020404" pitchFamily="49" charset="0"/>
+              </a:rPr>
+              <a:t> </a:t>
+            </a:r>
+            <a:r>
+              <a:rPr lang="en-US" altLang="zh-CN" sz="1800" kern="0">
+                <a:solidFill>
+                  <a:srgbClr val="808080"/>
+                </a:solidFill>
+                <a:effectLst/>
+                <a:highlight>
+                  <a:srgbClr val="FFFFFF"/>
+                </a:highlight>
+                <a:latin typeface="Consolas" panose="020B0609020204030204" pitchFamily="49" charset="0"/>
+                <a:ea typeface="等线" panose="02010600030101010101" pitchFamily="2" charset="-122"/>
+                <a:cs typeface="Courier New" panose="02070309020205020404" pitchFamily="49" charset="0"/>
+              </a:rPr>
+              <a:t>"Enter n: "</a:t>
+            </a:r>
+            <a:r>
+              <a:rPr lang="en-US" altLang="zh-CN" sz="1800" b="1" kern="0">
+                <a:solidFill>
+                  <a:srgbClr val="000080"/>
+                </a:solidFill>
+                <a:effectLst/>
+                <a:highlight>
+                  <a:srgbClr val="FFFFFF"/>
+                </a:highlight>
+                <a:latin typeface="Consolas" panose="020B0609020204030204" pitchFamily="49" charset="0"/>
+                <a:ea typeface="等线" panose="02010600030101010101" pitchFamily="2" charset="-122"/>
+                <a:cs typeface="Courier New" panose="02070309020205020404" pitchFamily="49" charset="0"/>
+              </a:rPr>
+              <a:t>;</a:t>
+            </a:r>
+            <a:endParaRPr lang="zh-CN" altLang="zh-CN" sz="1800" kern="100">
+              <a:effectLst/>
+              <a:latin typeface="等线" panose="02010600030101010101" pitchFamily="2" charset="-122"/>
+              <a:ea typeface="等线" panose="02010600030101010101" pitchFamily="2" charset="-122"/>
+              <a:cs typeface="Times New Roman" panose="02020603050405020304" pitchFamily="18" charset="0"/>
+            </a:endParaRPr>
+          </a:p>
+          <a:p>
+            <a:pPr algn="l"/>
+            <a:r>
+              <a:rPr lang="en-US" altLang="zh-CN" sz="1800" kern="0">
+                <a:solidFill>
+                  <a:srgbClr val="000000"/>
+                </a:solidFill>
+                <a:effectLst/>
+                <a:highlight>
+                  <a:srgbClr val="FFFFFF"/>
+                </a:highlight>
+                <a:latin typeface="Consolas" panose="020B0609020204030204" pitchFamily="49" charset="0"/>
+                <a:ea typeface="等线" panose="02010600030101010101" pitchFamily="2" charset="-122"/>
+                <a:cs typeface="Courier New" panose="02070309020205020404" pitchFamily="49" charset="0"/>
+              </a:rPr>
+              <a:t>    cin </a:t>
+            </a:r>
+            <a:r>
+              <a:rPr lang="en-US" altLang="zh-CN" sz="1800" b="1" kern="0">
+                <a:solidFill>
+                  <a:srgbClr val="000080"/>
+                </a:solidFill>
+                <a:effectLst/>
+                <a:highlight>
+                  <a:srgbClr val="FFFFFF"/>
+                </a:highlight>
+                <a:latin typeface="Consolas" panose="020B0609020204030204" pitchFamily="49" charset="0"/>
+                <a:ea typeface="等线" panose="02010600030101010101" pitchFamily="2" charset="-122"/>
+                <a:cs typeface="Courier New" panose="02070309020205020404" pitchFamily="49" charset="0"/>
+              </a:rPr>
+              <a:t>&gt;&gt;</a:t>
+            </a:r>
+            <a:r>
+              <a:rPr lang="en-US" altLang="zh-CN" sz="1800" kern="0">
+                <a:solidFill>
+                  <a:srgbClr val="000000"/>
+                </a:solidFill>
+                <a:effectLst/>
+                <a:highlight>
+                  <a:srgbClr val="FFFFFF"/>
+                </a:highlight>
+                <a:latin typeface="Consolas" panose="020B0609020204030204" pitchFamily="49" charset="0"/>
+                <a:ea typeface="等线" panose="02010600030101010101" pitchFamily="2" charset="-122"/>
+                <a:cs typeface="Courier New" panose="02070309020205020404" pitchFamily="49" charset="0"/>
+              </a:rPr>
+              <a:t> n</a:t>
+            </a:r>
+            <a:r>
+              <a:rPr lang="en-US" altLang="zh-CN" sz="1800" b="1" kern="0">
+                <a:solidFill>
+                  <a:srgbClr val="000080"/>
+                </a:solidFill>
+                <a:effectLst/>
+                <a:highlight>
+                  <a:srgbClr val="FFFFFF"/>
+                </a:highlight>
+                <a:latin typeface="Consolas" panose="020B0609020204030204" pitchFamily="49" charset="0"/>
+                <a:ea typeface="等线" panose="02010600030101010101" pitchFamily="2" charset="-122"/>
+                <a:cs typeface="Courier New" panose="02070309020205020404" pitchFamily="49" charset="0"/>
+              </a:rPr>
+              <a:t>;</a:t>
+            </a:r>
+            <a:endParaRPr lang="zh-CN" altLang="zh-CN" sz="1800" kern="100">
+              <a:effectLst/>
+              <a:latin typeface="等线" panose="02010600030101010101" pitchFamily="2" charset="-122"/>
+              <a:ea typeface="等线" panose="02010600030101010101" pitchFamily="2" charset="-122"/>
+              <a:cs typeface="Times New Roman" panose="02020603050405020304" pitchFamily="18" charset="0"/>
+            </a:endParaRPr>
+          </a:p>
+          <a:p>
+            <a:pPr algn="l"/>
+            <a:r>
+              <a:rPr lang="en-US" altLang="zh-CN" sz="1800" kern="0">
+                <a:solidFill>
+                  <a:srgbClr val="000000"/>
+                </a:solidFill>
+                <a:effectLst/>
+                <a:highlight>
+                  <a:srgbClr val="FFFFFF"/>
+                </a:highlight>
+                <a:latin typeface="Consolas" panose="020B0609020204030204" pitchFamily="49" charset="0"/>
+                <a:ea typeface="等线" panose="02010600030101010101" pitchFamily="2" charset="-122"/>
+                <a:cs typeface="Courier New" panose="02070309020205020404" pitchFamily="49" charset="0"/>
+              </a:rPr>
+              <a:t>    cout </a:t>
+            </a:r>
+            <a:r>
+              <a:rPr lang="en-US" altLang="zh-CN" sz="1800" b="1" kern="0">
+                <a:solidFill>
+                  <a:srgbClr val="000080"/>
+                </a:solidFill>
+                <a:effectLst/>
+                <a:highlight>
+                  <a:srgbClr val="FFFFFF"/>
+                </a:highlight>
+                <a:latin typeface="Consolas" panose="020B0609020204030204" pitchFamily="49" charset="0"/>
+                <a:ea typeface="等线" panose="02010600030101010101" pitchFamily="2" charset="-122"/>
+                <a:cs typeface="Courier New" panose="02070309020205020404" pitchFamily="49" charset="0"/>
+              </a:rPr>
+              <a:t>&lt;&lt;</a:t>
+            </a:r>
+            <a:r>
+              <a:rPr lang="en-US" altLang="zh-CN" sz="1800" kern="0">
+                <a:solidFill>
+                  <a:srgbClr val="000000"/>
+                </a:solidFill>
+                <a:effectLst/>
+                <a:highlight>
+                  <a:srgbClr val="FFFFFF"/>
+                </a:highlight>
+                <a:latin typeface="Consolas" panose="020B0609020204030204" pitchFamily="49" charset="0"/>
+                <a:ea typeface="等线" panose="02010600030101010101" pitchFamily="2" charset="-122"/>
+                <a:cs typeface="Courier New" panose="02070309020205020404" pitchFamily="49" charset="0"/>
+              </a:rPr>
+              <a:t> fibonacci</a:t>
+            </a:r>
+            <a:r>
+              <a:rPr lang="en-US" altLang="zh-CN" sz="1800" b="1" kern="0">
+                <a:solidFill>
+                  <a:srgbClr val="000080"/>
+                </a:solidFill>
+                <a:effectLst/>
+                <a:highlight>
+                  <a:srgbClr val="FFFFFF"/>
+                </a:highlight>
+                <a:latin typeface="Consolas" panose="020B0609020204030204" pitchFamily="49" charset="0"/>
+                <a:ea typeface="等线" panose="02010600030101010101" pitchFamily="2" charset="-122"/>
+                <a:cs typeface="Courier New" panose="02070309020205020404" pitchFamily="49" charset="0"/>
               </a:rPr>
               <a:t>(</a:t>
             </a:r>
             <a:r>
-              <a:rPr lang="en-US" b="0">
-                <a:solidFill>
-                  <a:srgbClr val="808080"/>
-                </a:solidFill>
-                <a:highlight>
-                  <a:srgbClr val="FFFFFF"/>
-                </a:highlight>
-                <a:latin typeface="Consolas" panose="020B0609020204030204" charset="0"/>
-                <a:ea typeface="宋体" panose="02010600030101010101" pitchFamily="2" charset="-122"/>
-              </a:rPr>
-              <a:t>"Enter n: "</a:t>
-            </a:r>
-            <a:r>
-              <a:rPr lang="en-US" b="1">
+              <a:rPr lang="en-US" altLang="zh-CN" sz="1800" kern="0">
+                <a:solidFill>
+                  <a:srgbClr val="000000"/>
+                </a:solidFill>
+                <a:effectLst/>
+                <a:highlight>
+                  <a:srgbClr val="FFFFFF"/>
+                </a:highlight>
+                <a:latin typeface="Consolas" panose="020B0609020204030204" pitchFamily="49" charset="0"/>
+                <a:ea typeface="等线" panose="02010600030101010101" pitchFamily="2" charset="-122"/>
+                <a:cs typeface="Courier New" panose="02070309020205020404" pitchFamily="49" charset="0"/>
+              </a:rPr>
+              <a:t>n</a:t>
+            </a:r>
+            <a:r>
+              <a:rPr lang="en-US" altLang="zh-CN" sz="1800" b="1" kern="0">
                 <a:solidFill>
                   <a:srgbClr val="000080"/>
                 </a:solidFill>
-                <a:highlight>
-                  <a:srgbClr val="FFFFFF"/>
-                </a:highlight>
-                <a:latin typeface="Consolas" panose="020B0609020204030204" charset="0"/>
-                <a:ea typeface="宋体" panose="02010600030101010101" pitchFamily="2" charset="-122"/>
-              </a:rPr>
-              <a:t>);</a:t>
-            </a:r>
-            <a:endParaRPr lang="en-US" b="0">
-              <a:solidFill>
-                <a:srgbClr val="000000"/>
-              </a:solidFill>
-              <a:highlight>
-                <a:srgbClr val="FFFFFF"/>
-              </a:highlight>
-              <a:latin typeface="Consolas" panose="020B0609020204030204" charset="0"/>
-              <a:ea typeface="宋体" panose="02010600030101010101" pitchFamily="2" charset="-122"/>
+                <a:effectLst/>
+                <a:highlight>
+                  <a:srgbClr val="FFFFFF"/>
+                </a:highlight>
+                <a:latin typeface="Consolas" panose="020B0609020204030204" pitchFamily="49" charset="0"/>
+                <a:ea typeface="等线" panose="02010600030101010101" pitchFamily="2" charset="-122"/>
+                <a:cs typeface="Courier New" panose="02070309020205020404" pitchFamily="49" charset="0"/>
+              </a:rPr>
+              <a:t>)</a:t>
+            </a:r>
+            <a:r>
+              <a:rPr lang="en-US" altLang="zh-CN" sz="1800" kern="0">
+                <a:solidFill>
+                  <a:srgbClr val="000000"/>
+                </a:solidFill>
+                <a:effectLst/>
+                <a:highlight>
+                  <a:srgbClr val="FFFFFF"/>
+                </a:highlight>
+                <a:latin typeface="Consolas" panose="020B0609020204030204" pitchFamily="49" charset="0"/>
+                <a:ea typeface="等线" panose="02010600030101010101" pitchFamily="2" charset="-122"/>
+                <a:cs typeface="Courier New" panose="02070309020205020404" pitchFamily="49" charset="0"/>
+              </a:rPr>
+              <a:t> </a:t>
+            </a:r>
+            <a:r>
+              <a:rPr lang="en-US" altLang="zh-CN" sz="1800" b="1" kern="0">
+                <a:solidFill>
+                  <a:srgbClr val="000080"/>
+                </a:solidFill>
+                <a:effectLst/>
+                <a:highlight>
+                  <a:srgbClr val="FFFFFF"/>
+                </a:highlight>
+                <a:latin typeface="Consolas" panose="020B0609020204030204" pitchFamily="49" charset="0"/>
+                <a:ea typeface="等线" panose="02010600030101010101" pitchFamily="2" charset="-122"/>
+                <a:cs typeface="Courier New" panose="02070309020205020404" pitchFamily="49" charset="0"/>
+              </a:rPr>
+              <a:t>&lt;&lt;</a:t>
+            </a:r>
+            <a:r>
+              <a:rPr lang="en-US" altLang="zh-CN" sz="1800" kern="0">
+                <a:solidFill>
+                  <a:srgbClr val="000000"/>
+                </a:solidFill>
+                <a:effectLst/>
+                <a:highlight>
+                  <a:srgbClr val="FFFFFF"/>
+                </a:highlight>
+                <a:latin typeface="Consolas" panose="020B0609020204030204" pitchFamily="49" charset="0"/>
+                <a:ea typeface="等线" panose="02010600030101010101" pitchFamily="2" charset="-122"/>
+                <a:cs typeface="Courier New" panose="02070309020205020404" pitchFamily="49" charset="0"/>
+              </a:rPr>
+              <a:t> endl</a:t>
+            </a:r>
+            <a:r>
+              <a:rPr lang="en-US" altLang="zh-CN" sz="1800" b="1" kern="0">
+                <a:solidFill>
+                  <a:srgbClr val="000080"/>
+                </a:solidFill>
+                <a:effectLst/>
+                <a:highlight>
+                  <a:srgbClr val="FFFFFF"/>
+                </a:highlight>
+                <a:latin typeface="Consolas" panose="020B0609020204030204" pitchFamily="49" charset="0"/>
+                <a:ea typeface="等线" panose="02010600030101010101" pitchFamily="2" charset="-122"/>
+                <a:cs typeface="Courier New" panose="02070309020205020404" pitchFamily="49" charset="0"/>
+              </a:rPr>
+              <a:t>;</a:t>
+            </a:r>
+            <a:endParaRPr lang="zh-CN" altLang="zh-CN" sz="1800" kern="100">
+              <a:effectLst/>
+              <a:latin typeface="等线" panose="02010600030101010101" pitchFamily="2" charset="-122"/>
+              <a:ea typeface="等线" panose="02010600030101010101" pitchFamily="2" charset="-122"/>
+              <a:cs typeface="Times New Roman" panose="02020603050405020304" pitchFamily="18" charset="0"/>
             </a:endParaRPr>
           </a:p>
           <a:p>
-            <a:pPr indent="0"/>
-            <a:r>
-              <a:rPr lang="en-US" b="0">
+            <a:pPr algn="l"/>
+            <a:r>
+              <a:rPr lang="en-US" altLang="zh-CN" sz="1800" kern="0">
                 <a:solidFill>
                   <a:srgbClr val="000000"/>
                 </a:solidFill>
-                <a:highlight>
-                  <a:srgbClr val="FFFFFF"/>
-                </a:highlight>
-                <a:latin typeface="Consolas" panose="020B0609020204030204" charset="0"/>
-                <a:ea typeface="宋体" panose="02010600030101010101" pitchFamily="2" charset="-122"/>
-              </a:rPr>
-              <a:t>    scanf</a:t>
-            </a:r>
-            <a:r>
-              <a:rPr lang="en-US" b="1">
+                <a:effectLst/>
+                <a:highlight>
+                  <a:srgbClr val="FFFFFF"/>
+                </a:highlight>
+                <a:latin typeface="Consolas" panose="020B0609020204030204" pitchFamily="49" charset="0"/>
+                <a:ea typeface="等线" panose="02010600030101010101" pitchFamily="2" charset="-122"/>
+                <a:cs typeface="Courier New" panose="02070309020205020404" pitchFamily="49" charset="0"/>
+              </a:rPr>
+              <a:t>    </a:t>
+            </a:r>
+            <a:r>
+              <a:rPr lang="en-US" altLang="zh-CN" sz="1800" b="1" kern="0">
+                <a:solidFill>
+                  <a:srgbClr val="0000FF"/>
+                </a:solidFill>
+                <a:effectLst/>
+                <a:highlight>
+                  <a:srgbClr val="FFFFFF"/>
+                </a:highlight>
+                <a:latin typeface="Consolas" panose="020B0609020204030204" pitchFamily="49" charset="0"/>
+                <a:ea typeface="等线" panose="02010600030101010101" pitchFamily="2" charset="-122"/>
+                <a:cs typeface="Courier New" panose="02070309020205020404" pitchFamily="49" charset="0"/>
+              </a:rPr>
+              <a:t>return</a:t>
+            </a:r>
+            <a:r>
+              <a:rPr lang="en-US" altLang="zh-CN" sz="1800" kern="0">
+                <a:solidFill>
+                  <a:srgbClr val="000000"/>
+                </a:solidFill>
+                <a:effectLst/>
+                <a:highlight>
+                  <a:srgbClr val="FFFFFF"/>
+                </a:highlight>
+                <a:latin typeface="Consolas" panose="020B0609020204030204" pitchFamily="49" charset="0"/>
+                <a:ea typeface="等线" panose="02010600030101010101" pitchFamily="2" charset="-122"/>
+                <a:cs typeface="Courier New" panose="02070309020205020404" pitchFamily="49" charset="0"/>
+              </a:rPr>
+              <a:t> </a:t>
+            </a:r>
+            <a:r>
+              <a:rPr lang="en-US" altLang="zh-CN" sz="1800" kern="0">
+                <a:solidFill>
+                  <a:srgbClr val="FF8000"/>
+                </a:solidFill>
+                <a:effectLst/>
+                <a:highlight>
+                  <a:srgbClr val="FFFFFF"/>
+                </a:highlight>
+                <a:latin typeface="Consolas" panose="020B0609020204030204" pitchFamily="49" charset="0"/>
+                <a:ea typeface="等线" panose="02010600030101010101" pitchFamily="2" charset="-122"/>
+                <a:cs typeface="Courier New" panose="02070309020205020404" pitchFamily="49" charset="0"/>
+              </a:rPr>
+              <a:t>0</a:t>
+            </a:r>
+            <a:r>
+              <a:rPr lang="en-US" altLang="zh-CN" sz="1800" b="1" kern="0">
                 <a:solidFill>
                   <a:srgbClr val="000080"/>
                 </a:solidFill>
-                <a:highlight>
-                  <a:srgbClr val="FFFFFF"/>
-                </a:highlight>
-                <a:latin typeface="Consolas" panose="020B0609020204030204" charset="0"/>
-                <a:ea typeface="宋体" panose="02010600030101010101" pitchFamily="2" charset="-122"/>
-              </a:rPr>
-              <a:t>(</a:t>
-            </a:r>
-            <a:r>
-              <a:rPr lang="en-US" b="0">
-                <a:solidFill>
-                  <a:srgbClr val="808080"/>
-                </a:solidFill>
-                <a:highlight>
-                  <a:srgbClr val="FFFFFF"/>
-                </a:highlight>
-                <a:latin typeface="Consolas" panose="020B0609020204030204" charset="0"/>
-                <a:ea typeface="宋体" panose="02010600030101010101" pitchFamily="2" charset="-122"/>
-              </a:rPr>
-              <a:t>"%d"</a:t>
-            </a:r>
-            <a:r>
-              <a:rPr lang="en-US" b="1">
+                <a:effectLst/>
+                <a:highlight>
+                  <a:srgbClr val="FFFFFF"/>
+                </a:highlight>
+                <a:latin typeface="Consolas" panose="020B0609020204030204" pitchFamily="49" charset="0"/>
+                <a:ea typeface="等线" panose="02010600030101010101" pitchFamily="2" charset="-122"/>
+                <a:cs typeface="Courier New" panose="02070309020205020404" pitchFamily="49" charset="0"/>
+              </a:rPr>
+              <a:t>;</a:t>
+            </a:r>
+            <a:endParaRPr lang="zh-CN" altLang="zh-CN" sz="1800" kern="100">
+              <a:effectLst/>
+              <a:latin typeface="等线" panose="02010600030101010101" pitchFamily="2" charset="-122"/>
+              <a:ea typeface="等线" panose="02010600030101010101" pitchFamily="2" charset="-122"/>
+              <a:cs typeface="Times New Roman" panose="02020603050405020304" pitchFamily="18" charset="0"/>
+            </a:endParaRPr>
+          </a:p>
+          <a:p>
+            <a:pPr algn="just"/>
+            <a:r>
+              <a:rPr lang="en-US" altLang="zh-CN" sz="1800" b="1" kern="0">
                 <a:solidFill>
                   <a:srgbClr val="000080"/>
                 </a:solidFill>
-                <a:highlight>
-                  <a:srgbClr val="FFFFFF"/>
-                </a:highlight>
-                <a:latin typeface="Consolas" panose="020B0609020204030204" charset="0"/>
-                <a:ea typeface="宋体" panose="02010600030101010101" pitchFamily="2" charset="-122"/>
-              </a:rPr>
-              <a:t>,</a:t>
-            </a:r>
-            <a:r>
-              <a:rPr lang="en-US" b="0">
-                <a:solidFill>
-                  <a:srgbClr val="000000"/>
-                </a:solidFill>
-                <a:highlight>
-                  <a:srgbClr val="FFFFFF"/>
-                </a:highlight>
-                <a:latin typeface="Consolas" panose="020B0609020204030204" charset="0"/>
-                <a:ea typeface="宋体" panose="02010600030101010101" pitchFamily="2" charset="-122"/>
-              </a:rPr>
-              <a:t> </a:t>
-            </a:r>
-            <a:r>
-              <a:rPr lang="en-US" b="1">
-                <a:solidFill>
-                  <a:srgbClr val="000080"/>
-                </a:solidFill>
-                <a:highlight>
-                  <a:srgbClr val="FFFFFF"/>
-                </a:highlight>
-                <a:latin typeface="Consolas" panose="020B0609020204030204" charset="0"/>
-                <a:ea typeface="宋体" panose="02010600030101010101" pitchFamily="2" charset="-122"/>
-              </a:rPr>
-              <a:t>&amp;</a:t>
-            </a:r>
-            <a:r>
-              <a:rPr lang="en-US" b="0">
-                <a:solidFill>
-                  <a:srgbClr val="000000"/>
-                </a:solidFill>
-                <a:highlight>
-                  <a:srgbClr val="FFFFFF"/>
-                </a:highlight>
-                <a:latin typeface="Consolas" panose="020B0609020204030204" charset="0"/>
-                <a:ea typeface="宋体" panose="02010600030101010101" pitchFamily="2" charset="-122"/>
-              </a:rPr>
-              <a:t>n</a:t>
-            </a:r>
-            <a:r>
-              <a:rPr lang="en-US" b="1">
-                <a:solidFill>
-                  <a:srgbClr val="000080"/>
-                </a:solidFill>
-                <a:highlight>
-                  <a:srgbClr val="FFFFFF"/>
-                </a:highlight>
-                <a:latin typeface="Consolas" panose="020B0609020204030204" charset="0"/>
-                <a:ea typeface="宋体" panose="02010600030101010101" pitchFamily="2" charset="-122"/>
-              </a:rPr>
-              <a:t>);</a:t>
-            </a:r>
-            <a:endParaRPr lang="en-US" b="0">
-              <a:solidFill>
-                <a:srgbClr val="000000"/>
-              </a:solidFill>
-              <a:highlight>
-                <a:srgbClr val="FFFFFF"/>
-              </a:highlight>
-              <a:latin typeface="Consolas" panose="020B0609020204030204" charset="0"/>
-              <a:ea typeface="宋体" panose="02010600030101010101" pitchFamily="2" charset="-122"/>
-            </a:endParaRPr>
-          </a:p>
-          <a:p>
-            <a:pPr indent="0"/>
-            <a:r>
-              <a:rPr lang="en-US" b="0">
-                <a:solidFill>
-                  <a:srgbClr val="000000"/>
-                </a:solidFill>
-                <a:highlight>
-                  <a:srgbClr val="FFFFFF"/>
-                </a:highlight>
-                <a:latin typeface="Consolas" panose="020B0609020204030204" charset="0"/>
-                <a:ea typeface="宋体" panose="02010600030101010101" pitchFamily="2" charset="-122"/>
-              </a:rPr>
-              <a:t>    printf</a:t>
-            </a:r>
-            <a:r>
-              <a:rPr lang="en-US" b="1">
-                <a:solidFill>
-                  <a:srgbClr val="000080"/>
-                </a:solidFill>
-                <a:highlight>
-                  <a:srgbClr val="FFFFFF"/>
-                </a:highlight>
-                <a:latin typeface="Consolas" panose="020B0609020204030204" charset="0"/>
-                <a:ea typeface="宋体" panose="02010600030101010101" pitchFamily="2" charset="-122"/>
-              </a:rPr>
-              <a:t>(</a:t>
-            </a:r>
-            <a:r>
-              <a:rPr lang="en-US" b="0">
-                <a:solidFill>
-                  <a:srgbClr val="808080"/>
-                </a:solidFill>
-                <a:highlight>
-                  <a:srgbClr val="FFFFFF"/>
-                </a:highlight>
-                <a:latin typeface="Consolas" panose="020B0609020204030204" charset="0"/>
-                <a:ea typeface="宋体" panose="02010600030101010101" pitchFamily="2" charset="-122"/>
-              </a:rPr>
-              <a:t>"%d\n"</a:t>
-            </a:r>
-            <a:r>
-              <a:rPr lang="en-US" b="1">
-                <a:solidFill>
-                  <a:srgbClr val="000080"/>
-                </a:solidFill>
-                <a:highlight>
-                  <a:srgbClr val="FFFFFF"/>
-                </a:highlight>
-                <a:latin typeface="Consolas" panose="020B0609020204030204" charset="0"/>
-                <a:ea typeface="宋体" panose="02010600030101010101" pitchFamily="2" charset="-122"/>
-              </a:rPr>
-              <a:t>,</a:t>
-            </a:r>
-            <a:r>
-              <a:rPr lang="en-US" b="0">
-                <a:solidFill>
-                  <a:srgbClr val="000000"/>
-                </a:solidFill>
-                <a:highlight>
-                  <a:srgbClr val="FFFFFF"/>
-                </a:highlight>
-                <a:latin typeface="Consolas" panose="020B0609020204030204" charset="0"/>
-                <a:ea typeface="宋体" panose="02010600030101010101" pitchFamily="2" charset="-122"/>
-              </a:rPr>
-              <a:t> fibonacci</a:t>
-            </a:r>
-            <a:r>
-              <a:rPr lang="en-US" b="1">
-                <a:solidFill>
-                  <a:srgbClr val="000080"/>
-                </a:solidFill>
-                <a:highlight>
-                  <a:srgbClr val="FFFFFF"/>
-                </a:highlight>
-                <a:latin typeface="Consolas" panose="020B0609020204030204" charset="0"/>
-                <a:ea typeface="宋体" panose="02010600030101010101" pitchFamily="2" charset="-122"/>
-              </a:rPr>
-              <a:t>(</a:t>
-            </a:r>
-            <a:r>
-              <a:rPr lang="en-US" b="0">
-                <a:solidFill>
-                  <a:srgbClr val="000000"/>
-                </a:solidFill>
-                <a:highlight>
-                  <a:srgbClr val="FFFFFF"/>
-                </a:highlight>
-                <a:latin typeface="Consolas" panose="020B0609020204030204" charset="0"/>
-                <a:ea typeface="宋体" panose="02010600030101010101" pitchFamily="2" charset="-122"/>
-              </a:rPr>
-              <a:t>n</a:t>
-            </a:r>
-            <a:r>
-              <a:rPr lang="en-US" b="1">
-                <a:solidFill>
-                  <a:srgbClr val="000080"/>
-                </a:solidFill>
-                <a:highlight>
-                  <a:srgbClr val="FFFFFF"/>
-                </a:highlight>
-                <a:latin typeface="Consolas" panose="020B0609020204030204" charset="0"/>
-                <a:ea typeface="宋体" panose="02010600030101010101" pitchFamily="2" charset="-122"/>
-              </a:rPr>
-              <a:t>));</a:t>
-            </a:r>
-            <a:endParaRPr lang="en-US" b="0">
-              <a:solidFill>
-                <a:srgbClr val="000000"/>
-              </a:solidFill>
-              <a:highlight>
-                <a:srgbClr val="FFFFFF"/>
-              </a:highlight>
-              <a:latin typeface="Consolas" panose="020B0609020204030204" charset="0"/>
-              <a:ea typeface="宋体" panose="02010600030101010101" pitchFamily="2" charset="-122"/>
-            </a:endParaRPr>
-          </a:p>
-          <a:p>
-            <a:pPr indent="0"/>
-            <a:r>
-              <a:rPr lang="en-US" b="0">
-                <a:solidFill>
-                  <a:srgbClr val="000000"/>
-                </a:solidFill>
-                <a:highlight>
-                  <a:srgbClr val="FFFFFF"/>
-                </a:highlight>
-                <a:latin typeface="Consolas" panose="020B0609020204030204" charset="0"/>
-                <a:ea typeface="宋体" panose="02010600030101010101" pitchFamily="2" charset="-122"/>
-              </a:rPr>
-              <a:t>    </a:t>
-            </a:r>
-            <a:r>
-              <a:rPr lang="en-US" b="1">
-                <a:solidFill>
-                  <a:srgbClr val="0000FF"/>
-                </a:solidFill>
-                <a:highlight>
-                  <a:srgbClr val="FFFFFF"/>
-                </a:highlight>
-                <a:latin typeface="Consolas" panose="020B0609020204030204" charset="0"/>
-                <a:ea typeface="宋体" panose="02010600030101010101" pitchFamily="2" charset="-122"/>
-              </a:rPr>
-              <a:t>return</a:t>
-            </a:r>
-            <a:r>
-              <a:rPr lang="en-US" b="0">
-                <a:solidFill>
-                  <a:srgbClr val="000000"/>
-                </a:solidFill>
-                <a:highlight>
-                  <a:srgbClr val="FFFFFF"/>
-                </a:highlight>
-                <a:latin typeface="Consolas" panose="020B0609020204030204" charset="0"/>
-                <a:ea typeface="宋体" panose="02010600030101010101" pitchFamily="2" charset="-122"/>
-              </a:rPr>
-              <a:t> </a:t>
-            </a:r>
-            <a:r>
-              <a:rPr lang="en-US" b="0">
-                <a:solidFill>
-                  <a:srgbClr val="FF8000"/>
-                </a:solidFill>
-                <a:highlight>
-                  <a:srgbClr val="FFFFFF"/>
-                </a:highlight>
-                <a:latin typeface="Consolas" panose="020B0609020204030204" charset="0"/>
-                <a:ea typeface="宋体" panose="02010600030101010101" pitchFamily="2" charset="-122"/>
-              </a:rPr>
-              <a:t>0</a:t>
-            </a:r>
-            <a:r>
-              <a:rPr lang="en-US" b="1">
-                <a:solidFill>
-                  <a:srgbClr val="000080"/>
-                </a:solidFill>
-                <a:highlight>
-                  <a:srgbClr val="FFFFFF"/>
-                </a:highlight>
-                <a:latin typeface="Consolas" panose="020B0609020204030204" charset="0"/>
-                <a:ea typeface="宋体" panose="02010600030101010101" pitchFamily="2" charset="-122"/>
-              </a:rPr>
-              <a:t>;</a:t>
-            </a:r>
-          </a:p>
-          <a:p>
-            <a:pPr indent="0"/>
-            <a:r>
-              <a:rPr lang="en-US" b="1">
-                <a:solidFill>
-                  <a:srgbClr val="000080"/>
-                </a:solidFill>
-                <a:highlight>
-                  <a:srgbClr val="FFFFFF"/>
-                </a:highlight>
-                <a:latin typeface="Consolas" panose="020B0609020204030204" charset="0"/>
-                <a:ea typeface="宋体" panose="02010600030101010101" pitchFamily="2" charset="-122"/>
+                <a:effectLst/>
+                <a:highlight>
+                  <a:srgbClr val="FFFFFF"/>
+                </a:highlight>
+                <a:latin typeface="Consolas" panose="020B0609020204030204" pitchFamily="49" charset="0"/>
+                <a:ea typeface="等线" panose="02010600030101010101" pitchFamily="2" charset="-122"/>
+                <a:cs typeface="Courier New" panose="02070309020205020404" pitchFamily="49" charset="0"/>
               </a:rPr>
               <a:t>}</a:t>
             </a:r>
-            <a:endParaRPr lang="en-US" altLang="en-US" b="1">
-              <a:solidFill>
-                <a:srgbClr val="000080"/>
-              </a:solidFill>
-              <a:highlight>
-                <a:srgbClr val="FFFFFF"/>
-              </a:highlight>
-              <a:latin typeface="Consolas" panose="020B0609020204030204" charset="0"/>
-              <a:ea typeface="宋体" panose="02010600030101010101" pitchFamily="2" charset="-122"/>
+            <a:endParaRPr lang="zh-CN" altLang="zh-CN" sz="1800" kern="100">
+              <a:effectLst/>
+              <a:latin typeface="等线" panose="02010600030101010101" pitchFamily="2" charset="-122"/>
+              <a:ea typeface="等线" panose="02010600030101010101" pitchFamily="2" charset="-122"/>
+              <a:cs typeface="Times New Roman" panose="02020603050405020304" pitchFamily="18" charset="0"/>
             </a:endParaRPr>
           </a:p>
         </p:txBody>
@@ -26105,11 +27233,16 @@
             <p:custDataLst>
               <p:tags r:id="rId4"/>
             </p:custDataLst>
+            <p:extLst>
+              <p:ext uri="{D42A27DB-BD31-4B8C-83A1-F6EECF244321}">
+                <p14:modId xmlns:p14="http://schemas.microsoft.com/office/powerpoint/2010/main" val="3496401766"/>
+              </p:ext>
+            </p:extLst>
           </p:nvPr>
         </p:nvGraphicFramePr>
         <p:xfrm>
           <a:off x="7658735" y="2691765"/>
-          <a:ext cx="3267075" cy="715645"/>
+          <a:ext cx="3618865" cy="715645"/>
         </p:xfrm>
         <a:graphic>
           <a:graphicData uri="http://schemas.openxmlformats.org/drawingml/2006/table">
@@ -26118,7 +27251,7 @@
                 <a:tableStyleId>{5C22544A-7EE6-4342-B048-85BDC9FD1C3A}</a:tableStyleId>
               </a:tblPr>
               <a:tblGrid>
-                <a:gridCol w="3267075">
+                <a:gridCol w="3618865">
                   <a:extLst>
                     <a:ext uri="{9D8B030D-6E8A-4147-A177-3AD203B41FA5}">
                       <a16:colId xmlns:a16="http://schemas.microsoft.com/office/drawing/2014/main" val="20000"/>
@@ -26144,7 +27277,51 @@
                           <a:cs typeface="Consolas" panose="020B0609020204030204" charset="0"/>
                           <a:sym typeface="+mn-ea"/>
                         </a:rPr>
-                        <a:t>gcc -Wall swap.c -o swap</a:t>
+                        <a:t>g</a:t>
+                      </a:r>
+                      <a:r>
+                        <a:rPr lang="en-US" altLang="zh-CN" sz="1800" b="0">
+                          <a:solidFill>
+                            <a:schemeClr val="tx1"/>
+                          </a:solidFill>
+                          <a:latin typeface="Consolas" panose="020B0609020204030204" charset="0"/>
+                          <a:cs typeface="Consolas" panose="020B0609020204030204" charset="0"/>
+                          <a:sym typeface="+mn-ea"/>
+                        </a:rPr>
+                        <a:t>++</a:t>
+                      </a:r>
+                      <a:r>
+                        <a:rPr lang="zh-CN" altLang="en-US" sz="1800" b="0">
+                          <a:solidFill>
+                            <a:schemeClr val="tx1"/>
+                          </a:solidFill>
+                          <a:latin typeface="Consolas" panose="020B0609020204030204" charset="0"/>
+                          <a:cs typeface="Consolas" panose="020B0609020204030204" charset="0"/>
+                          <a:sym typeface="+mn-ea"/>
+                        </a:rPr>
+                        <a:t> -Wall swap.c</a:t>
+                      </a:r>
+                      <a:r>
+                        <a:rPr lang="en-US" altLang="zh-CN" sz="1800" b="0">
+                          <a:solidFill>
+                            <a:schemeClr val="tx1"/>
+                          </a:solidFill>
+                          <a:latin typeface="Consolas" panose="020B0609020204030204" charset="0"/>
+                          <a:cs typeface="Consolas" panose="020B0609020204030204" charset="0"/>
+                          <a:sym typeface="+mn-ea"/>
+                        </a:rPr>
+                        <a:t>pp</a:t>
+                      </a:r>
+                      <a:r>
+                        <a:rPr lang="zh-CN" altLang="en-US" sz="1800" b="0">
+                          <a:solidFill>
+                            <a:schemeClr val="tx1"/>
+                          </a:solidFill>
+                          <a:latin typeface="Consolas" panose="020B0609020204030204" charset="0"/>
+                          <a:cs typeface="Consolas" panose="020B0609020204030204" charset="0"/>
+                          <a:sym typeface="+mn-ea"/>
+                        </a:rPr>
+                        <a:t> -o swap</a:t>
                       </a:r>
                     </a:p>
                     <a:p>
@@ -26191,8 +27368,8 @@
         </p:nvSpPr>
         <p:spPr>
           <a:xfrm>
-            <a:off x="579755" y="2130425"/>
-            <a:ext cx="6391275" cy="3969385"/>
+            <a:off x="358589" y="2006600"/>
+            <a:ext cx="7216588" cy="4524315"/>
           </a:xfrm>
           <a:prstGeom prst="rect">
             <a:avLst/>
@@ -26208,844 +27385,1272 @@
           </a:bodyPr>
           <a:lstStyle/>
           <a:p>
-            <a:pPr indent="0"/>
-            <a:r>
-              <a:rPr lang="en-US" b="0">
+            <a:pPr algn="l"/>
+            <a:r>
+              <a:rPr lang="en-US" altLang="zh-CN" sz="1800" kern="0">
                 <a:solidFill>
                   <a:srgbClr val="804000"/>
                 </a:solidFill>
-                <a:highlight>
-                  <a:srgbClr val="FFFFFF"/>
-                </a:highlight>
-                <a:latin typeface="Consolas" panose="020B0609020204030204" charset="0"/>
-                <a:ea typeface="宋体" panose="02010600030101010101" pitchFamily="2" charset="-122"/>
-              </a:rPr>
-              <a:t>#include &lt;stdio.h&gt;</a:t>
-            </a:r>
-            <a:endParaRPr lang="en-US" b="0">
-              <a:solidFill>
-                <a:srgbClr val="000000"/>
-              </a:solidFill>
-              <a:highlight>
-                <a:srgbClr val="FFFFFF"/>
-              </a:highlight>
-              <a:latin typeface="Consolas" panose="020B0609020204030204" charset="0"/>
-              <a:ea typeface="宋体" panose="02010600030101010101" pitchFamily="2" charset="-122"/>
+                <a:effectLst/>
+                <a:highlight>
+                  <a:srgbClr val="FFFFFF"/>
+                </a:highlight>
+                <a:latin typeface="Consolas" panose="020B0609020204030204" pitchFamily="49" charset="0"/>
+                <a:ea typeface="等线" panose="02010600030101010101" pitchFamily="2" charset="-122"/>
+                <a:cs typeface="Courier New" panose="02070309020205020404" pitchFamily="49" charset="0"/>
+              </a:rPr>
+              <a:t>#include &lt;iostream&gt;</a:t>
+            </a:r>
+            <a:endParaRPr lang="zh-CN" altLang="zh-CN" sz="1800" kern="100">
+              <a:effectLst/>
+              <a:latin typeface="等线" panose="02010600030101010101" pitchFamily="2" charset="-122"/>
+              <a:ea typeface="等线" panose="02010600030101010101" pitchFamily="2" charset="-122"/>
+              <a:cs typeface="Times New Roman" panose="02020603050405020304" pitchFamily="18" charset="0"/>
             </a:endParaRPr>
           </a:p>
           <a:p>
-            <a:pPr indent="0"/>
-            <a:r>
-              <a:rPr lang="en-US" b="0">
+            <a:pPr algn="l"/>
+            <a:r>
+              <a:rPr lang="en-US" altLang="zh-CN" sz="1800" kern="0">
                 <a:solidFill>
                   <a:srgbClr val="000000"/>
                 </a:solidFill>
-                <a:highlight>
-                  <a:srgbClr val="FFFFFF"/>
-                </a:highlight>
-                <a:latin typeface="Consolas" panose="020B0609020204030204" charset="0"/>
-                <a:ea typeface="宋体" panose="02010600030101010101" pitchFamily="2" charset="-122"/>
+                <a:effectLst/>
+                <a:highlight>
+                  <a:srgbClr val="FFFFFF"/>
+                </a:highlight>
+                <a:latin typeface="Consolas" panose="020B0609020204030204" pitchFamily="49" charset="0"/>
+                <a:ea typeface="等线" panose="02010600030101010101" pitchFamily="2" charset="-122"/>
+                <a:cs typeface="Courier New" panose="02070309020205020404" pitchFamily="49" charset="0"/>
+              </a:rPr>
+              <a:t> </a:t>
+            </a:r>
+            <a:endParaRPr lang="zh-CN" altLang="zh-CN" sz="1800" kern="100">
+              <a:effectLst/>
+              <a:latin typeface="等线" panose="02010600030101010101" pitchFamily="2" charset="-122"/>
+              <a:ea typeface="等线" panose="02010600030101010101" pitchFamily="2" charset="-122"/>
+              <a:cs typeface="Times New Roman" panose="02020603050405020304" pitchFamily="18" charset="0"/>
+            </a:endParaRPr>
+          </a:p>
+          <a:p>
+            <a:pPr algn="l"/>
+            <a:r>
+              <a:rPr lang="en-US" altLang="zh-CN" sz="1800" b="1" kern="0">
+                <a:solidFill>
+                  <a:srgbClr val="0000FF"/>
+                </a:solidFill>
+                <a:effectLst/>
+                <a:highlight>
+                  <a:srgbClr val="FFFFFF"/>
+                </a:highlight>
+                <a:latin typeface="Consolas" panose="020B0609020204030204" pitchFamily="49" charset="0"/>
+                <a:ea typeface="等线" panose="02010600030101010101" pitchFamily="2" charset="-122"/>
+                <a:cs typeface="Courier New" panose="02070309020205020404" pitchFamily="49" charset="0"/>
+              </a:rPr>
+              <a:t>using</a:t>
+            </a:r>
+            <a:r>
+              <a:rPr lang="en-US" altLang="zh-CN" sz="1800" kern="0">
+                <a:solidFill>
+                  <a:srgbClr val="000000"/>
+                </a:solidFill>
+                <a:effectLst/>
+                <a:highlight>
+                  <a:srgbClr val="FFFFFF"/>
+                </a:highlight>
+                <a:latin typeface="Consolas" panose="020B0609020204030204" pitchFamily="49" charset="0"/>
+                <a:ea typeface="等线" panose="02010600030101010101" pitchFamily="2" charset="-122"/>
+                <a:cs typeface="Courier New" panose="02070309020205020404" pitchFamily="49" charset="0"/>
               </a:rPr>
               <a:t> </a:t>
             </a:r>
-            <a:endParaRPr lang="en-US" b="0">
-              <a:solidFill>
-                <a:srgbClr val="804000"/>
-              </a:solidFill>
-              <a:highlight>
-                <a:srgbClr val="FFFFFF"/>
-              </a:highlight>
-              <a:latin typeface="Consolas" panose="020B0609020204030204" charset="0"/>
-              <a:ea typeface="宋体" panose="02010600030101010101" pitchFamily="2" charset="-122"/>
+            <a:r>
+              <a:rPr lang="en-US" altLang="zh-CN" sz="1800" b="1" kern="0">
+                <a:solidFill>
+                  <a:srgbClr val="0000FF"/>
+                </a:solidFill>
+                <a:effectLst/>
+                <a:highlight>
+                  <a:srgbClr val="FFFFFF"/>
+                </a:highlight>
+                <a:latin typeface="Consolas" panose="020B0609020204030204" pitchFamily="49" charset="0"/>
+                <a:ea typeface="等线" panose="02010600030101010101" pitchFamily="2" charset="-122"/>
+                <a:cs typeface="Courier New" panose="02070309020205020404" pitchFamily="49" charset="0"/>
+              </a:rPr>
+              <a:t>namespace</a:t>
+            </a:r>
+            <a:r>
+              <a:rPr lang="en-US" altLang="zh-CN" sz="1800" kern="0">
+                <a:solidFill>
+                  <a:srgbClr val="000000"/>
+                </a:solidFill>
+                <a:effectLst/>
+                <a:highlight>
+                  <a:srgbClr val="FFFFFF"/>
+                </a:highlight>
+                <a:latin typeface="Consolas" panose="020B0609020204030204" pitchFamily="49" charset="0"/>
+                <a:ea typeface="等线" panose="02010600030101010101" pitchFamily="2" charset="-122"/>
+                <a:cs typeface="Courier New" panose="02070309020205020404" pitchFamily="49" charset="0"/>
+              </a:rPr>
+              <a:t> std</a:t>
+            </a:r>
+            <a:r>
+              <a:rPr lang="en-US" altLang="zh-CN" sz="1800" b="1" kern="0">
+                <a:solidFill>
+                  <a:srgbClr val="000080"/>
+                </a:solidFill>
+                <a:effectLst/>
+                <a:highlight>
+                  <a:srgbClr val="FFFFFF"/>
+                </a:highlight>
+                <a:latin typeface="Consolas" panose="020B0609020204030204" pitchFamily="49" charset="0"/>
+                <a:ea typeface="等线" panose="02010600030101010101" pitchFamily="2" charset="-122"/>
+                <a:cs typeface="Courier New" panose="02070309020205020404" pitchFamily="49" charset="0"/>
+              </a:rPr>
+              <a:t>;</a:t>
+            </a:r>
+            <a:endParaRPr lang="zh-CN" altLang="zh-CN" sz="1800" kern="100">
+              <a:effectLst/>
+              <a:latin typeface="等线" panose="02010600030101010101" pitchFamily="2" charset="-122"/>
+              <a:ea typeface="等线" panose="02010600030101010101" pitchFamily="2" charset="-122"/>
+              <a:cs typeface="Times New Roman" panose="02020603050405020304" pitchFamily="18" charset="0"/>
             </a:endParaRPr>
           </a:p>
           <a:p>
-            <a:pPr indent="0"/>
-            <a:r>
-              <a:rPr lang="en-US" b="0">
+            <a:pPr algn="l"/>
+            <a:r>
+              <a:rPr lang="en-US" altLang="zh-CN" sz="1800" kern="0">
+                <a:solidFill>
+                  <a:srgbClr val="000000"/>
+                </a:solidFill>
+                <a:effectLst/>
+                <a:highlight>
+                  <a:srgbClr val="FFFFFF"/>
+                </a:highlight>
+                <a:latin typeface="Consolas" panose="020B0609020204030204" pitchFamily="49" charset="0"/>
+                <a:ea typeface="等线" panose="02010600030101010101" pitchFamily="2" charset="-122"/>
+                <a:cs typeface="Courier New" panose="02070309020205020404" pitchFamily="49" charset="0"/>
+              </a:rPr>
+              <a:t> </a:t>
+            </a:r>
+            <a:endParaRPr lang="zh-CN" altLang="zh-CN" sz="1800" kern="100">
+              <a:effectLst/>
+              <a:latin typeface="等线" panose="02010600030101010101" pitchFamily="2" charset="-122"/>
+              <a:ea typeface="等线" panose="02010600030101010101" pitchFamily="2" charset="-122"/>
+              <a:cs typeface="Times New Roman" panose="02020603050405020304" pitchFamily="18" charset="0"/>
+            </a:endParaRPr>
+          </a:p>
+          <a:p>
+            <a:pPr algn="l"/>
+            <a:r>
+              <a:rPr lang="en-US" altLang="zh-CN" sz="1800" kern="0">
                 <a:solidFill>
                   <a:srgbClr val="804000"/>
                 </a:solidFill>
-                <a:highlight>
-                  <a:srgbClr val="FFFFFF"/>
-                </a:highlight>
-                <a:latin typeface="Consolas" panose="020B0609020204030204" charset="0"/>
-                <a:ea typeface="宋体" panose="02010600030101010101" pitchFamily="2" charset="-122"/>
+                <a:effectLst/>
+                <a:highlight>
+                  <a:srgbClr val="FFFFFF"/>
+                </a:highlight>
+                <a:latin typeface="Consolas" panose="020B0609020204030204" pitchFamily="49" charset="0"/>
+                <a:ea typeface="等线" panose="02010600030101010101" pitchFamily="2" charset="-122"/>
+                <a:cs typeface="Courier New" panose="02070309020205020404" pitchFamily="49" charset="0"/>
               </a:rPr>
               <a:t>#define SWAP(a, b) {int t; t = a; a = b; b = t;}</a:t>
             </a:r>
-            <a:endParaRPr lang="en-US" b="0">
-              <a:solidFill>
-                <a:srgbClr val="000000"/>
-              </a:solidFill>
-              <a:highlight>
-                <a:srgbClr val="FFFFFF"/>
-              </a:highlight>
-              <a:latin typeface="Consolas" panose="020B0609020204030204" charset="0"/>
-              <a:ea typeface="宋体" panose="02010600030101010101" pitchFamily="2" charset="-122"/>
+            <a:endParaRPr lang="zh-CN" altLang="zh-CN" sz="1800" kern="100">
+              <a:effectLst/>
+              <a:latin typeface="等线" panose="02010600030101010101" pitchFamily="2" charset="-122"/>
+              <a:ea typeface="等线" panose="02010600030101010101" pitchFamily="2" charset="-122"/>
+              <a:cs typeface="Times New Roman" panose="02020603050405020304" pitchFamily="18" charset="0"/>
             </a:endParaRPr>
           </a:p>
           <a:p>
-            <a:pPr indent="0"/>
-            <a:r>
-              <a:rPr lang="en-US" b="0">
+            <a:pPr algn="l"/>
+            <a:r>
+              <a:rPr lang="en-US" altLang="zh-CN" sz="1800" kern="0">
                 <a:solidFill>
                   <a:srgbClr val="000000"/>
                 </a:solidFill>
-                <a:highlight>
-                  <a:srgbClr val="FFFFFF"/>
-                </a:highlight>
-                <a:latin typeface="Consolas" panose="020B0609020204030204" charset="0"/>
-                <a:ea typeface="宋体" panose="02010600030101010101" pitchFamily="2" charset="-122"/>
+                <a:effectLst/>
+                <a:highlight>
+                  <a:srgbClr val="FFFFFF"/>
+                </a:highlight>
+                <a:latin typeface="Consolas" panose="020B0609020204030204" pitchFamily="49" charset="0"/>
+                <a:ea typeface="等线" panose="02010600030101010101" pitchFamily="2" charset="-122"/>
+                <a:cs typeface="Courier New" panose="02070309020205020404" pitchFamily="49" charset="0"/>
+              </a:rPr>
+              <a:t> </a:t>
+            </a:r>
+            <a:endParaRPr lang="zh-CN" altLang="zh-CN" sz="1800" kern="100">
+              <a:effectLst/>
+              <a:latin typeface="等线" panose="02010600030101010101" pitchFamily="2" charset="-122"/>
+              <a:ea typeface="等线" panose="02010600030101010101" pitchFamily="2" charset="-122"/>
+              <a:cs typeface="Times New Roman" panose="02020603050405020304" pitchFamily="18" charset="0"/>
+            </a:endParaRPr>
+          </a:p>
+          <a:p>
+            <a:pPr algn="l"/>
+            <a:r>
+              <a:rPr lang="en-US" altLang="zh-CN" sz="1800" kern="0">
+                <a:solidFill>
+                  <a:srgbClr val="8000FF"/>
+                </a:solidFill>
+                <a:effectLst/>
+                <a:highlight>
+                  <a:srgbClr val="FFFFFF"/>
+                </a:highlight>
+                <a:latin typeface="Consolas" panose="020B0609020204030204" pitchFamily="49" charset="0"/>
+                <a:ea typeface="等线" panose="02010600030101010101" pitchFamily="2" charset="-122"/>
+                <a:cs typeface="Courier New" panose="02070309020205020404" pitchFamily="49" charset="0"/>
+              </a:rPr>
+              <a:t>int</a:t>
+            </a:r>
+            <a:r>
+              <a:rPr lang="en-US" altLang="zh-CN" sz="1800" kern="0">
+                <a:solidFill>
+                  <a:srgbClr val="000000"/>
+                </a:solidFill>
+                <a:effectLst/>
+                <a:highlight>
+                  <a:srgbClr val="FFFFFF"/>
+                </a:highlight>
+                <a:latin typeface="Consolas" panose="020B0609020204030204" pitchFamily="49" charset="0"/>
+                <a:ea typeface="等线" panose="02010600030101010101" pitchFamily="2" charset="-122"/>
+                <a:cs typeface="Courier New" panose="02070309020205020404" pitchFamily="49" charset="0"/>
+              </a:rPr>
+              <a:t> main</a:t>
+            </a:r>
+            <a:r>
+              <a:rPr lang="en-US" altLang="zh-CN" sz="1800" b="1" kern="0">
+                <a:solidFill>
+                  <a:srgbClr val="000080"/>
+                </a:solidFill>
+                <a:effectLst/>
+                <a:highlight>
+                  <a:srgbClr val="FFFFFF"/>
+                </a:highlight>
+                <a:latin typeface="Consolas" panose="020B0609020204030204" pitchFamily="49" charset="0"/>
+                <a:ea typeface="等线" panose="02010600030101010101" pitchFamily="2" charset="-122"/>
+                <a:cs typeface="Courier New" panose="02070309020205020404" pitchFamily="49" charset="0"/>
+              </a:rPr>
+              <a:t>()</a:t>
+            </a:r>
+            <a:r>
+              <a:rPr lang="en-US" altLang="zh-CN" sz="1800" kern="0">
+                <a:solidFill>
+                  <a:srgbClr val="000000"/>
+                </a:solidFill>
+                <a:effectLst/>
+                <a:highlight>
+                  <a:srgbClr val="FFFFFF"/>
+                </a:highlight>
+                <a:latin typeface="Consolas" panose="020B0609020204030204" pitchFamily="49" charset="0"/>
+                <a:ea typeface="等线" panose="02010600030101010101" pitchFamily="2" charset="-122"/>
+                <a:cs typeface="Courier New" panose="02070309020205020404" pitchFamily="49" charset="0"/>
               </a:rPr>
               <a:t> </a:t>
             </a:r>
-            <a:endParaRPr lang="en-US" b="0">
-              <a:solidFill>
-                <a:srgbClr val="8000FF"/>
-              </a:solidFill>
-              <a:highlight>
-                <a:srgbClr val="FFFFFF"/>
-              </a:highlight>
-              <a:latin typeface="Consolas" panose="020B0609020204030204" charset="0"/>
-              <a:ea typeface="宋体" panose="02010600030101010101" pitchFamily="2" charset="-122"/>
+            <a:r>
+              <a:rPr lang="en-US" altLang="zh-CN" sz="1800" b="1" kern="0">
+                <a:solidFill>
+                  <a:srgbClr val="000080"/>
+                </a:solidFill>
+                <a:effectLst/>
+                <a:highlight>
+                  <a:srgbClr val="FFFFFF"/>
+                </a:highlight>
+                <a:latin typeface="Consolas" panose="020B0609020204030204" pitchFamily="49" charset="0"/>
+                <a:ea typeface="等线" panose="02010600030101010101" pitchFamily="2" charset="-122"/>
+                <a:cs typeface="Courier New" panose="02070309020205020404" pitchFamily="49" charset="0"/>
+              </a:rPr>
+              <a:t>{</a:t>
+            </a:r>
+            <a:endParaRPr lang="zh-CN" altLang="zh-CN" sz="1800" kern="100">
+              <a:effectLst/>
+              <a:latin typeface="等线" panose="02010600030101010101" pitchFamily="2" charset="-122"/>
+              <a:ea typeface="等线" panose="02010600030101010101" pitchFamily="2" charset="-122"/>
+              <a:cs typeface="Times New Roman" panose="02020603050405020304" pitchFamily="18" charset="0"/>
             </a:endParaRPr>
           </a:p>
           <a:p>
-            <a:pPr indent="0"/>
-            <a:r>
-              <a:rPr lang="en-US" b="0">
+            <a:pPr algn="l"/>
+            <a:r>
+              <a:rPr lang="en-US" altLang="zh-CN" sz="1800" kern="0">
+                <a:solidFill>
+                  <a:srgbClr val="000000"/>
+                </a:solidFill>
+                <a:effectLst/>
+                <a:highlight>
+                  <a:srgbClr val="FFFFFF"/>
+                </a:highlight>
+                <a:latin typeface="Consolas" panose="020B0609020204030204" pitchFamily="49" charset="0"/>
+                <a:ea typeface="等线" panose="02010600030101010101" pitchFamily="2" charset="-122"/>
+                <a:cs typeface="Courier New" panose="02070309020205020404" pitchFamily="49" charset="0"/>
+              </a:rPr>
+              <a:t>    </a:t>
+            </a:r>
+            <a:r>
+              <a:rPr lang="en-US" altLang="zh-CN" sz="1800" kern="0">
                 <a:solidFill>
                   <a:srgbClr val="8000FF"/>
                 </a:solidFill>
-                <a:highlight>
-                  <a:srgbClr val="FFFFFF"/>
-                </a:highlight>
-                <a:latin typeface="Consolas" panose="020B0609020204030204" charset="0"/>
-                <a:ea typeface="宋体" panose="02010600030101010101" pitchFamily="2" charset="-122"/>
+                <a:effectLst/>
+                <a:highlight>
+                  <a:srgbClr val="FFFFFF"/>
+                </a:highlight>
+                <a:latin typeface="Consolas" panose="020B0609020204030204" pitchFamily="49" charset="0"/>
+                <a:ea typeface="等线" panose="02010600030101010101" pitchFamily="2" charset="-122"/>
+                <a:cs typeface="Courier New" panose="02070309020205020404" pitchFamily="49" charset="0"/>
               </a:rPr>
               <a:t>int</a:t>
             </a:r>
             <a:r>
-              <a:rPr lang="en-US" b="0">
+              <a:rPr lang="en-US" altLang="zh-CN" sz="1800" kern="0">
                 <a:solidFill>
                   <a:srgbClr val="000000"/>
                 </a:solidFill>
-                <a:highlight>
-                  <a:srgbClr val="FFFFFF"/>
-                </a:highlight>
-                <a:latin typeface="Consolas" panose="020B0609020204030204" charset="0"/>
-                <a:ea typeface="宋体" panose="02010600030101010101" pitchFamily="2" charset="-122"/>
-              </a:rPr>
-              <a:t> main</a:t>
-            </a:r>
-            <a:r>
-              <a:rPr lang="en-US" b="1">
+                <a:effectLst/>
+                <a:highlight>
+                  <a:srgbClr val="FFFFFF"/>
+                </a:highlight>
+                <a:latin typeface="Consolas" panose="020B0609020204030204" pitchFamily="49" charset="0"/>
+                <a:ea typeface="等线" panose="02010600030101010101" pitchFamily="2" charset="-122"/>
+                <a:cs typeface="Courier New" panose="02070309020205020404" pitchFamily="49" charset="0"/>
+              </a:rPr>
+              <a:t> a </a:t>
+            </a:r>
+            <a:r>
+              <a:rPr lang="en-US" altLang="zh-CN" sz="1800" b="1" kern="0">
                 <a:solidFill>
                   <a:srgbClr val="000080"/>
                 </a:solidFill>
-                <a:highlight>
-                  <a:srgbClr val="FFFFFF"/>
-                </a:highlight>
-                <a:latin typeface="Consolas" panose="020B0609020204030204" charset="0"/>
-                <a:ea typeface="宋体" panose="02010600030101010101" pitchFamily="2" charset="-122"/>
-              </a:rPr>
-              <a:t>()</a:t>
-            </a:r>
-            <a:r>
-              <a:rPr lang="en-US" b="0">
+                <a:effectLst/>
+                <a:highlight>
+                  <a:srgbClr val="FFFFFF"/>
+                </a:highlight>
+                <a:latin typeface="Consolas" panose="020B0609020204030204" pitchFamily="49" charset="0"/>
+                <a:ea typeface="等线" panose="02010600030101010101" pitchFamily="2" charset="-122"/>
+                <a:cs typeface="Courier New" panose="02070309020205020404" pitchFamily="49" charset="0"/>
+              </a:rPr>
+              <a:t>=</a:t>
+            </a:r>
+            <a:r>
+              <a:rPr lang="en-US" altLang="zh-CN" sz="1800" kern="0">
                 <a:solidFill>
                   <a:srgbClr val="000000"/>
                 </a:solidFill>
-                <a:highlight>
-                  <a:srgbClr val="FFFFFF"/>
-                </a:highlight>
-                <a:latin typeface="Consolas" panose="020B0609020204030204" charset="0"/>
-                <a:ea typeface="宋体" panose="02010600030101010101" pitchFamily="2" charset="-122"/>
+                <a:effectLst/>
+                <a:highlight>
+                  <a:srgbClr val="FFFFFF"/>
+                </a:highlight>
+                <a:latin typeface="Consolas" panose="020B0609020204030204" pitchFamily="49" charset="0"/>
+                <a:ea typeface="等线" panose="02010600030101010101" pitchFamily="2" charset="-122"/>
+                <a:cs typeface="Courier New" panose="02070309020205020404" pitchFamily="49" charset="0"/>
               </a:rPr>
               <a:t> </a:t>
             </a:r>
             <a:r>
-              <a:rPr lang="en-US" b="1">
+              <a:rPr lang="en-US" altLang="zh-CN" sz="1800" kern="0">
+                <a:solidFill>
+                  <a:srgbClr val="FF8000"/>
+                </a:solidFill>
+                <a:effectLst/>
+                <a:highlight>
+                  <a:srgbClr val="FFFFFF"/>
+                </a:highlight>
+                <a:latin typeface="Consolas" panose="020B0609020204030204" pitchFamily="49" charset="0"/>
+                <a:ea typeface="等线" panose="02010600030101010101" pitchFamily="2" charset="-122"/>
+                <a:cs typeface="Courier New" panose="02070309020205020404" pitchFamily="49" charset="0"/>
+              </a:rPr>
+              <a:t>1</a:t>
+            </a:r>
+            <a:r>
+              <a:rPr lang="en-US" altLang="zh-CN" sz="1800" b="1" kern="0">
                 <a:solidFill>
                   <a:srgbClr val="000080"/>
                 </a:solidFill>
-                <a:highlight>
-                  <a:srgbClr val="FFFFFF"/>
-                </a:highlight>
-                <a:latin typeface="Consolas" panose="020B0609020204030204" charset="0"/>
-                <a:ea typeface="宋体" panose="02010600030101010101" pitchFamily="2" charset="-122"/>
-              </a:rPr>
-              <a:t>{</a:t>
-            </a:r>
-            <a:endParaRPr lang="en-US" b="0">
-              <a:solidFill>
-                <a:srgbClr val="000000"/>
-              </a:solidFill>
-              <a:highlight>
-                <a:srgbClr val="FFFFFF"/>
-              </a:highlight>
-              <a:latin typeface="Consolas" panose="020B0609020204030204" charset="0"/>
-              <a:ea typeface="宋体" panose="02010600030101010101" pitchFamily="2" charset="-122"/>
+                <a:effectLst/>
+                <a:highlight>
+                  <a:srgbClr val="FFFFFF"/>
+                </a:highlight>
+                <a:latin typeface="Consolas" panose="020B0609020204030204" pitchFamily="49" charset="0"/>
+                <a:ea typeface="等线" panose="02010600030101010101" pitchFamily="2" charset="-122"/>
+                <a:cs typeface="Courier New" panose="02070309020205020404" pitchFamily="49" charset="0"/>
+              </a:rPr>
+              <a:t>;</a:t>
+            </a:r>
+            <a:endParaRPr lang="zh-CN" altLang="zh-CN" sz="1800" kern="100">
+              <a:effectLst/>
+              <a:latin typeface="等线" panose="02010600030101010101" pitchFamily="2" charset="-122"/>
+              <a:ea typeface="等线" panose="02010600030101010101" pitchFamily="2" charset="-122"/>
+              <a:cs typeface="Times New Roman" panose="02020603050405020304" pitchFamily="18" charset="0"/>
             </a:endParaRPr>
           </a:p>
           <a:p>
-            <a:pPr indent="0"/>
-            <a:r>
-              <a:rPr lang="en-US" b="0">
+            <a:pPr algn="l"/>
+            <a:r>
+              <a:rPr lang="en-US" altLang="zh-CN" sz="1800" kern="0">
                 <a:solidFill>
                   <a:srgbClr val="000000"/>
                 </a:solidFill>
-                <a:highlight>
-                  <a:srgbClr val="FFFFFF"/>
-                </a:highlight>
-                <a:latin typeface="Consolas" panose="020B0609020204030204" charset="0"/>
-                <a:ea typeface="宋体" panose="02010600030101010101" pitchFamily="2" charset="-122"/>
+                <a:effectLst/>
+                <a:highlight>
+                  <a:srgbClr val="FFFFFF"/>
+                </a:highlight>
+                <a:latin typeface="Consolas" panose="020B0609020204030204" pitchFamily="49" charset="0"/>
+                <a:ea typeface="等线" panose="02010600030101010101" pitchFamily="2" charset="-122"/>
+                <a:cs typeface="Courier New" panose="02070309020205020404" pitchFamily="49" charset="0"/>
               </a:rPr>
               <a:t>    </a:t>
             </a:r>
             <a:r>
-              <a:rPr lang="en-US" b="0">
+              <a:rPr lang="en-US" altLang="zh-CN" sz="1800" kern="0">
                 <a:solidFill>
                   <a:srgbClr val="8000FF"/>
                 </a:solidFill>
-                <a:highlight>
-                  <a:srgbClr val="FFFFFF"/>
-                </a:highlight>
-                <a:latin typeface="Consolas" panose="020B0609020204030204" charset="0"/>
-                <a:ea typeface="宋体" panose="02010600030101010101" pitchFamily="2" charset="-122"/>
+                <a:effectLst/>
+                <a:highlight>
+                  <a:srgbClr val="FFFFFF"/>
+                </a:highlight>
+                <a:latin typeface="Consolas" panose="020B0609020204030204" pitchFamily="49" charset="0"/>
+                <a:ea typeface="等线" panose="02010600030101010101" pitchFamily="2" charset="-122"/>
+                <a:cs typeface="Courier New" panose="02070309020205020404" pitchFamily="49" charset="0"/>
               </a:rPr>
               <a:t>int</a:t>
             </a:r>
             <a:r>
-              <a:rPr lang="en-US" b="0">
+              <a:rPr lang="en-US" altLang="zh-CN" sz="1800" kern="0">
                 <a:solidFill>
                   <a:srgbClr val="000000"/>
                 </a:solidFill>
-                <a:highlight>
-                  <a:srgbClr val="FFFFFF"/>
-                </a:highlight>
-                <a:latin typeface="Consolas" panose="020B0609020204030204" charset="0"/>
-                <a:ea typeface="宋体" panose="02010600030101010101" pitchFamily="2" charset="-122"/>
+                <a:effectLst/>
+                <a:highlight>
+                  <a:srgbClr val="FFFFFF"/>
+                </a:highlight>
+                <a:latin typeface="Consolas" panose="020B0609020204030204" pitchFamily="49" charset="0"/>
+                <a:ea typeface="等线" panose="02010600030101010101" pitchFamily="2" charset="-122"/>
+                <a:cs typeface="Courier New" panose="02070309020205020404" pitchFamily="49" charset="0"/>
+              </a:rPr>
+              <a:t> b </a:t>
+            </a:r>
+            <a:r>
+              <a:rPr lang="en-US" altLang="zh-CN" sz="1800" b="1" kern="0">
+                <a:solidFill>
+                  <a:srgbClr val="000080"/>
+                </a:solidFill>
+                <a:effectLst/>
+                <a:highlight>
+                  <a:srgbClr val="FFFFFF"/>
+                </a:highlight>
+                <a:latin typeface="Consolas" panose="020B0609020204030204" pitchFamily="49" charset="0"/>
+                <a:ea typeface="等线" panose="02010600030101010101" pitchFamily="2" charset="-122"/>
+                <a:cs typeface="Courier New" panose="02070309020205020404" pitchFamily="49" charset="0"/>
+              </a:rPr>
+              <a:t>=</a:t>
+            </a:r>
+            <a:r>
+              <a:rPr lang="en-US" altLang="zh-CN" sz="1800" kern="0">
+                <a:solidFill>
+                  <a:srgbClr val="000000"/>
+                </a:solidFill>
+                <a:effectLst/>
+                <a:highlight>
+                  <a:srgbClr val="FFFFFF"/>
+                </a:highlight>
+                <a:latin typeface="Consolas" panose="020B0609020204030204" pitchFamily="49" charset="0"/>
+                <a:ea typeface="等线" panose="02010600030101010101" pitchFamily="2" charset="-122"/>
+                <a:cs typeface="Courier New" panose="02070309020205020404" pitchFamily="49" charset="0"/>
+              </a:rPr>
+              <a:t> </a:t>
+            </a:r>
+            <a:r>
+              <a:rPr lang="en-US" altLang="zh-CN" sz="1800" kern="0">
+                <a:solidFill>
+                  <a:srgbClr val="FF8000"/>
+                </a:solidFill>
+                <a:effectLst/>
+                <a:highlight>
+                  <a:srgbClr val="FFFFFF"/>
+                </a:highlight>
+                <a:latin typeface="Consolas" panose="020B0609020204030204" pitchFamily="49" charset="0"/>
+                <a:ea typeface="等线" panose="02010600030101010101" pitchFamily="2" charset="-122"/>
+                <a:cs typeface="Courier New" panose="02070309020205020404" pitchFamily="49" charset="0"/>
+              </a:rPr>
+              <a:t>2</a:t>
+            </a:r>
+            <a:r>
+              <a:rPr lang="en-US" altLang="zh-CN" sz="1800" b="1" kern="0">
+                <a:solidFill>
+                  <a:srgbClr val="000080"/>
+                </a:solidFill>
+                <a:effectLst/>
+                <a:highlight>
+                  <a:srgbClr val="FFFFFF"/>
+                </a:highlight>
+                <a:latin typeface="Consolas" panose="020B0609020204030204" pitchFamily="49" charset="0"/>
+                <a:ea typeface="等线" panose="02010600030101010101" pitchFamily="2" charset="-122"/>
+                <a:cs typeface="Courier New" panose="02070309020205020404" pitchFamily="49" charset="0"/>
+              </a:rPr>
+              <a:t>;</a:t>
+            </a:r>
+            <a:endParaRPr lang="zh-CN" altLang="zh-CN" sz="1800" kern="100">
+              <a:effectLst/>
+              <a:latin typeface="等线" panose="02010600030101010101" pitchFamily="2" charset="-122"/>
+              <a:ea typeface="等线" panose="02010600030101010101" pitchFamily="2" charset="-122"/>
+              <a:cs typeface="Times New Roman" panose="02020603050405020304" pitchFamily="18" charset="0"/>
+            </a:endParaRPr>
+          </a:p>
+          <a:p>
+            <a:pPr algn="l"/>
+            <a:r>
+              <a:rPr lang="en-US" altLang="zh-CN" sz="1800" kern="0">
+                <a:solidFill>
+                  <a:srgbClr val="000000"/>
+                </a:solidFill>
+                <a:effectLst/>
+                <a:highlight>
+                  <a:srgbClr val="FFFFFF"/>
+                </a:highlight>
+                <a:latin typeface="Consolas" panose="020B0609020204030204" pitchFamily="49" charset="0"/>
+                <a:ea typeface="等线" panose="02010600030101010101" pitchFamily="2" charset="-122"/>
+                <a:cs typeface="Courier New" panose="02070309020205020404" pitchFamily="49" charset="0"/>
+              </a:rPr>
+              <a:t> </a:t>
+            </a:r>
+            <a:endParaRPr lang="zh-CN" altLang="zh-CN" sz="1800" kern="100">
+              <a:effectLst/>
+              <a:latin typeface="等线" panose="02010600030101010101" pitchFamily="2" charset="-122"/>
+              <a:ea typeface="等线" panose="02010600030101010101" pitchFamily="2" charset="-122"/>
+              <a:cs typeface="Times New Roman" panose="02020603050405020304" pitchFamily="18" charset="0"/>
+            </a:endParaRPr>
+          </a:p>
+          <a:p>
+            <a:pPr algn="l"/>
+            <a:r>
+              <a:rPr lang="en-US" altLang="zh-CN" sz="1800" kern="0">
+                <a:solidFill>
+                  <a:srgbClr val="000000"/>
+                </a:solidFill>
+                <a:effectLst/>
+                <a:highlight>
+                  <a:srgbClr val="FFFFFF"/>
+                </a:highlight>
+                <a:latin typeface="Consolas" panose="020B0609020204030204" pitchFamily="49" charset="0"/>
+                <a:ea typeface="等线" panose="02010600030101010101" pitchFamily="2" charset="-122"/>
+                <a:cs typeface="Courier New" panose="02070309020205020404" pitchFamily="49" charset="0"/>
+              </a:rPr>
+              <a:t>    cout </a:t>
+            </a:r>
+            <a:r>
+              <a:rPr lang="en-US" altLang="zh-CN" sz="1800" b="1" kern="0">
+                <a:solidFill>
+                  <a:srgbClr val="000080"/>
+                </a:solidFill>
+                <a:effectLst/>
+                <a:highlight>
+                  <a:srgbClr val="FFFFFF"/>
+                </a:highlight>
+                <a:latin typeface="Consolas" panose="020B0609020204030204" pitchFamily="49" charset="0"/>
+                <a:ea typeface="等线" panose="02010600030101010101" pitchFamily="2" charset="-122"/>
+                <a:cs typeface="Courier New" panose="02070309020205020404" pitchFamily="49" charset="0"/>
+              </a:rPr>
+              <a:t>&lt;&lt;</a:t>
+            </a:r>
+            <a:r>
+              <a:rPr lang="en-US" altLang="zh-CN" sz="1800" kern="0">
+                <a:solidFill>
+                  <a:srgbClr val="000000"/>
+                </a:solidFill>
+                <a:effectLst/>
+                <a:highlight>
+                  <a:srgbClr val="FFFFFF"/>
+                </a:highlight>
+                <a:latin typeface="Consolas" panose="020B0609020204030204" pitchFamily="49" charset="0"/>
+                <a:ea typeface="等线" panose="02010600030101010101" pitchFamily="2" charset="-122"/>
+                <a:cs typeface="Courier New" panose="02070309020205020404" pitchFamily="49" charset="0"/>
+              </a:rPr>
+              <a:t> </a:t>
+            </a:r>
+            <a:r>
+              <a:rPr lang="en-US" altLang="zh-CN" sz="1800" kern="0">
+                <a:solidFill>
+                  <a:srgbClr val="808080"/>
+                </a:solidFill>
+                <a:effectLst/>
+                <a:highlight>
+                  <a:srgbClr val="FFFFFF"/>
+                </a:highlight>
+                <a:latin typeface="Consolas" panose="020B0609020204030204" pitchFamily="49" charset="0"/>
+                <a:ea typeface="等线" panose="02010600030101010101" pitchFamily="2" charset="-122"/>
+                <a:cs typeface="Courier New" panose="02070309020205020404" pitchFamily="49" charset="0"/>
+              </a:rPr>
+              <a:t>"Before: a = "</a:t>
+            </a:r>
+            <a:r>
+              <a:rPr lang="en-US" altLang="zh-CN" sz="1800" kern="0">
+                <a:solidFill>
+                  <a:srgbClr val="000000"/>
+                </a:solidFill>
+                <a:effectLst/>
+                <a:highlight>
+                  <a:srgbClr val="FFFFFF"/>
+                </a:highlight>
+                <a:latin typeface="Consolas" panose="020B0609020204030204" pitchFamily="49" charset="0"/>
+                <a:ea typeface="等线" panose="02010600030101010101" pitchFamily="2" charset="-122"/>
+                <a:cs typeface="Courier New" panose="02070309020205020404" pitchFamily="49" charset="0"/>
+              </a:rPr>
+              <a:t> </a:t>
+            </a:r>
+            <a:r>
+              <a:rPr lang="en-US" altLang="zh-CN" sz="1800" b="1" kern="0">
+                <a:solidFill>
+                  <a:srgbClr val="000080"/>
+                </a:solidFill>
+                <a:effectLst/>
+                <a:highlight>
+                  <a:srgbClr val="FFFFFF"/>
+                </a:highlight>
+                <a:latin typeface="Consolas" panose="020B0609020204030204" pitchFamily="49" charset="0"/>
+                <a:ea typeface="等线" panose="02010600030101010101" pitchFamily="2" charset="-122"/>
+                <a:cs typeface="Courier New" panose="02070309020205020404" pitchFamily="49" charset="0"/>
+              </a:rPr>
+              <a:t>&lt;&lt;</a:t>
+            </a:r>
+            <a:r>
+              <a:rPr lang="en-US" altLang="zh-CN" sz="1800" kern="0">
+                <a:solidFill>
+                  <a:srgbClr val="000000"/>
+                </a:solidFill>
+                <a:effectLst/>
+                <a:highlight>
+                  <a:srgbClr val="FFFFFF"/>
+                </a:highlight>
+                <a:latin typeface="Consolas" panose="020B0609020204030204" pitchFamily="49" charset="0"/>
+                <a:ea typeface="等线" panose="02010600030101010101" pitchFamily="2" charset="-122"/>
+                <a:cs typeface="Courier New" panose="02070309020205020404" pitchFamily="49" charset="0"/>
               </a:rPr>
               <a:t> a </a:t>
             </a:r>
             <a:r>
-              <a:rPr lang="en-US" b="1">
+              <a:rPr lang="en-US" altLang="zh-CN" sz="1800" b="1" kern="0">
                 <a:solidFill>
                   <a:srgbClr val="000080"/>
                 </a:solidFill>
-                <a:highlight>
-                  <a:srgbClr val="FFFFFF"/>
-                </a:highlight>
-                <a:latin typeface="Consolas" panose="020B0609020204030204" charset="0"/>
-                <a:ea typeface="宋体" panose="02010600030101010101" pitchFamily="2" charset="-122"/>
-              </a:rPr>
-              <a:t>=</a:t>
-            </a:r>
-            <a:r>
-              <a:rPr lang="en-US" b="0">
+                <a:effectLst/>
+                <a:highlight>
+                  <a:srgbClr val="FFFFFF"/>
+                </a:highlight>
+                <a:latin typeface="Consolas" panose="020B0609020204030204" pitchFamily="49" charset="0"/>
+                <a:ea typeface="等线" panose="02010600030101010101" pitchFamily="2" charset="-122"/>
+                <a:cs typeface="Courier New" panose="02070309020205020404" pitchFamily="49" charset="0"/>
+              </a:rPr>
+              <a:t>&lt;&lt;</a:t>
+            </a:r>
+            <a:r>
+              <a:rPr lang="en-US" altLang="zh-CN" sz="1800" kern="0">
                 <a:solidFill>
                   <a:srgbClr val="000000"/>
                 </a:solidFill>
-                <a:highlight>
-                  <a:srgbClr val="FFFFFF"/>
-                </a:highlight>
-                <a:latin typeface="Consolas" panose="020B0609020204030204" charset="0"/>
-                <a:ea typeface="宋体" panose="02010600030101010101" pitchFamily="2" charset="-122"/>
+                <a:effectLst/>
+                <a:highlight>
+                  <a:srgbClr val="FFFFFF"/>
+                </a:highlight>
+                <a:latin typeface="Consolas" panose="020B0609020204030204" pitchFamily="49" charset="0"/>
+                <a:ea typeface="等线" panose="02010600030101010101" pitchFamily="2" charset="-122"/>
+                <a:cs typeface="Courier New" panose="02070309020205020404" pitchFamily="49" charset="0"/>
               </a:rPr>
               <a:t> </a:t>
             </a:r>
             <a:r>
-              <a:rPr lang="en-US" b="0">
+              <a:rPr lang="en-US" altLang="zh-CN" sz="1800" kern="0">
+                <a:solidFill>
+                  <a:srgbClr val="808080"/>
+                </a:solidFill>
+                <a:effectLst/>
+                <a:highlight>
+                  <a:srgbClr val="FFFFFF"/>
+                </a:highlight>
+                <a:latin typeface="Consolas" panose="020B0609020204030204" pitchFamily="49" charset="0"/>
+                <a:ea typeface="等线" panose="02010600030101010101" pitchFamily="2" charset="-122"/>
+                <a:cs typeface="Courier New" panose="02070309020205020404" pitchFamily="49" charset="0"/>
+              </a:rPr>
+              <a:t>", b = "</a:t>
+            </a:r>
+            <a:r>
+              <a:rPr lang="en-US" altLang="zh-CN" sz="1800" kern="0">
+                <a:solidFill>
+                  <a:srgbClr val="000000"/>
+                </a:solidFill>
+                <a:effectLst/>
+                <a:highlight>
+                  <a:srgbClr val="FFFFFF"/>
+                </a:highlight>
+                <a:latin typeface="Consolas" panose="020B0609020204030204" pitchFamily="49" charset="0"/>
+                <a:ea typeface="等线" panose="02010600030101010101" pitchFamily="2" charset="-122"/>
+                <a:cs typeface="Courier New" panose="02070309020205020404" pitchFamily="49" charset="0"/>
+              </a:rPr>
+              <a:t> </a:t>
+            </a:r>
+            <a:r>
+              <a:rPr lang="en-US" altLang="zh-CN" sz="1800" b="1" kern="0">
+                <a:solidFill>
+                  <a:srgbClr val="000080"/>
+                </a:solidFill>
+                <a:effectLst/>
+                <a:highlight>
+                  <a:srgbClr val="FFFFFF"/>
+                </a:highlight>
+                <a:latin typeface="Consolas" panose="020B0609020204030204" pitchFamily="49" charset="0"/>
+                <a:ea typeface="等线" panose="02010600030101010101" pitchFamily="2" charset="-122"/>
+                <a:cs typeface="Courier New" panose="02070309020205020404" pitchFamily="49" charset="0"/>
+              </a:rPr>
+              <a:t>&lt;&lt;</a:t>
+            </a:r>
+            <a:r>
+              <a:rPr lang="en-US" altLang="zh-CN" sz="1800" kern="0">
+                <a:solidFill>
+                  <a:srgbClr val="000000"/>
+                </a:solidFill>
+                <a:effectLst/>
+                <a:highlight>
+                  <a:srgbClr val="FFFFFF"/>
+                </a:highlight>
+                <a:latin typeface="Consolas" panose="020B0609020204030204" pitchFamily="49" charset="0"/>
+                <a:ea typeface="等线" panose="02010600030101010101" pitchFamily="2" charset="-122"/>
+                <a:cs typeface="Courier New" panose="02070309020205020404" pitchFamily="49" charset="0"/>
+              </a:rPr>
+              <a:t> b </a:t>
+            </a:r>
+            <a:r>
+              <a:rPr lang="en-US" altLang="zh-CN" sz="1800" b="1" kern="0">
+                <a:solidFill>
+                  <a:srgbClr val="000080"/>
+                </a:solidFill>
+                <a:effectLst/>
+                <a:highlight>
+                  <a:srgbClr val="FFFFFF"/>
+                </a:highlight>
+                <a:latin typeface="Consolas" panose="020B0609020204030204" pitchFamily="49" charset="0"/>
+                <a:ea typeface="等线" panose="02010600030101010101" pitchFamily="2" charset="-122"/>
+                <a:cs typeface="Courier New" panose="02070309020205020404" pitchFamily="49" charset="0"/>
+              </a:rPr>
+              <a:t>&lt;&lt;</a:t>
+            </a:r>
+            <a:r>
+              <a:rPr lang="en-US" altLang="zh-CN" sz="1800" kern="0">
+                <a:solidFill>
+                  <a:srgbClr val="000000"/>
+                </a:solidFill>
+                <a:effectLst/>
+                <a:highlight>
+                  <a:srgbClr val="FFFFFF"/>
+                </a:highlight>
+                <a:latin typeface="Consolas" panose="020B0609020204030204" pitchFamily="49" charset="0"/>
+                <a:ea typeface="等线" panose="02010600030101010101" pitchFamily="2" charset="-122"/>
+                <a:cs typeface="Courier New" panose="02070309020205020404" pitchFamily="49" charset="0"/>
+              </a:rPr>
+              <a:t> endl</a:t>
+            </a:r>
+            <a:r>
+              <a:rPr lang="en-US" altLang="zh-CN" sz="1800" b="1" kern="0">
+                <a:solidFill>
+                  <a:srgbClr val="000080"/>
+                </a:solidFill>
+                <a:effectLst/>
+                <a:highlight>
+                  <a:srgbClr val="FFFFFF"/>
+                </a:highlight>
+                <a:latin typeface="Consolas" panose="020B0609020204030204" pitchFamily="49" charset="0"/>
+                <a:ea typeface="等线" panose="02010600030101010101" pitchFamily="2" charset="-122"/>
+                <a:cs typeface="Courier New" panose="02070309020205020404" pitchFamily="49" charset="0"/>
+              </a:rPr>
+              <a:t>;</a:t>
+            </a:r>
+            <a:endParaRPr lang="zh-CN" altLang="zh-CN" sz="1800" kern="100">
+              <a:effectLst/>
+              <a:latin typeface="等线" panose="02010600030101010101" pitchFamily="2" charset="-122"/>
+              <a:ea typeface="等线" panose="02010600030101010101" pitchFamily="2" charset="-122"/>
+              <a:cs typeface="Times New Roman" panose="02020603050405020304" pitchFamily="18" charset="0"/>
+            </a:endParaRPr>
+          </a:p>
+          <a:p>
+            <a:pPr algn="l"/>
+            <a:r>
+              <a:rPr lang="en-US" altLang="zh-CN" sz="1800" kern="0">
+                <a:solidFill>
+                  <a:srgbClr val="000000"/>
+                </a:solidFill>
+                <a:effectLst/>
+                <a:highlight>
+                  <a:srgbClr val="FFFFFF"/>
+                </a:highlight>
+                <a:latin typeface="Consolas" panose="020B0609020204030204" pitchFamily="49" charset="0"/>
+                <a:ea typeface="等线" panose="02010600030101010101" pitchFamily="2" charset="-122"/>
+                <a:cs typeface="Courier New" panose="02070309020205020404" pitchFamily="49" charset="0"/>
+              </a:rPr>
+              <a:t>    SWAP</a:t>
+            </a:r>
+            <a:r>
+              <a:rPr lang="en-US" altLang="zh-CN" sz="1800" b="1" kern="0">
+                <a:solidFill>
+                  <a:srgbClr val="000080"/>
+                </a:solidFill>
+                <a:effectLst/>
+                <a:highlight>
+                  <a:srgbClr val="FFFFFF"/>
+                </a:highlight>
+                <a:latin typeface="Consolas" panose="020B0609020204030204" pitchFamily="49" charset="0"/>
+                <a:ea typeface="等线" panose="02010600030101010101" pitchFamily="2" charset="-122"/>
+                <a:cs typeface="Courier New" panose="02070309020205020404" pitchFamily="49" charset="0"/>
+              </a:rPr>
+              <a:t>(</a:t>
+            </a:r>
+            <a:r>
+              <a:rPr lang="en-US" altLang="zh-CN" sz="1800" kern="0">
+                <a:solidFill>
+                  <a:srgbClr val="000000"/>
+                </a:solidFill>
+                <a:effectLst/>
+                <a:highlight>
+                  <a:srgbClr val="FFFFFF"/>
+                </a:highlight>
+                <a:latin typeface="Consolas" panose="020B0609020204030204" pitchFamily="49" charset="0"/>
+                <a:ea typeface="等线" panose="02010600030101010101" pitchFamily="2" charset="-122"/>
+                <a:cs typeface="Courier New" panose="02070309020205020404" pitchFamily="49" charset="0"/>
+              </a:rPr>
+              <a:t>a</a:t>
+            </a:r>
+            <a:r>
+              <a:rPr lang="en-US" altLang="zh-CN" sz="1800" b="1" kern="0">
+                <a:solidFill>
+                  <a:srgbClr val="000080"/>
+                </a:solidFill>
+                <a:effectLst/>
+                <a:highlight>
+                  <a:srgbClr val="FFFFFF"/>
+                </a:highlight>
+                <a:latin typeface="Consolas" panose="020B0609020204030204" pitchFamily="49" charset="0"/>
+                <a:ea typeface="等线" panose="02010600030101010101" pitchFamily="2" charset="-122"/>
+                <a:cs typeface="Courier New" panose="02070309020205020404" pitchFamily="49" charset="0"/>
+              </a:rPr>
+              <a:t>,</a:t>
+            </a:r>
+            <a:r>
+              <a:rPr lang="en-US" altLang="zh-CN" sz="1800" kern="0">
+                <a:solidFill>
+                  <a:srgbClr val="000000"/>
+                </a:solidFill>
+                <a:effectLst/>
+                <a:highlight>
+                  <a:srgbClr val="FFFFFF"/>
+                </a:highlight>
+                <a:latin typeface="Consolas" panose="020B0609020204030204" pitchFamily="49" charset="0"/>
+                <a:ea typeface="等线" panose="02010600030101010101" pitchFamily="2" charset="-122"/>
+                <a:cs typeface="Courier New" panose="02070309020205020404" pitchFamily="49" charset="0"/>
+              </a:rPr>
+              <a:t> b</a:t>
+            </a:r>
+            <a:r>
+              <a:rPr lang="en-US" altLang="zh-CN" sz="1800" b="1" kern="0">
+                <a:solidFill>
+                  <a:srgbClr val="000080"/>
+                </a:solidFill>
+                <a:effectLst/>
+                <a:highlight>
+                  <a:srgbClr val="FFFFFF"/>
+                </a:highlight>
+                <a:latin typeface="Consolas" panose="020B0609020204030204" pitchFamily="49" charset="0"/>
+                <a:ea typeface="等线" panose="02010600030101010101" pitchFamily="2" charset="-122"/>
+                <a:cs typeface="Courier New" panose="02070309020205020404" pitchFamily="49" charset="0"/>
+              </a:rPr>
+              <a:t>);</a:t>
+            </a:r>
+            <a:endParaRPr lang="zh-CN" altLang="zh-CN" sz="1800" kern="100">
+              <a:effectLst/>
+              <a:latin typeface="等线" panose="02010600030101010101" pitchFamily="2" charset="-122"/>
+              <a:ea typeface="等线" panose="02010600030101010101" pitchFamily="2" charset="-122"/>
+              <a:cs typeface="Times New Roman" panose="02020603050405020304" pitchFamily="18" charset="0"/>
+            </a:endParaRPr>
+          </a:p>
+          <a:p>
+            <a:pPr algn="l"/>
+            <a:r>
+              <a:rPr lang="en-US" altLang="zh-CN" sz="1800" kern="0">
+                <a:solidFill>
+                  <a:srgbClr val="000000"/>
+                </a:solidFill>
+                <a:effectLst/>
+                <a:highlight>
+                  <a:srgbClr val="FFFFFF"/>
+                </a:highlight>
+                <a:latin typeface="Consolas" panose="020B0609020204030204" pitchFamily="49" charset="0"/>
+                <a:ea typeface="等线" panose="02010600030101010101" pitchFamily="2" charset="-122"/>
+                <a:cs typeface="Courier New" panose="02070309020205020404" pitchFamily="49" charset="0"/>
+              </a:rPr>
+              <a:t>    cout </a:t>
+            </a:r>
+            <a:r>
+              <a:rPr lang="en-US" altLang="zh-CN" sz="1800" b="1" kern="0">
+                <a:solidFill>
+                  <a:srgbClr val="000080"/>
+                </a:solidFill>
+                <a:effectLst/>
+                <a:highlight>
+                  <a:srgbClr val="FFFFFF"/>
+                </a:highlight>
+                <a:latin typeface="Consolas" panose="020B0609020204030204" pitchFamily="49" charset="0"/>
+                <a:ea typeface="等线" panose="02010600030101010101" pitchFamily="2" charset="-122"/>
+                <a:cs typeface="Courier New" panose="02070309020205020404" pitchFamily="49" charset="0"/>
+              </a:rPr>
+              <a:t>&lt;&lt;</a:t>
+            </a:r>
+            <a:r>
+              <a:rPr lang="en-US" altLang="zh-CN" sz="1800" kern="0">
+                <a:solidFill>
+                  <a:srgbClr val="000000"/>
+                </a:solidFill>
+                <a:effectLst/>
+                <a:highlight>
+                  <a:srgbClr val="FFFFFF"/>
+                </a:highlight>
+                <a:latin typeface="Consolas" panose="020B0609020204030204" pitchFamily="49" charset="0"/>
+                <a:ea typeface="等线" panose="02010600030101010101" pitchFamily="2" charset="-122"/>
+                <a:cs typeface="Courier New" panose="02070309020205020404" pitchFamily="49" charset="0"/>
+              </a:rPr>
+              <a:t> </a:t>
+            </a:r>
+            <a:r>
+              <a:rPr lang="en-US" altLang="zh-CN" sz="1800" kern="0">
+                <a:solidFill>
+                  <a:srgbClr val="808080"/>
+                </a:solidFill>
+                <a:effectLst/>
+                <a:highlight>
+                  <a:srgbClr val="FFFFFF"/>
+                </a:highlight>
+                <a:latin typeface="Consolas" panose="020B0609020204030204" pitchFamily="49" charset="0"/>
+                <a:ea typeface="等线" panose="02010600030101010101" pitchFamily="2" charset="-122"/>
+                <a:cs typeface="Courier New" panose="02070309020205020404" pitchFamily="49" charset="0"/>
+              </a:rPr>
+              <a:t>"After: a = "</a:t>
+            </a:r>
+            <a:r>
+              <a:rPr lang="en-US" altLang="zh-CN" sz="1800" kern="0">
+                <a:solidFill>
+                  <a:srgbClr val="000000"/>
+                </a:solidFill>
+                <a:effectLst/>
+                <a:highlight>
+                  <a:srgbClr val="FFFFFF"/>
+                </a:highlight>
+                <a:latin typeface="Consolas" panose="020B0609020204030204" pitchFamily="49" charset="0"/>
+                <a:ea typeface="等线" panose="02010600030101010101" pitchFamily="2" charset="-122"/>
+                <a:cs typeface="Courier New" panose="02070309020205020404" pitchFamily="49" charset="0"/>
+              </a:rPr>
+              <a:t> </a:t>
+            </a:r>
+            <a:r>
+              <a:rPr lang="en-US" altLang="zh-CN" sz="1800" b="1" kern="0">
+                <a:solidFill>
+                  <a:srgbClr val="000080"/>
+                </a:solidFill>
+                <a:effectLst/>
+                <a:highlight>
+                  <a:srgbClr val="FFFFFF"/>
+                </a:highlight>
+                <a:latin typeface="Consolas" panose="020B0609020204030204" pitchFamily="49" charset="0"/>
+                <a:ea typeface="等线" panose="02010600030101010101" pitchFamily="2" charset="-122"/>
+                <a:cs typeface="Courier New" panose="02070309020205020404" pitchFamily="49" charset="0"/>
+              </a:rPr>
+              <a:t>&lt;&lt;</a:t>
+            </a:r>
+            <a:r>
+              <a:rPr lang="en-US" altLang="zh-CN" sz="1800" kern="0">
+                <a:solidFill>
+                  <a:srgbClr val="000000"/>
+                </a:solidFill>
+                <a:effectLst/>
+                <a:highlight>
+                  <a:srgbClr val="FFFFFF"/>
+                </a:highlight>
+                <a:latin typeface="Consolas" panose="020B0609020204030204" pitchFamily="49" charset="0"/>
+                <a:ea typeface="等线" panose="02010600030101010101" pitchFamily="2" charset="-122"/>
+                <a:cs typeface="Courier New" panose="02070309020205020404" pitchFamily="49" charset="0"/>
+              </a:rPr>
+              <a:t> a </a:t>
+            </a:r>
+            <a:r>
+              <a:rPr lang="en-US" altLang="zh-CN" sz="1800" b="1" kern="0">
+                <a:solidFill>
+                  <a:srgbClr val="000080"/>
+                </a:solidFill>
+                <a:effectLst/>
+                <a:highlight>
+                  <a:srgbClr val="FFFFFF"/>
+                </a:highlight>
+                <a:latin typeface="Consolas" panose="020B0609020204030204" pitchFamily="49" charset="0"/>
+                <a:ea typeface="等线" panose="02010600030101010101" pitchFamily="2" charset="-122"/>
+                <a:cs typeface="Courier New" panose="02070309020205020404" pitchFamily="49" charset="0"/>
+              </a:rPr>
+              <a:t>&lt;&lt;</a:t>
+            </a:r>
+            <a:r>
+              <a:rPr lang="en-US" altLang="zh-CN" sz="1800" kern="0">
+                <a:solidFill>
+                  <a:srgbClr val="000000"/>
+                </a:solidFill>
+                <a:effectLst/>
+                <a:highlight>
+                  <a:srgbClr val="FFFFFF"/>
+                </a:highlight>
+                <a:latin typeface="Consolas" panose="020B0609020204030204" pitchFamily="49" charset="0"/>
+                <a:ea typeface="等线" panose="02010600030101010101" pitchFamily="2" charset="-122"/>
+                <a:cs typeface="Courier New" panose="02070309020205020404" pitchFamily="49" charset="0"/>
+              </a:rPr>
+              <a:t> </a:t>
+            </a:r>
+            <a:r>
+              <a:rPr lang="en-US" altLang="zh-CN" sz="1800" kern="0">
+                <a:solidFill>
+                  <a:srgbClr val="808080"/>
+                </a:solidFill>
+                <a:effectLst/>
+                <a:highlight>
+                  <a:srgbClr val="FFFFFF"/>
+                </a:highlight>
+                <a:latin typeface="Consolas" panose="020B0609020204030204" pitchFamily="49" charset="0"/>
+                <a:ea typeface="等线" panose="02010600030101010101" pitchFamily="2" charset="-122"/>
+                <a:cs typeface="Courier New" panose="02070309020205020404" pitchFamily="49" charset="0"/>
+              </a:rPr>
+              <a:t>", b = "</a:t>
+            </a:r>
+            <a:r>
+              <a:rPr lang="en-US" altLang="zh-CN" sz="1800" kern="0">
+                <a:solidFill>
+                  <a:srgbClr val="000000"/>
+                </a:solidFill>
+                <a:effectLst/>
+                <a:highlight>
+                  <a:srgbClr val="FFFFFF"/>
+                </a:highlight>
+                <a:latin typeface="Consolas" panose="020B0609020204030204" pitchFamily="49" charset="0"/>
+                <a:ea typeface="等线" panose="02010600030101010101" pitchFamily="2" charset="-122"/>
+                <a:cs typeface="Courier New" panose="02070309020205020404" pitchFamily="49" charset="0"/>
+              </a:rPr>
+              <a:t> </a:t>
+            </a:r>
+            <a:r>
+              <a:rPr lang="en-US" altLang="zh-CN" sz="1800" b="1" kern="0">
+                <a:solidFill>
+                  <a:srgbClr val="000080"/>
+                </a:solidFill>
+                <a:effectLst/>
+                <a:highlight>
+                  <a:srgbClr val="FFFFFF"/>
+                </a:highlight>
+                <a:latin typeface="Consolas" panose="020B0609020204030204" pitchFamily="49" charset="0"/>
+                <a:ea typeface="等线" panose="02010600030101010101" pitchFamily="2" charset="-122"/>
+                <a:cs typeface="Courier New" panose="02070309020205020404" pitchFamily="49" charset="0"/>
+              </a:rPr>
+              <a:t>&lt;&lt;</a:t>
+            </a:r>
+            <a:r>
+              <a:rPr lang="en-US" altLang="zh-CN" sz="1800" kern="0">
+                <a:solidFill>
+                  <a:srgbClr val="000000"/>
+                </a:solidFill>
+                <a:effectLst/>
+                <a:highlight>
+                  <a:srgbClr val="FFFFFF"/>
+                </a:highlight>
+                <a:latin typeface="Consolas" panose="020B0609020204030204" pitchFamily="49" charset="0"/>
+                <a:ea typeface="等线" panose="02010600030101010101" pitchFamily="2" charset="-122"/>
+                <a:cs typeface="Courier New" panose="02070309020205020404" pitchFamily="49" charset="0"/>
+              </a:rPr>
+              <a:t> b </a:t>
+            </a:r>
+            <a:r>
+              <a:rPr lang="en-US" altLang="zh-CN" sz="1800" b="1" kern="0">
+                <a:solidFill>
+                  <a:srgbClr val="000080"/>
+                </a:solidFill>
+                <a:effectLst/>
+                <a:highlight>
+                  <a:srgbClr val="FFFFFF"/>
+                </a:highlight>
+                <a:latin typeface="Consolas" panose="020B0609020204030204" pitchFamily="49" charset="0"/>
+                <a:ea typeface="等线" panose="02010600030101010101" pitchFamily="2" charset="-122"/>
+                <a:cs typeface="Courier New" panose="02070309020205020404" pitchFamily="49" charset="0"/>
+              </a:rPr>
+              <a:t>&lt;&lt;</a:t>
+            </a:r>
+            <a:r>
+              <a:rPr lang="en-US" altLang="zh-CN" sz="1800" kern="0">
+                <a:solidFill>
+                  <a:srgbClr val="000000"/>
+                </a:solidFill>
+                <a:effectLst/>
+                <a:highlight>
+                  <a:srgbClr val="FFFFFF"/>
+                </a:highlight>
+                <a:latin typeface="Consolas" panose="020B0609020204030204" pitchFamily="49" charset="0"/>
+                <a:ea typeface="等线" panose="02010600030101010101" pitchFamily="2" charset="-122"/>
+                <a:cs typeface="Courier New" panose="02070309020205020404" pitchFamily="49" charset="0"/>
+              </a:rPr>
+              <a:t> endl</a:t>
+            </a:r>
+            <a:r>
+              <a:rPr lang="en-US" altLang="zh-CN" sz="1800" b="1" kern="0">
+                <a:solidFill>
+                  <a:srgbClr val="000080"/>
+                </a:solidFill>
+                <a:effectLst/>
+                <a:highlight>
+                  <a:srgbClr val="FFFFFF"/>
+                </a:highlight>
+                <a:latin typeface="Consolas" panose="020B0609020204030204" pitchFamily="49" charset="0"/>
+                <a:ea typeface="等线" panose="02010600030101010101" pitchFamily="2" charset="-122"/>
+                <a:cs typeface="Courier New" panose="02070309020205020404" pitchFamily="49" charset="0"/>
+              </a:rPr>
+              <a:t>;</a:t>
+            </a:r>
+            <a:endParaRPr lang="zh-CN" altLang="zh-CN" sz="1800" kern="100">
+              <a:effectLst/>
+              <a:latin typeface="等线" panose="02010600030101010101" pitchFamily="2" charset="-122"/>
+              <a:ea typeface="等线" panose="02010600030101010101" pitchFamily="2" charset="-122"/>
+              <a:cs typeface="Times New Roman" panose="02020603050405020304" pitchFamily="18" charset="0"/>
+            </a:endParaRPr>
+          </a:p>
+          <a:p>
+            <a:pPr algn="l"/>
+            <a:r>
+              <a:rPr lang="en-US" altLang="zh-CN" sz="1800" kern="0">
+                <a:solidFill>
+                  <a:srgbClr val="000000"/>
+                </a:solidFill>
+                <a:effectLst/>
+                <a:highlight>
+                  <a:srgbClr val="FFFFFF"/>
+                </a:highlight>
+                <a:latin typeface="Consolas" panose="020B0609020204030204" pitchFamily="49" charset="0"/>
+                <a:ea typeface="等线" panose="02010600030101010101" pitchFamily="2" charset="-122"/>
+                <a:cs typeface="Courier New" panose="02070309020205020404" pitchFamily="49" charset="0"/>
+              </a:rPr>
+              <a:t> </a:t>
+            </a:r>
+            <a:endParaRPr lang="zh-CN" altLang="zh-CN" sz="1800" kern="100">
+              <a:effectLst/>
+              <a:latin typeface="等线" panose="02010600030101010101" pitchFamily="2" charset="-122"/>
+              <a:ea typeface="等线" panose="02010600030101010101" pitchFamily="2" charset="-122"/>
+              <a:cs typeface="Times New Roman" panose="02020603050405020304" pitchFamily="18" charset="0"/>
+            </a:endParaRPr>
+          </a:p>
+          <a:p>
+            <a:pPr algn="l"/>
+            <a:r>
+              <a:rPr lang="en-US" altLang="zh-CN" sz="1800" kern="0">
+                <a:solidFill>
+                  <a:srgbClr val="000000"/>
+                </a:solidFill>
+                <a:effectLst/>
+                <a:highlight>
+                  <a:srgbClr val="FFFFFF"/>
+                </a:highlight>
+                <a:latin typeface="Consolas" panose="020B0609020204030204" pitchFamily="49" charset="0"/>
+                <a:ea typeface="等线" panose="02010600030101010101" pitchFamily="2" charset="-122"/>
+                <a:cs typeface="Courier New" panose="02070309020205020404" pitchFamily="49" charset="0"/>
+              </a:rPr>
+              <a:t>    </a:t>
+            </a:r>
+            <a:r>
+              <a:rPr lang="en-US" altLang="zh-CN" sz="1800" b="1" kern="0">
+                <a:solidFill>
+                  <a:srgbClr val="0000FF"/>
+                </a:solidFill>
+                <a:effectLst/>
+                <a:highlight>
+                  <a:srgbClr val="FFFFFF"/>
+                </a:highlight>
+                <a:latin typeface="Consolas" panose="020B0609020204030204" pitchFamily="49" charset="0"/>
+                <a:ea typeface="等线" panose="02010600030101010101" pitchFamily="2" charset="-122"/>
+                <a:cs typeface="Courier New" panose="02070309020205020404" pitchFamily="49" charset="0"/>
+              </a:rPr>
+              <a:t>return</a:t>
+            </a:r>
+            <a:r>
+              <a:rPr lang="en-US" altLang="zh-CN" sz="1800" kern="0">
+                <a:solidFill>
+                  <a:srgbClr val="000000"/>
+                </a:solidFill>
+                <a:effectLst/>
+                <a:highlight>
+                  <a:srgbClr val="FFFFFF"/>
+                </a:highlight>
+                <a:latin typeface="Consolas" panose="020B0609020204030204" pitchFamily="49" charset="0"/>
+                <a:ea typeface="等线" panose="02010600030101010101" pitchFamily="2" charset="-122"/>
+                <a:cs typeface="Courier New" panose="02070309020205020404" pitchFamily="49" charset="0"/>
+              </a:rPr>
+              <a:t> </a:t>
+            </a:r>
+            <a:r>
+              <a:rPr lang="en-US" altLang="zh-CN" sz="1800" kern="0">
                 <a:solidFill>
                   <a:srgbClr val="FF8000"/>
                 </a:solidFill>
-                <a:highlight>
-                  <a:srgbClr val="FFFFFF"/>
-                </a:highlight>
-                <a:latin typeface="Consolas" panose="020B0609020204030204" charset="0"/>
-                <a:ea typeface="宋体" panose="02010600030101010101" pitchFamily="2" charset="-122"/>
-              </a:rPr>
-              <a:t>1</a:t>
-            </a:r>
-            <a:r>
-              <a:rPr lang="en-US" b="1">
+                <a:effectLst/>
+                <a:highlight>
+                  <a:srgbClr val="FFFFFF"/>
+                </a:highlight>
+                <a:latin typeface="Consolas" panose="020B0609020204030204" pitchFamily="49" charset="0"/>
+                <a:ea typeface="等线" panose="02010600030101010101" pitchFamily="2" charset="-122"/>
+                <a:cs typeface="Courier New" panose="02070309020205020404" pitchFamily="49" charset="0"/>
+              </a:rPr>
+              <a:t>0</a:t>
+            </a:r>
+            <a:r>
+              <a:rPr lang="en-US" altLang="zh-CN" sz="1800" b="1" kern="0">
                 <a:solidFill>
                   <a:srgbClr val="000080"/>
                 </a:solidFill>
-                <a:highlight>
-                  <a:srgbClr val="FFFFFF"/>
-                </a:highlight>
-                <a:latin typeface="Consolas" panose="020B0609020204030204" charset="0"/>
-                <a:ea typeface="宋体" panose="02010600030101010101" pitchFamily="2" charset="-122"/>
+                <a:effectLst/>
+                <a:highlight>
+                  <a:srgbClr val="FFFFFF"/>
+                </a:highlight>
+                <a:latin typeface="Consolas" panose="020B0609020204030204" pitchFamily="49" charset="0"/>
+                <a:ea typeface="等线" panose="02010600030101010101" pitchFamily="2" charset="-122"/>
+                <a:cs typeface="Courier New" panose="02070309020205020404" pitchFamily="49" charset="0"/>
               </a:rPr>
               <a:t>;</a:t>
             </a:r>
-            <a:endParaRPr lang="en-US" b="0">
-              <a:solidFill>
-                <a:srgbClr val="000000"/>
-              </a:solidFill>
-              <a:highlight>
-                <a:srgbClr val="FFFFFF"/>
-              </a:highlight>
-              <a:latin typeface="Consolas" panose="020B0609020204030204" charset="0"/>
-              <a:ea typeface="宋体" panose="02010600030101010101" pitchFamily="2" charset="-122"/>
+            <a:endParaRPr lang="zh-CN" altLang="zh-CN" sz="1800" kern="100">
+              <a:effectLst/>
+              <a:latin typeface="等线" panose="02010600030101010101" pitchFamily="2" charset="-122"/>
+              <a:ea typeface="等线" panose="02010600030101010101" pitchFamily="2" charset="-122"/>
+              <a:cs typeface="Times New Roman" panose="02020603050405020304" pitchFamily="18" charset="0"/>
             </a:endParaRPr>
           </a:p>
           <a:p>
-            <a:pPr indent="0"/>
-            <a:r>
-              <a:rPr lang="en-US" b="0">
-                <a:solidFill>
-                  <a:srgbClr val="000000"/>
-                </a:solidFill>
-                <a:highlight>
-                  <a:srgbClr val="FFFFFF"/>
-                </a:highlight>
-                <a:latin typeface="Consolas" panose="020B0609020204030204" charset="0"/>
-                <a:ea typeface="宋体" panose="02010600030101010101" pitchFamily="2" charset="-122"/>
-              </a:rPr>
-              <a:t>    </a:t>
-            </a:r>
-            <a:r>
-              <a:rPr lang="en-US" b="0">
-                <a:solidFill>
-                  <a:srgbClr val="8000FF"/>
-                </a:solidFill>
-                <a:highlight>
-                  <a:srgbClr val="FFFFFF"/>
-                </a:highlight>
-                <a:latin typeface="Consolas" panose="020B0609020204030204" charset="0"/>
-                <a:ea typeface="宋体" panose="02010600030101010101" pitchFamily="2" charset="-122"/>
-              </a:rPr>
-              <a:t>int</a:t>
-            </a:r>
-            <a:r>
-              <a:rPr lang="en-US" b="0">
-                <a:solidFill>
-                  <a:srgbClr val="000000"/>
-                </a:solidFill>
-                <a:highlight>
-                  <a:srgbClr val="FFFFFF"/>
-                </a:highlight>
-                <a:latin typeface="Consolas" panose="020B0609020204030204" charset="0"/>
-                <a:ea typeface="宋体" panose="02010600030101010101" pitchFamily="2" charset="-122"/>
-              </a:rPr>
-              <a:t> b </a:t>
-            </a:r>
-            <a:r>
-              <a:rPr lang="en-US" b="1">
+            <a:pPr algn="just"/>
+            <a:r>
+              <a:rPr lang="en-US" altLang="zh-CN" sz="1800" b="1" kern="0">
                 <a:solidFill>
                   <a:srgbClr val="000080"/>
                 </a:solidFill>
-                <a:highlight>
-                  <a:srgbClr val="FFFFFF"/>
-                </a:highlight>
-                <a:latin typeface="Consolas" panose="020B0609020204030204" charset="0"/>
-                <a:ea typeface="宋体" panose="02010600030101010101" pitchFamily="2" charset="-122"/>
-              </a:rPr>
-              <a:t>=</a:t>
-            </a:r>
-            <a:r>
-              <a:rPr lang="en-US" b="0">
-                <a:solidFill>
-                  <a:srgbClr val="000000"/>
-                </a:solidFill>
-                <a:highlight>
-                  <a:srgbClr val="FFFFFF"/>
-                </a:highlight>
-                <a:latin typeface="Consolas" panose="020B0609020204030204" charset="0"/>
-                <a:ea typeface="宋体" panose="02010600030101010101" pitchFamily="2" charset="-122"/>
-              </a:rPr>
-              <a:t> </a:t>
-            </a:r>
-            <a:r>
-              <a:rPr lang="en-US" b="0">
-                <a:solidFill>
-                  <a:srgbClr val="FF8000"/>
-                </a:solidFill>
-                <a:highlight>
-                  <a:srgbClr val="FFFFFF"/>
-                </a:highlight>
-                <a:latin typeface="Consolas" panose="020B0609020204030204" charset="0"/>
-                <a:ea typeface="宋体" panose="02010600030101010101" pitchFamily="2" charset="-122"/>
-              </a:rPr>
-              <a:t>2</a:t>
-            </a:r>
-            <a:r>
-              <a:rPr lang="en-US" b="1">
-                <a:solidFill>
-                  <a:srgbClr val="000080"/>
-                </a:solidFill>
-                <a:highlight>
-                  <a:srgbClr val="FFFFFF"/>
-                </a:highlight>
-                <a:latin typeface="Consolas" panose="020B0609020204030204" charset="0"/>
-                <a:ea typeface="宋体" panose="02010600030101010101" pitchFamily="2" charset="-122"/>
-              </a:rPr>
-              <a:t>;</a:t>
-            </a:r>
-            <a:endParaRPr lang="en-US" b="0">
-              <a:solidFill>
-                <a:srgbClr val="000000"/>
-              </a:solidFill>
-              <a:highlight>
-                <a:srgbClr val="FFFFFF"/>
-              </a:highlight>
-              <a:latin typeface="Consolas" panose="020B0609020204030204" charset="0"/>
-              <a:ea typeface="宋体" panose="02010600030101010101" pitchFamily="2" charset="-122"/>
-            </a:endParaRPr>
-          </a:p>
-          <a:p>
-            <a:pPr indent="0"/>
-            <a:r>
-              <a:rPr lang="en-US" b="0">
-                <a:solidFill>
-                  <a:srgbClr val="000000"/>
-                </a:solidFill>
-                <a:highlight>
-                  <a:srgbClr val="FFFFFF"/>
-                </a:highlight>
-                <a:latin typeface="Consolas" panose="020B0609020204030204" charset="0"/>
-                <a:ea typeface="宋体" panose="02010600030101010101" pitchFamily="2" charset="-122"/>
-              </a:rPr>
-              <a:t> </a:t>
-            </a:r>
-          </a:p>
-          <a:p>
-            <a:pPr indent="0"/>
-            <a:r>
-              <a:rPr lang="en-US" b="0">
-                <a:solidFill>
-                  <a:srgbClr val="000000"/>
-                </a:solidFill>
-                <a:highlight>
-                  <a:srgbClr val="FFFFFF"/>
-                </a:highlight>
-                <a:latin typeface="Consolas" panose="020B0609020204030204" charset="0"/>
-                <a:ea typeface="宋体" panose="02010600030101010101" pitchFamily="2" charset="-122"/>
-              </a:rPr>
-              <a:t>    printf</a:t>
-            </a:r>
-            <a:r>
-              <a:rPr lang="en-US" b="1">
-                <a:solidFill>
-                  <a:srgbClr val="000080"/>
-                </a:solidFill>
-                <a:highlight>
-                  <a:srgbClr val="FFFFFF"/>
-                </a:highlight>
-                <a:latin typeface="Consolas" panose="020B0609020204030204" charset="0"/>
-                <a:ea typeface="宋体" panose="02010600030101010101" pitchFamily="2" charset="-122"/>
-              </a:rPr>
-              <a:t>(</a:t>
-            </a:r>
-            <a:r>
-              <a:rPr lang="en-US" b="0">
-                <a:solidFill>
-                  <a:srgbClr val="808080"/>
-                </a:solidFill>
-                <a:highlight>
-                  <a:srgbClr val="FFFFFF"/>
-                </a:highlight>
-                <a:latin typeface="Consolas" panose="020B0609020204030204" charset="0"/>
-                <a:ea typeface="宋体" panose="02010600030101010101" pitchFamily="2" charset="-122"/>
-              </a:rPr>
-              <a:t>"Before: a = %d, b = %d\n"</a:t>
-            </a:r>
-            <a:r>
-              <a:rPr lang="en-US" b="1">
-                <a:solidFill>
-                  <a:srgbClr val="000080"/>
-                </a:solidFill>
-                <a:highlight>
-                  <a:srgbClr val="FFFFFF"/>
-                </a:highlight>
-                <a:latin typeface="Consolas" panose="020B0609020204030204" charset="0"/>
-                <a:ea typeface="宋体" panose="02010600030101010101" pitchFamily="2" charset="-122"/>
-              </a:rPr>
-              <a:t>,</a:t>
-            </a:r>
-            <a:r>
-              <a:rPr lang="en-US" b="0">
-                <a:solidFill>
-                  <a:srgbClr val="000000"/>
-                </a:solidFill>
-                <a:highlight>
-                  <a:srgbClr val="FFFFFF"/>
-                </a:highlight>
-                <a:latin typeface="Consolas" panose="020B0609020204030204" charset="0"/>
-                <a:ea typeface="宋体" panose="02010600030101010101" pitchFamily="2" charset="-122"/>
-              </a:rPr>
-              <a:t> a</a:t>
-            </a:r>
-            <a:r>
-              <a:rPr lang="en-US" b="1">
-                <a:solidFill>
-                  <a:srgbClr val="000080"/>
-                </a:solidFill>
-                <a:highlight>
-                  <a:srgbClr val="FFFFFF"/>
-                </a:highlight>
-                <a:latin typeface="Consolas" panose="020B0609020204030204" charset="0"/>
-                <a:ea typeface="宋体" panose="02010600030101010101" pitchFamily="2" charset="-122"/>
-              </a:rPr>
-              <a:t>,</a:t>
-            </a:r>
-            <a:r>
-              <a:rPr lang="en-US" b="0">
-                <a:solidFill>
-                  <a:srgbClr val="000000"/>
-                </a:solidFill>
-                <a:highlight>
-                  <a:srgbClr val="FFFFFF"/>
-                </a:highlight>
-                <a:latin typeface="Consolas" panose="020B0609020204030204" charset="0"/>
-                <a:ea typeface="宋体" panose="02010600030101010101" pitchFamily="2" charset="-122"/>
-              </a:rPr>
-              <a:t> b</a:t>
-            </a:r>
-            <a:r>
-              <a:rPr lang="en-US" b="1">
-                <a:solidFill>
-                  <a:srgbClr val="000080"/>
-                </a:solidFill>
-                <a:highlight>
-                  <a:srgbClr val="FFFFFF"/>
-                </a:highlight>
-                <a:latin typeface="Consolas" panose="020B0609020204030204" charset="0"/>
-                <a:ea typeface="宋体" panose="02010600030101010101" pitchFamily="2" charset="-122"/>
-              </a:rPr>
-              <a:t>);</a:t>
-            </a:r>
-            <a:endParaRPr lang="en-US" b="0">
-              <a:solidFill>
-                <a:srgbClr val="000000"/>
-              </a:solidFill>
-              <a:highlight>
-                <a:srgbClr val="FFFFFF"/>
-              </a:highlight>
-              <a:latin typeface="Consolas" panose="020B0609020204030204" charset="0"/>
-              <a:ea typeface="宋体" panose="02010600030101010101" pitchFamily="2" charset="-122"/>
-            </a:endParaRPr>
-          </a:p>
-          <a:p>
-            <a:pPr indent="0"/>
-            <a:r>
-              <a:rPr lang="en-US" b="0">
-                <a:solidFill>
-                  <a:srgbClr val="000000"/>
-                </a:solidFill>
-                <a:highlight>
-                  <a:srgbClr val="FFFFFF"/>
-                </a:highlight>
-                <a:latin typeface="Consolas" panose="020B0609020204030204" charset="0"/>
-                <a:ea typeface="宋体" panose="02010600030101010101" pitchFamily="2" charset="-122"/>
-              </a:rPr>
-              <a:t>    SWAP</a:t>
-            </a:r>
-            <a:r>
-              <a:rPr lang="en-US" b="1">
-                <a:solidFill>
-                  <a:srgbClr val="000080"/>
-                </a:solidFill>
-                <a:highlight>
-                  <a:srgbClr val="FFFFFF"/>
-                </a:highlight>
-                <a:latin typeface="Consolas" panose="020B0609020204030204" charset="0"/>
-                <a:ea typeface="宋体" panose="02010600030101010101" pitchFamily="2" charset="-122"/>
-              </a:rPr>
-              <a:t>(</a:t>
-            </a:r>
-            <a:r>
-              <a:rPr lang="en-US" b="0">
-                <a:solidFill>
-                  <a:srgbClr val="000000"/>
-                </a:solidFill>
-                <a:highlight>
-                  <a:srgbClr val="FFFFFF"/>
-                </a:highlight>
-                <a:latin typeface="Consolas" panose="020B0609020204030204" charset="0"/>
-                <a:ea typeface="宋体" panose="02010600030101010101" pitchFamily="2" charset="-122"/>
-              </a:rPr>
-              <a:t>a</a:t>
-            </a:r>
-            <a:r>
-              <a:rPr lang="en-US" b="1">
-                <a:solidFill>
-                  <a:srgbClr val="000080"/>
-                </a:solidFill>
-                <a:highlight>
-                  <a:srgbClr val="FFFFFF"/>
-                </a:highlight>
-                <a:latin typeface="Consolas" panose="020B0609020204030204" charset="0"/>
-                <a:ea typeface="宋体" panose="02010600030101010101" pitchFamily="2" charset="-122"/>
-              </a:rPr>
-              <a:t>,</a:t>
-            </a:r>
-            <a:r>
-              <a:rPr lang="en-US" b="0">
-                <a:solidFill>
-                  <a:srgbClr val="000000"/>
-                </a:solidFill>
-                <a:highlight>
-                  <a:srgbClr val="FFFFFF"/>
-                </a:highlight>
-                <a:latin typeface="Consolas" panose="020B0609020204030204" charset="0"/>
-                <a:ea typeface="宋体" panose="02010600030101010101" pitchFamily="2" charset="-122"/>
-              </a:rPr>
-              <a:t> b</a:t>
-            </a:r>
-            <a:r>
-              <a:rPr lang="en-US" b="1">
-                <a:solidFill>
-                  <a:srgbClr val="000080"/>
-                </a:solidFill>
-                <a:highlight>
-                  <a:srgbClr val="FFFFFF"/>
-                </a:highlight>
-                <a:latin typeface="Consolas" panose="020B0609020204030204" charset="0"/>
-                <a:ea typeface="宋体" panose="02010600030101010101" pitchFamily="2" charset="-122"/>
-              </a:rPr>
-              <a:t>);</a:t>
-            </a:r>
-            <a:endParaRPr lang="en-US" b="0">
-              <a:solidFill>
-                <a:srgbClr val="000000"/>
-              </a:solidFill>
-              <a:highlight>
-                <a:srgbClr val="FFFFFF"/>
-              </a:highlight>
-              <a:latin typeface="Consolas" panose="020B0609020204030204" charset="0"/>
-              <a:ea typeface="宋体" panose="02010600030101010101" pitchFamily="2" charset="-122"/>
-            </a:endParaRPr>
-          </a:p>
-          <a:p>
-            <a:pPr indent="0"/>
-            <a:r>
-              <a:rPr lang="en-US" b="0">
-                <a:solidFill>
-                  <a:srgbClr val="000000"/>
-                </a:solidFill>
-                <a:highlight>
-                  <a:srgbClr val="FFFFFF"/>
-                </a:highlight>
-                <a:latin typeface="Consolas" panose="020B0609020204030204" charset="0"/>
-                <a:ea typeface="宋体" panose="02010600030101010101" pitchFamily="2" charset="-122"/>
-              </a:rPr>
-              <a:t>    printf</a:t>
-            </a:r>
-            <a:r>
-              <a:rPr lang="en-US" b="1">
-                <a:solidFill>
-                  <a:srgbClr val="000080"/>
-                </a:solidFill>
-                <a:highlight>
-                  <a:srgbClr val="FFFFFF"/>
-                </a:highlight>
-                <a:latin typeface="Consolas" panose="020B0609020204030204" charset="0"/>
-                <a:ea typeface="宋体" panose="02010600030101010101" pitchFamily="2" charset="-122"/>
-              </a:rPr>
-              <a:t>(</a:t>
-            </a:r>
-            <a:r>
-              <a:rPr lang="en-US" b="0">
-                <a:solidFill>
-                  <a:srgbClr val="808080"/>
-                </a:solidFill>
-                <a:highlight>
-                  <a:srgbClr val="FFFFFF"/>
-                </a:highlight>
-                <a:latin typeface="Consolas" panose="020B0609020204030204" charset="0"/>
-                <a:ea typeface="宋体" panose="02010600030101010101" pitchFamily="2" charset="-122"/>
-              </a:rPr>
-              <a:t>"After: a = %d, b = %d\n"</a:t>
-            </a:r>
-            <a:r>
-              <a:rPr lang="en-US" b="1">
-                <a:solidFill>
-                  <a:srgbClr val="000080"/>
-                </a:solidFill>
-                <a:highlight>
-                  <a:srgbClr val="FFFFFF"/>
-                </a:highlight>
-                <a:latin typeface="Consolas" panose="020B0609020204030204" charset="0"/>
-                <a:ea typeface="宋体" panose="02010600030101010101" pitchFamily="2" charset="-122"/>
-              </a:rPr>
-              <a:t>,</a:t>
-            </a:r>
-            <a:r>
-              <a:rPr lang="en-US" b="0">
-                <a:solidFill>
-                  <a:srgbClr val="000000"/>
-                </a:solidFill>
-                <a:highlight>
-                  <a:srgbClr val="FFFFFF"/>
-                </a:highlight>
-                <a:latin typeface="Consolas" panose="020B0609020204030204" charset="0"/>
-                <a:ea typeface="宋体" panose="02010600030101010101" pitchFamily="2" charset="-122"/>
-              </a:rPr>
-              <a:t> a</a:t>
-            </a:r>
-            <a:r>
-              <a:rPr lang="en-US" b="1">
-                <a:solidFill>
-                  <a:srgbClr val="000080"/>
-                </a:solidFill>
-                <a:highlight>
-                  <a:srgbClr val="FFFFFF"/>
-                </a:highlight>
-                <a:latin typeface="Consolas" panose="020B0609020204030204" charset="0"/>
-                <a:ea typeface="宋体" panose="02010600030101010101" pitchFamily="2" charset="-122"/>
-              </a:rPr>
-              <a:t>,</a:t>
-            </a:r>
-            <a:r>
-              <a:rPr lang="en-US" b="0">
-                <a:solidFill>
-                  <a:srgbClr val="000000"/>
-                </a:solidFill>
-                <a:highlight>
-                  <a:srgbClr val="FFFFFF"/>
-                </a:highlight>
-                <a:latin typeface="Consolas" panose="020B0609020204030204" charset="0"/>
-                <a:ea typeface="宋体" panose="02010600030101010101" pitchFamily="2" charset="-122"/>
-              </a:rPr>
-              <a:t> b</a:t>
-            </a:r>
-            <a:r>
-              <a:rPr lang="en-US" b="1">
-                <a:solidFill>
-                  <a:srgbClr val="000080"/>
-                </a:solidFill>
-                <a:highlight>
-                  <a:srgbClr val="FFFFFF"/>
-                </a:highlight>
-                <a:latin typeface="Consolas" panose="020B0609020204030204" charset="0"/>
-                <a:ea typeface="宋体" panose="02010600030101010101" pitchFamily="2" charset="-122"/>
-              </a:rPr>
-              <a:t>);</a:t>
-            </a:r>
-            <a:endParaRPr lang="en-US" b="0">
-              <a:solidFill>
-                <a:srgbClr val="000000"/>
-              </a:solidFill>
-              <a:highlight>
-                <a:srgbClr val="FFFFFF"/>
-              </a:highlight>
-              <a:latin typeface="Consolas" panose="020B0609020204030204" charset="0"/>
-              <a:ea typeface="宋体" panose="02010600030101010101" pitchFamily="2" charset="-122"/>
-            </a:endParaRPr>
-          </a:p>
-          <a:p>
-            <a:pPr indent="0"/>
-            <a:r>
-              <a:rPr lang="en-US" b="0">
-                <a:solidFill>
-                  <a:srgbClr val="000000"/>
-                </a:solidFill>
-                <a:highlight>
-                  <a:srgbClr val="FFFFFF"/>
-                </a:highlight>
-                <a:latin typeface="Consolas" panose="020B0609020204030204" charset="0"/>
-                <a:ea typeface="宋体" panose="02010600030101010101" pitchFamily="2" charset="-122"/>
-              </a:rPr>
-              <a:t> </a:t>
-            </a:r>
-          </a:p>
-          <a:p>
-            <a:pPr indent="0"/>
-            <a:r>
-              <a:rPr lang="en-US" b="0">
-                <a:solidFill>
-                  <a:srgbClr val="000000"/>
-                </a:solidFill>
-                <a:highlight>
-                  <a:srgbClr val="FFFFFF"/>
-                </a:highlight>
-                <a:latin typeface="Consolas" panose="020B0609020204030204" charset="0"/>
-                <a:ea typeface="宋体" panose="02010600030101010101" pitchFamily="2" charset="-122"/>
-              </a:rPr>
-              <a:t>    </a:t>
-            </a:r>
-            <a:r>
-              <a:rPr lang="en-US" b="1">
-                <a:solidFill>
-                  <a:srgbClr val="0000FF"/>
-                </a:solidFill>
-                <a:highlight>
-                  <a:srgbClr val="FFFFFF"/>
-                </a:highlight>
-                <a:latin typeface="Consolas" panose="020B0609020204030204" charset="0"/>
-                <a:ea typeface="宋体" panose="02010600030101010101" pitchFamily="2" charset="-122"/>
-              </a:rPr>
-              <a:t>return</a:t>
-            </a:r>
-            <a:r>
-              <a:rPr lang="en-US" b="0">
-                <a:solidFill>
-                  <a:srgbClr val="000000"/>
-                </a:solidFill>
-                <a:highlight>
-                  <a:srgbClr val="FFFFFF"/>
-                </a:highlight>
-                <a:latin typeface="Consolas" panose="020B0609020204030204" charset="0"/>
-                <a:ea typeface="宋体" panose="02010600030101010101" pitchFamily="2" charset="-122"/>
-              </a:rPr>
-              <a:t> </a:t>
-            </a:r>
-            <a:r>
-              <a:rPr lang="en-US" b="0">
-                <a:solidFill>
-                  <a:srgbClr val="FF8000"/>
-                </a:solidFill>
-                <a:highlight>
-                  <a:srgbClr val="FFFFFF"/>
-                </a:highlight>
-                <a:latin typeface="Consolas" panose="020B0609020204030204" charset="0"/>
-                <a:ea typeface="宋体" panose="02010600030101010101" pitchFamily="2" charset="-122"/>
-              </a:rPr>
-              <a:t>0</a:t>
-            </a:r>
-            <a:r>
-              <a:rPr lang="en-US" b="1">
-                <a:solidFill>
-                  <a:srgbClr val="000080"/>
-                </a:solidFill>
-                <a:highlight>
-                  <a:srgbClr val="FFFFFF"/>
-                </a:highlight>
-                <a:latin typeface="Consolas" panose="020B0609020204030204" charset="0"/>
-                <a:ea typeface="宋体" panose="02010600030101010101" pitchFamily="2" charset="-122"/>
-              </a:rPr>
-              <a:t>;</a:t>
-            </a:r>
-          </a:p>
-          <a:p>
-            <a:pPr indent="0"/>
-            <a:r>
-              <a:rPr lang="en-US" b="1">
-                <a:solidFill>
-                  <a:srgbClr val="000080"/>
-                </a:solidFill>
-                <a:highlight>
-                  <a:srgbClr val="FFFFFF"/>
-                </a:highlight>
-                <a:latin typeface="Consolas" panose="020B0609020204030204" charset="0"/>
-                <a:ea typeface="宋体" panose="02010600030101010101" pitchFamily="2" charset="-122"/>
+                <a:effectLst/>
+                <a:highlight>
+                  <a:srgbClr val="FFFFFF"/>
+                </a:highlight>
+                <a:latin typeface="Consolas" panose="020B0609020204030204" pitchFamily="49" charset="0"/>
+                <a:ea typeface="等线" panose="02010600030101010101" pitchFamily="2" charset="-122"/>
+                <a:cs typeface="Courier New" panose="02070309020205020404" pitchFamily="49" charset="0"/>
               </a:rPr>
               <a:t>}</a:t>
             </a:r>
-            <a:endParaRPr lang="en-US" altLang="en-US" b="1">
-              <a:solidFill>
-                <a:srgbClr val="000080"/>
-              </a:solidFill>
-              <a:highlight>
-                <a:srgbClr val="FFFFFF"/>
-              </a:highlight>
-              <a:latin typeface="Consolas" panose="020B0609020204030204" charset="0"/>
-              <a:ea typeface="宋体" panose="02010600030101010101" pitchFamily="2" charset="-122"/>
+            <a:endParaRPr lang="zh-CN" altLang="zh-CN" sz="1800" kern="100">
+              <a:effectLst/>
+              <a:latin typeface="等线" panose="02010600030101010101" pitchFamily="2" charset="-122"/>
+              <a:ea typeface="等线" panose="02010600030101010101" pitchFamily="2" charset="-122"/>
+              <a:cs typeface="Times New Roman" panose="02020603050405020304" pitchFamily="18" charset="0"/>
             </a:endParaRPr>
           </a:p>
         </p:txBody>
@@ -27064,8 +28669,8 @@
         </p:nvSpPr>
         <p:spPr>
           <a:xfrm>
-            <a:off x="6971665" y="3779520"/>
-            <a:ext cx="4467300" cy="1471295"/>
+            <a:off x="7658735" y="3779520"/>
+            <a:ext cx="3780230" cy="1796527"/>
           </a:xfrm>
           <a:prstGeom prst="rect">
             <a:avLst/>
@@ -27287,7 +28892,15 @@
                   <a:srgbClr val="FF0000"/>
                 </a:solidFill>
               </a:rPr>
-              <a:t>gcc</a:t>
+              <a:t>g</a:t>
+            </a:r>
+            <a:r>
+              <a:rPr lang="en-US">
+                <a:solidFill>
+                  <a:srgbClr val="FF0000"/>
+                </a:solidFill>
+              </a:rPr>
+              <a:t>++</a:t>
             </a:r>
             <a:r>
               <a:t>表示编译器的名称，</a:t>
@@ -27301,7 +28914,14 @@
               <a:t>-Wall</a:t>
             </a:r>
             <a:r>
-              <a:t>表示要输出所有警告信息，swap.c为需编译的源文件，</a:t>
+              <a:t>表示要输出所有警告信息，swap.c</a:t>
+            </a:r>
+            <a:r>
+              <a:rPr lang="en-US" altLang="zh-CN"/>
+              <a:t>pp</a:t>
+            </a:r>
+            <a:r>
+              <a:t>为需编译的源文件，</a:t>
             </a:r>
             <a:r>
               <a:rPr>
@@ -27511,7 +29131,7 @@
         <p:spPr>
           <a:xfrm>
             <a:off x="5953760" y="1887855"/>
-            <a:ext cx="3167380" cy="368300"/>
+            <a:ext cx="3468146" cy="369332"/>
           </a:xfrm>
           <a:prstGeom prst="rect">
             <a:avLst/>
@@ -27539,7 +29159,7 @@
                 <a:latin typeface="Consolas" panose="020B0609020204030204" charset="0"/>
                 <a:ea typeface="宋体" panose="02010600030101010101" pitchFamily="2" charset="-122"/>
               </a:rPr>
-              <a:t>gcc </a:t>
+              <a:t>g++ </a:t>
             </a:r>
             <a:r>
               <a:rPr lang="en-US" b="1">
@@ -27591,7 +29211,7 @@
                 <a:latin typeface="Consolas" panose="020B0609020204030204" charset="0"/>
                 <a:ea typeface="宋体" panose="02010600030101010101" pitchFamily="2" charset="-122"/>
               </a:rPr>
-              <a:t>c </a:t>
+              <a:t>cpp </a:t>
             </a:r>
             <a:r>
               <a:rPr lang="en-US" b="1">
@@ -27667,7 +29287,7 @@
         <p:spPr>
           <a:xfrm>
             <a:off x="5953760" y="2343150"/>
-            <a:ext cx="3167380" cy="368300"/>
+            <a:ext cx="3468146" cy="368300"/>
           </a:xfrm>
           <a:prstGeom prst="rect">
             <a:avLst/>
@@ -27695,7 +29315,7 @@
                 <a:latin typeface="Consolas" panose="020B0609020204030204" charset="0"/>
                 <a:ea typeface="宋体" panose="02010600030101010101" pitchFamily="2" charset="-122"/>
               </a:rPr>
-              <a:t>gcc </a:t>
+              <a:t>g++ </a:t>
             </a:r>
             <a:r>
               <a:rPr lang="en-US" b="1">
@@ -27823,7 +29443,7 @@
         <p:spPr>
           <a:xfrm>
             <a:off x="5953760" y="2798445"/>
-            <a:ext cx="3167380" cy="368300"/>
+            <a:ext cx="3468146" cy="368300"/>
           </a:xfrm>
           <a:prstGeom prst="rect">
             <a:avLst/>
@@ -27851,7 +29471,7 @@
                 <a:latin typeface="Consolas" panose="020B0609020204030204" charset="0"/>
                 <a:ea typeface="宋体" panose="02010600030101010101" pitchFamily="2" charset="-122"/>
               </a:rPr>
-              <a:t>gcc </a:t>
+              <a:t>g++ </a:t>
             </a:r>
             <a:r>
               <a:rPr lang="en-US" b="1">
@@ -27978,8 +29598,8 @@
         </p:nvSpPr>
         <p:spPr>
           <a:xfrm>
-            <a:off x="5953760" y="3253740"/>
-            <a:ext cx="3167380" cy="368300"/>
+            <a:off x="5953759" y="3253740"/>
+            <a:ext cx="3468146" cy="368300"/>
           </a:xfrm>
           <a:prstGeom prst="rect">
             <a:avLst/>
@@ -28007,7 +29627,7 @@
                 <a:latin typeface="Consolas" panose="020B0609020204030204" charset="0"/>
                 <a:ea typeface="宋体" panose="02010600030101010101" pitchFamily="2" charset="-122"/>
               </a:rPr>
-              <a:t>gcc swap</a:t>
+              <a:t>g++ swap</a:t>
             </a:r>
             <a:r>
               <a:rPr lang="en-US" b="1">
@@ -28333,6 +29953,14 @@
               <a:t>.c</a:t>
             </a:r>
             <a:r>
+              <a:rPr lang="en-US">
+                <a:solidFill>
+                  <a:srgbClr val="FF0000"/>
+                </a:solidFill>
+              </a:rPr>
+              <a:t>pp</a:t>
+            </a:r>
+            <a:r>
               <a:t>两部分，其中.h文件用于声明</a:t>
             </a:r>
             <a:r>
@@ -28344,7 +29972,14 @@
               <a:t>函数原型</a:t>
             </a:r>
             <a:r>
-              <a:t>，.c文件用于</a:t>
+              <a:t>，.c</a:t>
+            </a:r>
+            <a:r>
+              <a:rPr lang="en-US"/>
+              <a:t>pp</a:t>
+            </a:r>
+            <a:r>
+              <a:t>文件用于</a:t>
             </a:r>
             <a:r>
               <a:rPr>
@@ -28355,7 +29990,14 @@
               <a:t>实现函数</a:t>
             </a:r>
             <a:r>
-              <a:t>。这样其它文件只需要包含.h文件即可使用这些函数，就像包含头文件stdio.h一样，只不过自定义的头文件一般使用</a:t>
+              <a:t>。这样其它文件只需要包含.h文件即可使用这些函数，就像包含头文件</a:t>
+            </a:r>
+            <a:r>
+              <a:rPr lang="en-US"/>
+              <a:t>c</a:t>
+            </a:r>
+            <a:r>
+              <a:t>stdio一样，只不过自定义的头文件一般使用</a:t>
             </a:r>
             <a:r>
               <a:rPr>
